--- a/Project3_20161023.pptx
+++ b/Project3_20161023.pptx
@@ -5,7 +5,7 @@
     <p:sldMasterId id="2147483648" r:id="rId1"/>
   </p:sldMasterIdLst>
   <p:notesMasterIdLst>
-    <p:notesMasterId r:id="rId8"/>
+    <p:notesMasterId r:id="rId10"/>
   </p:notesMasterIdLst>
   <p:sldIdLst>
     <p:sldId id="265" r:id="rId2"/>
@@ -14,6 +14,8 @@
     <p:sldId id="261" r:id="rId5"/>
     <p:sldId id="262" r:id="rId6"/>
     <p:sldId id="266" r:id="rId7"/>
+    <p:sldId id="267" r:id="rId8"/>
+    <p:sldId id="268" r:id="rId9"/>
   </p:sldIdLst>
   <p:sldSz cx="12192000" cy="6858000"/>
   <p:notesSz cx="7010400" cy="9296400"/>
@@ -123,6 +125,8 @@
             <p14:sldId id="261"/>
             <p14:sldId id="262"/>
             <p14:sldId id="266"/>
+            <p14:sldId id="267"/>
+            <p14:sldId id="268"/>
           </p14:sldIdLst>
         </p14:section>
       </p14:sectionLst>
@@ -143,6 +147,4753 @@
     </p:ext>
   </p:extLst>
 </p:presentation>
+</file>
+
+<file path=ppt/diagrams/colors1.xml><?xml version="1.0" encoding="utf-8"?>
+<dgm:colorsDef xmlns:dgm="http://schemas.openxmlformats.org/drawingml/2006/diagram" xmlns:a="http://schemas.openxmlformats.org/drawingml/2006/main" uniqueId="urn:microsoft.com/office/officeart/2005/8/colors/accent1_2">
+  <dgm:title val=""/>
+  <dgm:desc val=""/>
+  <dgm:catLst>
+    <dgm:cat type="accent1" pri="11200"/>
+  </dgm:catLst>
+  <dgm:styleLbl name="node0">
+    <dgm:fillClrLst meth="repeat">
+      <a:schemeClr val="accent1"/>
+    </dgm:fillClrLst>
+    <dgm:linClrLst meth="repeat">
+      <a:schemeClr val="lt1"/>
+    </dgm:linClrLst>
+    <dgm:effectClrLst/>
+    <dgm:txLinClrLst/>
+    <dgm:txFillClrLst/>
+    <dgm:txEffectClrLst/>
+  </dgm:styleLbl>
+  <dgm:styleLbl name="alignNode1">
+    <dgm:fillClrLst meth="repeat">
+      <a:schemeClr val="accent1"/>
+    </dgm:fillClrLst>
+    <dgm:linClrLst meth="repeat">
+      <a:schemeClr val="accent1"/>
+    </dgm:linClrLst>
+    <dgm:effectClrLst/>
+    <dgm:txLinClrLst/>
+    <dgm:txFillClrLst/>
+    <dgm:txEffectClrLst/>
+  </dgm:styleLbl>
+  <dgm:styleLbl name="node1">
+    <dgm:fillClrLst meth="repeat">
+      <a:schemeClr val="accent1"/>
+    </dgm:fillClrLst>
+    <dgm:linClrLst meth="repeat">
+      <a:schemeClr val="lt1"/>
+    </dgm:linClrLst>
+    <dgm:effectClrLst/>
+    <dgm:txLinClrLst/>
+    <dgm:txFillClrLst/>
+    <dgm:txEffectClrLst/>
+  </dgm:styleLbl>
+  <dgm:styleLbl name="lnNode1">
+    <dgm:fillClrLst meth="repeat">
+      <a:schemeClr val="accent1"/>
+    </dgm:fillClrLst>
+    <dgm:linClrLst meth="repeat">
+      <a:schemeClr val="lt1"/>
+    </dgm:linClrLst>
+    <dgm:effectClrLst/>
+    <dgm:txLinClrLst/>
+    <dgm:txFillClrLst/>
+    <dgm:txEffectClrLst/>
+  </dgm:styleLbl>
+  <dgm:styleLbl name="vennNode1">
+    <dgm:fillClrLst meth="repeat">
+      <a:schemeClr val="accent1">
+        <a:alpha val="50000"/>
+      </a:schemeClr>
+    </dgm:fillClrLst>
+    <dgm:linClrLst meth="repeat">
+      <a:schemeClr val="lt1"/>
+    </dgm:linClrLst>
+    <dgm:effectClrLst/>
+    <dgm:txLinClrLst/>
+    <dgm:txFillClrLst/>
+    <dgm:txEffectClrLst/>
+  </dgm:styleLbl>
+  <dgm:styleLbl name="node2">
+    <dgm:fillClrLst meth="repeat">
+      <a:schemeClr val="accent1"/>
+    </dgm:fillClrLst>
+    <dgm:linClrLst meth="repeat">
+      <a:schemeClr val="lt1"/>
+    </dgm:linClrLst>
+    <dgm:effectClrLst/>
+    <dgm:txLinClrLst/>
+    <dgm:txFillClrLst/>
+    <dgm:txEffectClrLst/>
+  </dgm:styleLbl>
+  <dgm:styleLbl name="node3">
+    <dgm:fillClrLst meth="repeat">
+      <a:schemeClr val="accent1"/>
+    </dgm:fillClrLst>
+    <dgm:linClrLst meth="repeat">
+      <a:schemeClr val="lt1"/>
+    </dgm:linClrLst>
+    <dgm:effectClrLst/>
+    <dgm:txLinClrLst/>
+    <dgm:txFillClrLst/>
+    <dgm:txEffectClrLst/>
+  </dgm:styleLbl>
+  <dgm:styleLbl name="node4">
+    <dgm:fillClrLst meth="repeat">
+      <a:schemeClr val="accent1"/>
+    </dgm:fillClrLst>
+    <dgm:linClrLst meth="repeat">
+      <a:schemeClr val="lt1"/>
+    </dgm:linClrLst>
+    <dgm:effectClrLst/>
+    <dgm:txLinClrLst/>
+    <dgm:txFillClrLst/>
+    <dgm:txEffectClrLst/>
+  </dgm:styleLbl>
+  <dgm:styleLbl name="fgImgPlace1">
+    <dgm:fillClrLst meth="repeat">
+      <a:schemeClr val="accent1">
+        <a:tint val="50000"/>
+      </a:schemeClr>
+    </dgm:fillClrLst>
+    <dgm:linClrLst meth="repeat">
+      <a:schemeClr val="lt1"/>
+    </dgm:linClrLst>
+    <dgm:effectClrLst/>
+    <dgm:txLinClrLst/>
+    <dgm:txFillClrLst meth="repeat">
+      <a:schemeClr val="lt1"/>
+    </dgm:txFillClrLst>
+    <dgm:txEffectClrLst/>
+  </dgm:styleLbl>
+  <dgm:styleLbl name="alignImgPlace1">
+    <dgm:fillClrLst meth="repeat">
+      <a:schemeClr val="accent1">
+        <a:tint val="50000"/>
+      </a:schemeClr>
+    </dgm:fillClrLst>
+    <dgm:linClrLst meth="repeat">
+      <a:schemeClr val="lt1"/>
+    </dgm:linClrLst>
+    <dgm:effectClrLst/>
+    <dgm:txLinClrLst/>
+    <dgm:txFillClrLst meth="repeat">
+      <a:schemeClr val="lt1"/>
+    </dgm:txFillClrLst>
+    <dgm:txEffectClrLst/>
+  </dgm:styleLbl>
+  <dgm:styleLbl name="bgImgPlace1">
+    <dgm:fillClrLst meth="repeat">
+      <a:schemeClr val="accent1">
+        <a:tint val="50000"/>
+      </a:schemeClr>
+    </dgm:fillClrLst>
+    <dgm:linClrLst meth="repeat">
+      <a:schemeClr val="lt1"/>
+    </dgm:linClrLst>
+    <dgm:effectClrLst/>
+    <dgm:txLinClrLst/>
+    <dgm:txFillClrLst meth="repeat">
+      <a:schemeClr val="lt1"/>
+    </dgm:txFillClrLst>
+    <dgm:txEffectClrLst/>
+  </dgm:styleLbl>
+  <dgm:styleLbl name="sibTrans2D1">
+    <dgm:fillClrLst meth="repeat">
+      <a:schemeClr val="accent1">
+        <a:tint val="60000"/>
+      </a:schemeClr>
+    </dgm:fillClrLst>
+    <dgm:linClrLst meth="repeat">
+      <a:schemeClr val="accent1">
+        <a:tint val="60000"/>
+      </a:schemeClr>
+    </dgm:linClrLst>
+    <dgm:effectClrLst/>
+    <dgm:txLinClrLst/>
+    <dgm:txFillClrLst/>
+    <dgm:txEffectClrLst/>
+  </dgm:styleLbl>
+  <dgm:styleLbl name="fgSibTrans2D1">
+    <dgm:fillClrLst meth="repeat">
+      <a:schemeClr val="accent1">
+        <a:tint val="60000"/>
+      </a:schemeClr>
+    </dgm:fillClrLst>
+    <dgm:linClrLst meth="repeat">
+      <a:schemeClr val="accent1">
+        <a:tint val="60000"/>
+      </a:schemeClr>
+    </dgm:linClrLst>
+    <dgm:effectClrLst/>
+    <dgm:txLinClrLst/>
+    <dgm:txFillClrLst/>
+    <dgm:txEffectClrLst/>
+  </dgm:styleLbl>
+  <dgm:styleLbl name="bgSibTrans2D1">
+    <dgm:fillClrLst meth="repeat">
+      <a:schemeClr val="accent1">
+        <a:tint val="60000"/>
+      </a:schemeClr>
+    </dgm:fillClrLst>
+    <dgm:linClrLst meth="repeat">
+      <a:schemeClr val="accent1">
+        <a:tint val="60000"/>
+      </a:schemeClr>
+    </dgm:linClrLst>
+    <dgm:effectClrLst/>
+    <dgm:txLinClrLst/>
+    <dgm:txFillClrLst/>
+    <dgm:txEffectClrLst/>
+  </dgm:styleLbl>
+  <dgm:styleLbl name="sibTrans1D1">
+    <dgm:fillClrLst meth="repeat">
+      <a:schemeClr val="accent1"/>
+    </dgm:fillClrLst>
+    <dgm:linClrLst meth="repeat">
+      <a:schemeClr val="accent1"/>
+    </dgm:linClrLst>
+    <dgm:effectClrLst/>
+    <dgm:txLinClrLst/>
+    <dgm:txFillClrLst meth="repeat">
+      <a:schemeClr val="tx1"/>
+    </dgm:txFillClrLst>
+    <dgm:txEffectClrLst/>
+  </dgm:styleLbl>
+  <dgm:styleLbl name="callout">
+    <dgm:fillClrLst meth="repeat">
+      <a:schemeClr val="accent1"/>
+    </dgm:fillClrLst>
+    <dgm:linClrLst meth="repeat">
+      <a:schemeClr val="accent1">
+        <a:tint val="50000"/>
+      </a:schemeClr>
+    </dgm:linClrLst>
+    <dgm:effectClrLst/>
+    <dgm:txLinClrLst/>
+    <dgm:txFillClrLst meth="repeat">
+      <a:schemeClr val="tx1"/>
+    </dgm:txFillClrLst>
+    <dgm:txEffectClrLst/>
+  </dgm:styleLbl>
+  <dgm:styleLbl name="asst0">
+    <dgm:fillClrLst meth="repeat">
+      <a:schemeClr val="accent1"/>
+    </dgm:fillClrLst>
+    <dgm:linClrLst meth="repeat">
+      <a:schemeClr val="lt1"/>
+    </dgm:linClrLst>
+    <dgm:effectClrLst/>
+    <dgm:txLinClrLst/>
+    <dgm:txFillClrLst/>
+    <dgm:txEffectClrLst/>
+  </dgm:styleLbl>
+  <dgm:styleLbl name="asst1">
+    <dgm:fillClrLst meth="repeat">
+      <a:schemeClr val="accent1"/>
+    </dgm:fillClrLst>
+    <dgm:linClrLst meth="repeat">
+      <a:schemeClr val="lt1"/>
+    </dgm:linClrLst>
+    <dgm:effectClrLst/>
+    <dgm:txLinClrLst/>
+    <dgm:txFillClrLst/>
+    <dgm:txEffectClrLst/>
+  </dgm:styleLbl>
+  <dgm:styleLbl name="asst2">
+    <dgm:fillClrLst meth="repeat">
+      <a:schemeClr val="accent1"/>
+    </dgm:fillClrLst>
+    <dgm:linClrLst meth="repeat">
+      <a:schemeClr val="lt1"/>
+    </dgm:linClrLst>
+    <dgm:effectClrLst/>
+    <dgm:txLinClrLst/>
+    <dgm:txFillClrLst/>
+    <dgm:txEffectClrLst/>
+  </dgm:styleLbl>
+  <dgm:styleLbl name="asst3">
+    <dgm:fillClrLst meth="repeat">
+      <a:schemeClr val="accent1"/>
+    </dgm:fillClrLst>
+    <dgm:linClrLst meth="repeat">
+      <a:schemeClr val="lt1"/>
+    </dgm:linClrLst>
+    <dgm:effectClrLst/>
+    <dgm:txLinClrLst/>
+    <dgm:txFillClrLst/>
+    <dgm:txEffectClrLst/>
+  </dgm:styleLbl>
+  <dgm:styleLbl name="asst4">
+    <dgm:fillClrLst meth="repeat">
+      <a:schemeClr val="accent1"/>
+    </dgm:fillClrLst>
+    <dgm:linClrLst meth="repeat">
+      <a:schemeClr val="lt1"/>
+    </dgm:linClrLst>
+    <dgm:effectClrLst/>
+    <dgm:txLinClrLst/>
+    <dgm:txFillClrLst/>
+    <dgm:txEffectClrLst/>
+  </dgm:styleLbl>
+  <dgm:styleLbl name="parChTrans2D1">
+    <dgm:fillClrLst meth="repeat">
+      <a:schemeClr val="accent1">
+        <a:tint val="60000"/>
+      </a:schemeClr>
+    </dgm:fillClrLst>
+    <dgm:linClrLst meth="repeat">
+      <a:schemeClr val="accent1">
+        <a:tint val="60000"/>
+      </a:schemeClr>
+    </dgm:linClrLst>
+    <dgm:effectClrLst/>
+    <dgm:txLinClrLst/>
+    <dgm:txFillClrLst meth="repeat">
+      <a:schemeClr val="lt1"/>
+    </dgm:txFillClrLst>
+    <dgm:txEffectClrLst/>
+  </dgm:styleLbl>
+  <dgm:styleLbl name="parChTrans2D2">
+    <dgm:fillClrLst meth="repeat">
+      <a:schemeClr val="accent1"/>
+    </dgm:fillClrLst>
+    <dgm:linClrLst meth="repeat">
+      <a:schemeClr val="accent1"/>
+    </dgm:linClrLst>
+    <dgm:effectClrLst/>
+    <dgm:txLinClrLst/>
+    <dgm:txFillClrLst meth="repeat">
+      <a:schemeClr val="lt1"/>
+    </dgm:txFillClrLst>
+    <dgm:txEffectClrLst/>
+  </dgm:styleLbl>
+  <dgm:styleLbl name="parChTrans2D3">
+    <dgm:fillClrLst meth="repeat">
+      <a:schemeClr val="accent1"/>
+    </dgm:fillClrLst>
+    <dgm:linClrLst meth="repeat">
+      <a:schemeClr val="accent1"/>
+    </dgm:linClrLst>
+    <dgm:effectClrLst/>
+    <dgm:txLinClrLst/>
+    <dgm:txFillClrLst meth="repeat">
+      <a:schemeClr val="lt1"/>
+    </dgm:txFillClrLst>
+    <dgm:txEffectClrLst/>
+  </dgm:styleLbl>
+  <dgm:styleLbl name="parChTrans2D4">
+    <dgm:fillClrLst meth="repeat">
+      <a:schemeClr val="accent1"/>
+    </dgm:fillClrLst>
+    <dgm:linClrLst meth="repeat">
+      <a:schemeClr val="accent1"/>
+    </dgm:linClrLst>
+    <dgm:effectClrLst/>
+    <dgm:txLinClrLst/>
+    <dgm:txFillClrLst meth="repeat">
+      <a:schemeClr val="lt1"/>
+    </dgm:txFillClrLst>
+    <dgm:txEffectClrLst/>
+  </dgm:styleLbl>
+  <dgm:styleLbl name="parChTrans1D1">
+    <dgm:fillClrLst meth="repeat">
+      <a:schemeClr val="accent1"/>
+    </dgm:fillClrLst>
+    <dgm:linClrLst meth="repeat">
+      <a:schemeClr val="accent1">
+        <a:shade val="60000"/>
+      </a:schemeClr>
+    </dgm:linClrLst>
+    <dgm:effectClrLst/>
+    <dgm:txLinClrLst/>
+    <dgm:txFillClrLst meth="repeat">
+      <a:schemeClr val="tx1"/>
+    </dgm:txFillClrLst>
+    <dgm:txEffectClrLst/>
+  </dgm:styleLbl>
+  <dgm:styleLbl name="parChTrans1D2">
+    <dgm:fillClrLst meth="repeat">
+      <a:schemeClr val="accent1"/>
+    </dgm:fillClrLst>
+    <dgm:linClrLst meth="repeat">
+      <a:schemeClr val="accent1">
+        <a:shade val="60000"/>
+      </a:schemeClr>
+    </dgm:linClrLst>
+    <dgm:effectClrLst/>
+    <dgm:txLinClrLst/>
+    <dgm:txFillClrLst meth="repeat">
+      <a:schemeClr val="tx1"/>
+    </dgm:txFillClrLst>
+    <dgm:txEffectClrLst/>
+  </dgm:styleLbl>
+  <dgm:styleLbl name="parChTrans1D3">
+    <dgm:fillClrLst meth="repeat">
+      <a:schemeClr val="accent1"/>
+    </dgm:fillClrLst>
+    <dgm:linClrLst meth="repeat">
+      <a:schemeClr val="accent1">
+        <a:shade val="80000"/>
+      </a:schemeClr>
+    </dgm:linClrLst>
+    <dgm:effectClrLst/>
+    <dgm:txLinClrLst/>
+    <dgm:txFillClrLst meth="repeat">
+      <a:schemeClr val="tx1"/>
+    </dgm:txFillClrLst>
+    <dgm:txEffectClrLst/>
+  </dgm:styleLbl>
+  <dgm:styleLbl name="parChTrans1D4">
+    <dgm:fillClrLst meth="repeat">
+      <a:schemeClr val="accent1"/>
+    </dgm:fillClrLst>
+    <dgm:linClrLst meth="repeat">
+      <a:schemeClr val="accent1">
+        <a:shade val="80000"/>
+      </a:schemeClr>
+    </dgm:linClrLst>
+    <dgm:effectClrLst/>
+    <dgm:txLinClrLst/>
+    <dgm:txFillClrLst meth="repeat">
+      <a:schemeClr val="tx1"/>
+    </dgm:txFillClrLst>
+    <dgm:txEffectClrLst/>
+  </dgm:styleLbl>
+  <dgm:styleLbl name="fgAcc1">
+    <dgm:fillClrLst meth="repeat">
+      <a:schemeClr val="lt1">
+        <a:alpha val="90000"/>
+      </a:schemeClr>
+    </dgm:fillClrLst>
+    <dgm:linClrLst meth="repeat">
+      <a:schemeClr val="accent1"/>
+    </dgm:linClrLst>
+    <dgm:effectClrLst/>
+    <dgm:txLinClrLst/>
+    <dgm:txFillClrLst meth="repeat">
+      <a:schemeClr val="dk1"/>
+    </dgm:txFillClrLst>
+    <dgm:txEffectClrLst/>
+  </dgm:styleLbl>
+  <dgm:styleLbl name="conFgAcc1">
+    <dgm:fillClrLst meth="repeat">
+      <a:schemeClr val="lt1">
+        <a:alpha val="90000"/>
+      </a:schemeClr>
+    </dgm:fillClrLst>
+    <dgm:linClrLst meth="repeat">
+      <a:schemeClr val="accent1"/>
+    </dgm:linClrLst>
+    <dgm:effectClrLst/>
+    <dgm:txLinClrLst/>
+    <dgm:txFillClrLst meth="repeat">
+      <a:schemeClr val="dk1"/>
+    </dgm:txFillClrLst>
+    <dgm:txEffectClrLst/>
+  </dgm:styleLbl>
+  <dgm:styleLbl name="alignAcc1">
+    <dgm:fillClrLst meth="repeat">
+      <a:schemeClr val="lt1">
+        <a:alpha val="90000"/>
+      </a:schemeClr>
+    </dgm:fillClrLst>
+    <dgm:linClrLst meth="repeat">
+      <a:schemeClr val="accent1"/>
+    </dgm:linClrLst>
+    <dgm:effectClrLst/>
+    <dgm:txLinClrLst/>
+    <dgm:txFillClrLst meth="repeat">
+      <a:schemeClr val="dk1"/>
+    </dgm:txFillClrLst>
+    <dgm:txEffectClrLst/>
+  </dgm:styleLbl>
+  <dgm:styleLbl name="trAlignAcc1">
+    <dgm:fillClrLst meth="repeat">
+      <a:schemeClr val="lt1">
+        <a:alpha val="40000"/>
+      </a:schemeClr>
+    </dgm:fillClrLst>
+    <dgm:linClrLst meth="repeat">
+      <a:schemeClr val="accent1"/>
+    </dgm:linClrLst>
+    <dgm:effectClrLst/>
+    <dgm:txLinClrLst/>
+    <dgm:txFillClrLst meth="repeat">
+      <a:schemeClr val="dk1"/>
+    </dgm:txFillClrLst>
+    <dgm:txEffectClrLst/>
+  </dgm:styleLbl>
+  <dgm:styleLbl name="bgAcc1">
+    <dgm:fillClrLst meth="repeat">
+      <a:schemeClr val="lt1">
+        <a:alpha val="90000"/>
+      </a:schemeClr>
+    </dgm:fillClrLst>
+    <dgm:linClrLst meth="repeat">
+      <a:schemeClr val="accent1"/>
+    </dgm:linClrLst>
+    <dgm:effectClrLst/>
+    <dgm:txLinClrLst/>
+    <dgm:txFillClrLst meth="repeat">
+      <a:schemeClr val="dk1"/>
+    </dgm:txFillClrLst>
+    <dgm:txEffectClrLst/>
+  </dgm:styleLbl>
+  <dgm:styleLbl name="solidFgAcc1">
+    <dgm:fillClrLst meth="repeat">
+      <a:schemeClr val="lt1"/>
+    </dgm:fillClrLst>
+    <dgm:linClrLst meth="repeat">
+      <a:schemeClr val="accent1"/>
+    </dgm:linClrLst>
+    <dgm:effectClrLst/>
+    <dgm:txLinClrLst/>
+    <dgm:txFillClrLst meth="repeat">
+      <a:schemeClr val="dk1"/>
+    </dgm:txFillClrLst>
+    <dgm:txEffectClrLst/>
+  </dgm:styleLbl>
+  <dgm:styleLbl name="solidAlignAcc1">
+    <dgm:fillClrLst meth="repeat">
+      <a:schemeClr val="lt1"/>
+    </dgm:fillClrLst>
+    <dgm:linClrLst meth="repeat">
+      <a:schemeClr val="accent1"/>
+    </dgm:linClrLst>
+    <dgm:effectClrLst/>
+    <dgm:txLinClrLst/>
+    <dgm:txFillClrLst meth="repeat">
+      <a:schemeClr val="dk1"/>
+    </dgm:txFillClrLst>
+    <dgm:txEffectClrLst/>
+  </dgm:styleLbl>
+  <dgm:styleLbl name="solidBgAcc1">
+    <dgm:fillClrLst meth="repeat">
+      <a:schemeClr val="lt1"/>
+    </dgm:fillClrLst>
+    <dgm:linClrLst meth="repeat">
+      <a:schemeClr val="accent1"/>
+    </dgm:linClrLst>
+    <dgm:effectClrLst/>
+    <dgm:txLinClrLst/>
+    <dgm:txFillClrLst meth="repeat">
+      <a:schemeClr val="dk1"/>
+    </dgm:txFillClrLst>
+    <dgm:txEffectClrLst/>
+  </dgm:styleLbl>
+  <dgm:styleLbl name="fgAccFollowNode1">
+    <dgm:fillClrLst meth="repeat">
+      <a:schemeClr val="accent1">
+        <a:alpha val="90000"/>
+        <a:tint val="40000"/>
+      </a:schemeClr>
+    </dgm:fillClrLst>
+    <dgm:linClrLst meth="repeat">
+      <a:schemeClr val="accent1">
+        <a:alpha val="90000"/>
+        <a:tint val="40000"/>
+      </a:schemeClr>
+    </dgm:linClrLst>
+    <dgm:effectClrLst/>
+    <dgm:txLinClrLst/>
+    <dgm:txFillClrLst meth="repeat">
+      <a:schemeClr val="dk1"/>
+    </dgm:txFillClrLst>
+    <dgm:txEffectClrLst/>
+  </dgm:styleLbl>
+  <dgm:styleLbl name="alignAccFollowNode1">
+    <dgm:fillClrLst meth="repeat">
+      <a:schemeClr val="accent1">
+        <a:alpha val="90000"/>
+        <a:tint val="40000"/>
+      </a:schemeClr>
+    </dgm:fillClrLst>
+    <dgm:linClrLst meth="repeat">
+      <a:schemeClr val="accent1">
+        <a:alpha val="90000"/>
+        <a:tint val="40000"/>
+      </a:schemeClr>
+    </dgm:linClrLst>
+    <dgm:effectClrLst/>
+    <dgm:txLinClrLst/>
+    <dgm:txFillClrLst meth="repeat">
+      <a:schemeClr val="dk1"/>
+    </dgm:txFillClrLst>
+    <dgm:txEffectClrLst/>
+  </dgm:styleLbl>
+  <dgm:styleLbl name="bgAccFollowNode1">
+    <dgm:fillClrLst meth="repeat">
+      <a:schemeClr val="accent1">
+        <a:alpha val="90000"/>
+        <a:tint val="40000"/>
+      </a:schemeClr>
+    </dgm:fillClrLst>
+    <dgm:linClrLst meth="repeat">
+      <a:schemeClr val="accent1">
+        <a:alpha val="90000"/>
+        <a:tint val="40000"/>
+      </a:schemeClr>
+    </dgm:linClrLst>
+    <dgm:effectClrLst/>
+    <dgm:txLinClrLst/>
+    <dgm:txFillClrLst meth="repeat">
+      <a:schemeClr val="dk1"/>
+    </dgm:txFillClrLst>
+    <dgm:txEffectClrLst/>
+  </dgm:styleLbl>
+  <dgm:styleLbl name="fgAcc0">
+    <dgm:fillClrLst meth="repeat">
+      <a:schemeClr val="lt1">
+        <a:alpha val="90000"/>
+      </a:schemeClr>
+    </dgm:fillClrLst>
+    <dgm:linClrLst meth="repeat">
+      <a:schemeClr val="accent1"/>
+    </dgm:linClrLst>
+    <dgm:effectClrLst/>
+    <dgm:txLinClrLst/>
+    <dgm:txFillClrLst meth="repeat">
+      <a:schemeClr val="dk1"/>
+    </dgm:txFillClrLst>
+    <dgm:txEffectClrLst/>
+  </dgm:styleLbl>
+  <dgm:styleLbl name="fgAcc2">
+    <dgm:fillClrLst meth="repeat">
+      <a:schemeClr val="lt1">
+        <a:alpha val="90000"/>
+      </a:schemeClr>
+    </dgm:fillClrLst>
+    <dgm:linClrLst meth="repeat">
+      <a:schemeClr val="accent1"/>
+    </dgm:linClrLst>
+    <dgm:effectClrLst/>
+    <dgm:txLinClrLst/>
+    <dgm:txFillClrLst meth="repeat">
+      <a:schemeClr val="dk1"/>
+    </dgm:txFillClrLst>
+    <dgm:txEffectClrLst/>
+  </dgm:styleLbl>
+  <dgm:styleLbl name="fgAcc3">
+    <dgm:fillClrLst meth="repeat">
+      <a:schemeClr val="lt1">
+        <a:alpha val="90000"/>
+      </a:schemeClr>
+    </dgm:fillClrLst>
+    <dgm:linClrLst meth="repeat">
+      <a:schemeClr val="accent1"/>
+    </dgm:linClrLst>
+    <dgm:effectClrLst/>
+    <dgm:txLinClrLst/>
+    <dgm:txFillClrLst meth="repeat">
+      <a:schemeClr val="dk1"/>
+    </dgm:txFillClrLst>
+    <dgm:txEffectClrLst/>
+  </dgm:styleLbl>
+  <dgm:styleLbl name="fgAcc4">
+    <dgm:fillClrLst meth="repeat">
+      <a:schemeClr val="lt1">
+        <a:alpha val="90000"/>
+      </a:schemeClr>
+    </dgm:fillClrLst>
+    <dgm:linClrLst meth="repeat">
+      <a:schemeClr val="accent1"/>
+    </dgm:linClrLst>
+    <dgm:effectClrLst/>
+    <dgm:txLinClrLst/>
+    <dgm:txFillClrLst meth="repeat">
+      <a:schemeClr val="dk1"/>
+    </dgm:txFillClrLst>
+    <dgm:txEffectClrLst/>
+  </dgm:styleLbl>
+  <dgm:styleLbl name="bgShp">
+    <dgm:fillClrLst meth="repeat">
+      <a:schemeClr val="accent1">
+        <a:tint val="40000"/>
+      </a:schemeClr>
+    </dgm:fillClrLst>
+    <dgm:linClrLst meth="repeat">
+      <a:schemeClr val="accent1"/>
+    </dgm:linClrLst>
+    <dgm:effectClrLst/>
+    <dgm:txLinClrLst/>
+    <dgm:txFillClrLst meth="repeat">
+      <a:schemeClr val="dk1"/>
+    </dgm:txFillClrLst>
+    <dgm:txEffectClrLst/>
+  </dgm:styleLbl>
+  <dgm:styleLbl name="dkBgShp">
+    <dgm:fillClrLst meth="repeat">
+      <a:schemeClr val="accent1">
+        <a:shade val="80000"/>
+      </a:schemeClr>
+    </dgm:fillClrLst>
+    <dgm:linClrLst meth="repeat">
+      <a:schemeClr val="accent1"/>
+    </dgm:linClrLst>
+    <dgm:effectClrLst/>
+    <dgm:txLinClrLst/>
+    <dgm:txFillClrLst meth="repeat">
+      <a:schemeClr val="lt1"/>
+    </dgm:txFillClrLst>
+    <dgm:txEffectClrLst/>
+  </dgm:styleLbl>
+  <dgm:styleLbl name="trBgShp">
+    <dgm:fillClrLst meth="repeat">
+      <a:schemeClr val="accent1">
+        <a:tint val="50000"/>
+        <a:alpha val="40000"/>
+      </a:schemeClr>
+    </dgm:fillClrLst>
+    <dgm:linClrLst meth="repeat">
+      <a:schemeClr val="accent1"/>
+    </dgm:linClrLst>
+    <dgm:effectClrLst/>
+    <dgm:txLinClrLst/>
+    <dgm:txFillClrLst meth="repeat">
+      <a:schemeClr val="lt1"/>
+    </dgm:txFillClrLst>
+    <dgm:txEffectClrLst/>
+  </dgm:styleLbl>
+  <dgm:styleLbl name="fgShp">
+    <dgm:fillClrLst meth="repeat">
+      <a:schemeClr val="accent1">
+        <a:tint val="60000"/>
+      </a:schemeClr>
+    </dgm:fillClrLst>
+    <dgm:linClrLst meth="repeat">
+      <a:schemeClr val="lt1"/>
+    </dgm:linClrLst>
+    <dgm:effectClrLst/>
+    <dgm:txLinClrLst/>
+    <dgm:txFillClrLst meth="repeat">
+      <a:schemeClr val="dk1"/>
+    </dgm:txFillClrLst>
+    <dgm:txEffectClrLst/>
+  </dgm:styleLbl>
+  <dgm:styleLbl name="revTx">
+    <dgm:fillClrLst meth="repeat">
+      <a:schemeClr val="lt1">
+        <a:alpha val="0"/>
+      </a:schemeClr>
+    </dgm:fillClrLst>
+    <dgm:linClrLst meth="repeat">
+      <a:schemeClr val="dk1">
+        <a:alpha val="0"/>
+      </a:schemeClr>
+    </dgm:linClrLst>
+    <dgm:effectClrLst/>
+    <dgm:txLinClrLst/>
+    <dgm:txFillClrLst meth="repeat">
+      <a:schemeClr val="tx1"/>
+    </dgm:txFillClrLst>
+    <dgm:txEffectClrLst/>
+  </dgm:styleLbl>
+</dgm:colorsDef>
+</file>
+
+<file path=ppt/diagrams/data1.xml><?xml version="1.0" encoding="utf-8"?>
+<dgm:dataModel xmlns:dgm="http://schemas.openxmlformats.org/drawingml/2006/diagram" xmlns:a="http://schemas.openxmlformats.org/drawingml/2006/main">
+  <dgm:ptLst>
+    <dgm:pt modelId="{47FBA17D-7D02-1E44-A2F8-24C73272B7C9}" type="doc">
+      <dgm:prSet loTypeId="urn:microsoft.com/office/officeart/2005/8/layout/orgChart1" loCatId="relationship" qsTypeId="urn:microsoft.com/office/officeart/2005/8/quickstyle/simple1" qsCatId="simple" csTypeId="urn:microsoft.com/office/officeart/2005/8/colors/accent1_2" csCatId="accent1" phldr="1"/>
+      <dgm:spPr/>
+      <dgm:t>
+        <a:bodyPr/>
+        <a:lstStyle/>
+        <a:p>
+          <a:endParaRPr lang="en-US"/>
+        </a:p>
+      </dgm:t>
+    </dgm:pt>
+    <dgm:pt modelId="{6F559577-26D4-D840-8329-CD97802ED89B}">
+      <dgm:prSet phldrT="[Text]"/>
+      <dgm:spPr>
+        <a:solidFill>
+          <a:schemeClr val="accent2"/>
+        </a:solidFill>
+      </dgm:spPr>
+      <dgm:t>
+        <a:bodyPr/>
+        <a:lstStyle/>
+        <a:p>
+          <a:r>
+            <a:rPr lang="en-US" dirty="0" smtClean="0"/>
+            <a:t>Scrape</a:t>
+          </a:r>
+          <a:endParaRPr lang="en-US" dirty="0"/>
+        </a:p>
+      </dgm:t>
+    </dgm:pt>
+    <dgm:pt modelId="{72104BAD-1068-254E-9FA0-1CC9502B2510}" type="parTrans" cxnId="{6CAA8BDF-E544-984D-8AE0-E4C66F7183C9}">
+      <dgm:prSet/>
+      <dgm:spPr/>
+      <dgm:t>
+        <a:bodyPr/>
+        <a:lstStyle/>
+        <a:p>
+          <a:endParaRPr lang="en-US"/>
+        </a:p>
+      </dgm:t>
+    </dgm:pt>
+    <dgm:pt modelId="{11B15AC2-1100-FD48-8EED-18282A956708}" type="sibTrans" cxnId="{6CAA8BDF-E544-984D-8AE0-E4C66F7183C9}">
+      <dgm:prSet/>
+      <dgm:spPr/>
+      <dgm:t>
+        <a:bodyPr/>
+        <a:lstStyle/>
+        <a:p>
+          <a:endParaRPr lang="en-US"/>
+        </a:p>
+      </dgm:t>
+    </dgm:pt>
+    <dgm:pt modelId="{15ED5F46-58B4-4E4D-A862-8F6F6B5B43B8}">
+      <dgm:prSet/>
+      <dgm:spPr>
+        <a:solidFill>
+          <a:schemeClr val="accent3"/>
+        </a:solidFill>
+      </dgm:spPr>
+      <dgm:t>
+        <a:bodyPr/>
+        <a:lstStyle/>
+        <a:p>
+          <a:r>
+            <a:rPr lang="en-US" dirty="0" smtClean="0"/>
+            <a:t>Clean and Prep</a:t>
+          </a:r>
+          <a:endParaRPr lang="en-US" dirty="0"/>
+        </a:p>
+      </dgm:t>
+    </dgm:pt>
+    <dgm:pt modelId="{DC9B3EF4-D7C3-A04E-A9EC-F98B8A79BF14}" type="parTrans" cxnId="{8D78FAA1-529B-164E-8692-1F88E7D3C147}">
+      <dgm:prSet/>
+      <dgm:spPr/>
+      <dgm:t>
+        <a:bodyPr/>
+        <a:lstStyle/>
+        <a:p>
+          <a:endParaRPr lang="en-US"/>
+        </a:p>
+      </dgm:t>
+    </dgm:pt>
+    <dgm:pt modelId="{31038F53-8288-9541-898E-16E12D6B5AA6}" type="sibTrans" cxnId="{8D78FAA1-529B-164E-8692-1F88E7D3C147}">
+      <dgm:prSet/>
+      <dgm:spPr/>
+      <dgm:t>
+        <a:bodyPr/>
+        <a:lstStyle/>
+        <a:p>
+          <a:endParaRPr lang="en-US"/>
+        </a:p>
+      </dgm:t>
+    </dgm:pt>
+    <dgm:pt modelId="{734F2258-539F-784C-A6F2-29A2FD807C32}">
+      <dgm:prSet/>
+      <dgm:spPr/>
+      <dgm:t>
+        <a:bodyPr/>
+        <a:lstStyle/>
+        <a:p>
+          <a:r>
+            <a:rPr lang="en-US" dirty="0" smtClean="0"/>
+            <a:t>Divide Scrape into N-Gram Phrases</a:t>
+          </a:r>
+          <a:endParaRPr lang="en-US" dirty="0"/>
+        </a:p>
+      </dgm:t>
+    </dgm:pt>
+    <dgm:pt modelId="{1DB6AB30-B906-6041-B196-971267A44D97}" type="parTrans" cxnId="{FB2240F0-D960-AA47-8CC4-3497A176CBFB}">
+      <dgm:prSet/>
+      <dgm:spPr/>
+      <dgm:t>
+        <a:bodyPr/>
+        <a:lstStyle/>
+        <a:p>
+          <a:endParaRPr lang="en-US"/>
+        </a:p>
+      </dgm:t>
+    </dgm:pt>
+    <dgm:pt modelId="{3A13E5BB-9221-8948-ADC3-4C80EDA68E86}" type="sibTrans" cxnId="{FB2240F0-D960-AA47-8CC4-3497A176CBFB}">
+      <dgm:prSet/>
+      <dgm:spPr/>
+      <dgm:t>
+        <a:bodyPr/>
+        <a:lstStyle/>
+        <a:p>
+          <a:endParaRPr lang="en-US"/>
+        </a:p>
+      </dgm:t>
+    </dgm:pt>
+    <dgm:pt modelId="{4340EE3D-2976-AC48-A6CA-193E7C6EC31D}">
+      <dgm:prSet/>
+      <dgm:spPr/>
+      <dgm:t>
+        <a:bodyPr/>
+        <a:lstStyle/>
+        <a:p>
+          <a:r>
+            <a:rPr lang="en-US" dirty="0" smtClean="0"/>
+            <a:t>Pull Skills from DB</a:t>
+          </a:r>
+          <a:endParaRPr lang="en-US" dirty="0"/>
+        </a:p>
+      </dgm:t>
+    </dgm:pt>
+    <dgm:pt modelId="{DDEBE4FE-75B8-014C-B09F-7B979B50FD36}" type="parTrans" cxnId="{8617AA42-C249-2843-9344-1F111C3B53B4}">
+      <dgm:prSet/>
+      <dgm:spPr/>
+      <dgm:t>
+        <a:bodyPr/>
+        <a:lstStyle/>
+        <a:p>
+          <a:endParaRPr lang="en-US"/>
+        </a:p>
+      </dgm:t>
+    </dgm:pt>
+    <dgm:pt modelId="{96874AE5-A1B7-A949-AB56-9AECD1BD45A3}" type="sibTrans" cxnId="{8617AA42-C249-2843-9344-1F111C3B53B4}">
+      <dgm:prSet/>
+      <dgm:spPr/>
+      <dgm:t>
+        <a:bodyPr/>
+        <a:lstStyle/>
+        <a:p>
+          <a:endParaRPr lang="en-US"/>
+        </a:p>
+      </dgm:t>
+    </dgm:pt>
+    <dgm:pt modelId="{818DA14D-68FF-DF41-A0CC-BBD1F8CA3F9C}">
+      <dgm:prSet/>
+      <dgm:spPr/>
+      <dgm:t>
+        <a:bodyPr/>
+        <a:lstStyle/>
+        <a:p>
+          <a:r>
+            <a:rPr lang="en-US" dirty="0" smtClean="0"/>
+            <a:t>Count Frequency of N-Grams </a:t>
+          </a:r>
+          <a:endParaRPr lang="en-US" dirty="0"/>
+        </a:p>
+      </dgm:t>
+    </dgm:pt>
+    <dgm:pt modelId="{41464378-7671-154E-91AB-4DF0929E96CE}" type="parTrans" cxnId="{7CA8E356-F7A6-ED45-8E5C-5F96E11DB4C1}">
+      <dgm:prSet/>
+      <dgm:spPr/>
+      <dgm:t>
+        <a:bodyPr/>
+        <a:lstStyle/>
+        <a:p>
+          <a:endParaRPr lang="en-US"/>
+        </a:p>
+      </dgm:t>
+    </dgm:pt>
+    <dgm:pt modelId="{D87732E4-BD32-9D4B-8ACC-D7CB888BE6B9}" type="sibTrans" cxnId="{7CA8E356-F7A6-ED45-8E5C-5F96E11DB4C1}">
+      <dgm:prSet/>
+      <dgm:spPr/>
+      <dgm:t>
+        <a:bodyPr/>
+        <a:lstStyle/>
+        <a:p>
+          <a:endParaRPr lang="en-US"/>
+        </a:p>
+      </dgm:t>
+    </dgm:pt>
+    <dgm:pt modelId="{4D393CCB-0393-3F4C-8340-CBB9510F2ABC}">
+      <dgm:prSet/>
+      <dgm:spPr/>
+      <dgm:t>
+        <a:bodyPr/>
+        <a:lstStyle/>
+        <a:p>
+          <a:r>
+            <a:rPr lang="en-US" dirty="0" smtClean="0"/>
+            <a:t>Count Frequency of  Skill </a:t>
+          </a:r>
+          <a:r>
+            <a:rPr lang="en-US" dirty="0" err="1" smtClean="0"/>
+            <a:t>Occurences</a:t>
+          </a:r>
+          <a:endParaRPr lang="en-US" dirty="0"/>
+        </a:p>
+      </dgm:t>
+    </dgm:pt>
+    <dgm:pt modelId="{278C195B-5124-6B48-BB2C-B0EC3153866B}" type="parTrans" cxnId="{5DA47162-2389-1745-91AB-E96CF9B3B099}">
+      <dgm:prSet/>
+      <dgm:spPr/>
+      <dgm:t>
+        <a:bodyPr/>
+        <a:lstStyle/>
+        <a:p>
+          <a:endParaRPr lang="en-US"/>
+        </a:p>
+      </dgm:t>
+    </dgm:pt>
+    <dgm:pt modelId="{E8BBF6AE-895D-1E41-B30F-B728104F1279}" type="sibTrans" cxnId="{5DA47162-2389-1745-91AB-E96CF9B3B099}">
+      <dgm:prSet/>
+      <dgm:spPr/>
+      <dgm:t>
+        <a:bodyPr/>
+        <a:lstStyle/>
+        <a:p>
+          <a:endParaRPr lang="en-US"/>
+        </a:p>
+      </dgm:t>
+    </dgm:pt>
+    <dgm:pt modelId="{AF909E58-3364-614E-BF02-8785928119F4}">
+      <dgm:prSet/>
+      <dgm:spPr/>
+      <dgm:t>
+        <a:bodyPr/>
+        <a:lstStyle/>
+        <a:p>
+          <a:r>
+            <a:rPr lang="en-US" dirty="0" smtClean="0"/>
+            <a:t>Return top 1000 results</a:t>
+          </a:r>
+          <a:endParaRPr lang="en-US" dirty="0"/>
+        </a:p>
+      </dgm:t>
+    </dgm:pt>
+    <dgm:pt modelId="{DF4A3C4A-4D42-DE4E-BB0F-253BF02B6480}" type="sibTrans" cxnId="{07464372-39C0-534A-86EA-08FA2F321EB8}">
+      <dgm:prSet/>
+      <dgm:spPr/>
+      <dgm:t>
+        <a:bodyPr/>
+        <a:lstStyle/>
+        <a:p>
+          <a:endParaRPr lang="en-US"/>
+        </a:p>
+      </dgm:t>
+    </dgm:pt>
+    <dgm:pt modelId="{2945C722-C200-5346-807B-70EB47B06B78}" type="parTrans" cxnId="{07464372-39C0-534A-86EA-08FA2F321EB8}">
+      <dgm:prSet/>
+      <dgm:spPr/>
+      <dgm:t>
+        <a:bodyPr/>
+        <a:lstStyle/>
+        <a:p>
+          <a:endParaRPr lang="en-US"/>
+        </a:p>
+      </dgm:t>
+    </dgm:pt>
+    <dgm:pt modelId="{AA42F50E-B828-7249-ACED-4EAEE1CF602C}">
+      <dgm:prSet/>
+      <dgm:spPr/>
+      <dgm:t>
+        <a:bodyPr/>
+        <a:lstStyle/>
+        <a:p>
+          <a:r>
+            <a:rPr lang="en-US" dirty="0" smtClean="0"/>
+            <a:t>Cluster Analysis</a:t>
+          </a:r>
+          <a:endParaRPr lang="en-US" dirty="0"/>
+        </a:p>
+      </dgm:t>
+    </dgm:pt>
+    <dgm:pt modelId="{C657F7F3-E5E1-CC4E-8228-FE9500F5B145}" type="parTrans" cxnId="{681E236A-FB56-7845-872D-47F0C7B9EF72}">
+      <dgm:prSet/>
+      <dgm:spPr/>
+      <dgm:t>
+        <a:bodyPr/>
+        <a:lstStyle/>
+        <a:p>
+          <a:endParaRPr lang="en-US"/>
+        </a:p>
+      </dgm:t>
+    </dgm:pt>
+    <dgm:pt modelId="{FA76041A-C636-F74E-B9D2-478E6A634625}" type="sibTrans" cxnId="{681E236A-FB56-7845-872D-47F0C7B9EF72}">
+      <dgm:prSet/>
+      <dgm:spPr/>
+      <dgm:t>
+        <a:bodyPr/>
+        <a:lstStyle/>
+        <a:p>
+          <a:endParaRPr lang="en-US"/>
+        </a:p>
+      </dgm:t>
+    </dgm:pt>
+    <dgm:pt modelId="{1758C973-8892-6241-A3A5-9E66F72C3BE2}" type="pres">
+      <dgm:prSet presAssocID="{47FBA17D-7D02-1E44-A2F8-24C73272B7C9}" presName="hierChild1" presStyleCnt="0">
+        <dgm:presLayoutVars>
+          <dgm:orgChart val="1"/>
+          <dgm:chPref val="1"/>
+          <dgm:dir val="rev"/>
+          <dgm:animOne val="branch"/>
+          <dgm:animLvl val="lvl"/>
+          <dgm:resizeHandles/>
+        </dgm:presLayoutVars>
+      </dgm:prSet>
+      <dgm:spPr/>
+    </dgm:pt>
+    <dgm:pt modelId="{4EA1EFF2-F26C-7D43-8426-2C09814D430C}" type="pres">
+      <dgm:prSet presAssocID="{6F559577-26D4-D840-8329-CD97802ED89B}" presName="hierRoot1" presStyleCnt="0">
+        <dgm:presLayoutVars>
+          <dgm:hierBranch val="init"/>
+        </dgm:presLayoutVars>
+      </dgm:prSet>
+      <dgm:spPr/>
+    </dgm:pt>
+    <dgm:pt modelId="{0558BFA7-659B-B042-AA52-CB2299BBD727}" type="pres">
+      <dgm:prSet presAssocID="{6F559577-26D4-D840-8329-CD97802ED89B}" presName="rootComposite1" presStyleCnt="0"/>
+      <dgm:spPr/>
+    </dgm:pt>
+    <dgm:pt modelId="{36A46D40-416A-4E4D-A486-5F99E8533230}" type="pres">
+      <dgm:prSet presAssocID="{6F559577-26D4-D840-8329-CD97802ED89B}" presName="rootText1" presStyleLbl="node0" presStyleIdx="0" presStyleCnt="1" custLinFactNeighborX="-2266">
+        <dgm:presLayoutVars>
+          <dgm:chPref val="3"/>
+        </dgm:presLayoutVars>
+      </dgm:prSet>
+      <dgm:spPr/>
+      <dgm:t>
+        <a:bodyPr/>
+        <a:lstStyle/>
+        <a:p>
+          <a:endParaRPr lang="en-US"/>
+        </a:p>
+      </dgm:t>
+    </dgm:pt>
+    <dgm:pt modelId="{D10F930F-259B-9D4C-9FDD-B1F77E991C9F}" type="pres">
+      <dgm:prSet presAssocID="{6F559577-26D4-D840-8329-CD97802ED89B}" presName="rootConnector1" presStyleLbl="node1" presStyleIdx="0" presStyleCnt="0"/>
+      <dgm:spPr/>
+    </dgm:pt>
+    <dgm:pt modelId="{86E1DEA9-286E-144E-98F4-3146945D39D2}" type="pres">
+      <dgm:prSet presAssocID="{6F559577-26D4-D840-8329-CD97802ED89B}" presName="hierChild2" presStyleCnt="0"/>
+      <dgm:spPr/>
+    </dgm:pt>
+    <dgm:pt modelId="{00CEC982-89CB-F046-A8AE-61375C62D667}" type="pres">
+      <dgm:prSet presAssocID="{DC9B3EF4-D7C3-A04E-A9EC-F98B8A79BF14}" presName="Name37" presStyleLbl="parChTrans1D2" presStyleIdx="0" presStyleCnt="1"/>
+      <dgm:spPr/>
+    </dgm:pt>
+    <dgm:pt modelId="{6306B431-ED79-2E41-AEE2-C717E10E7FD0}" type="pres">
+      <dgm:prSet presAssocID="{15ED5F46-58B4-4E4D-A862-8F6F6B5B43B8}" presName="hierRoot2" presStyleCnt="0">
+        <dgm:presLayoutVars>
+          <dgm:hierBranch val="init"/>
+        </dgm:presLayoutVars>
+      </dgm:prSet>
+      <dgm:spPr/>
+    </dgm:pt>
+    <dgm:pt modelId="{D773463E-84E4-E542-B127-D99502ACAC2E}" type="pres">
+      <dgm:prSet presAssocID="{15ED5F46-58B4-4E4D-A862-8F6F6B5B43B8}" presName="rootComposite" presStyleCnt="0"/>
+      <dgm:spPr/>
+    </dgm:pt>
+    <dgm:pt modelId="{A48AC822-9A16-5A48-9818-2B50159E8E6E}" type="pres">
+      <dgm:prSet presAssocID="{15ED5F46-58B4-4E4D-A862-8F6F6B5B43B8}" presName="rootText" presStyleLbl="node2" presStyleIdx="0" presStyleCnt="1" custLinFactNeighborX="-1070" custLinFactNeighborY="-23012">
+        <dgm:presLayoutVars>
+          <dgm:chPref val="3"/>
+        </dgm:presLayoutVars>
+      </dgm:prSet>
+      <dgm:spPr/>
+    </dgm:pt>
+    <dgm:pt modelId="{B92E8694-9CC0-1945-AF6C-F4F74699ADA4}" type="pres">
+      <dgm:prSet presAssocID="{15ED5F46-58B4-4E4D-A862-8F6F6B5B43B8}" presName="rootConnector" presStyleLbl="node2" presStyleIdx="0" presStyleCnt="1"/>
+      <dgm:spPr/>
+    </dgm:pt>
+    <dgm:pt modelId="{63C04A9E-67AC-4A47-B877-90BF2EAF1641}" type="pres">
+      <dgm:prSet presAssocID="{15ED5F46-58B4-4E4D-A862-8F6F6B5B43B8}" presName="hierChild4" presStyleCnt="0"/>
+      <dgm:spPr/>
+    </dgm:pt>
+    <dgm:pt modelId="{DBD58A68-F34B-8047-9BD8-42CD58FF52EB}" type="pres">
+      <dgm:prSet presAssocID="{1DB6AB30-B906-6041-B196-971267A44D97}" presName="Name37" presStyleLbl="parChTrans1D3" presStyleIdx="0" presStyleCnt="2"/>
+      <dgm:spPr/>
+    </dgm:pt>
+    <dgm:pt modelId="{4EBF51D1-5DDA-1B49-84EB-1935760792B6}" type="pres">
+      <dgm:prSet presAssocID="{734F2258-539F-784C-A6F2-29A2FD807C32}" presName="hierRoot2" presStyleCnt="0">
+        <dgm:presLayoutVars>
+          <dgm:hierBranch val="init"/>
+        </dgm:presLayoutVars>
+      </dgm:prSet>
+      <dgm:spPr/>
+    </dgm:pt>
+    <dgm:pt modelId="{0B7C4209-F44F-A04B-9020-AA6130C69994}" type="pres">
+      <dgm:prSet presAssocID="{734F2258-539F-784C-A6F2-29A2FD807C32}" presName="rootComposite" presStyleCnt="0"/>
+      <dgm:spPr/>
+    </dgm:pt>
+    <dgm:pt modelId="{D83036E6-9068-7A4E-9CF1-227A3EB7B3E2}" type="pres">
+      <dgm:prSet presAssocID="{734F2258-539F-784C-A6F2-29A2FD807C32}" presName="rootText" presStyleLbl="node3" presStyleIdx="0" presStyleCnt="2" custScaleX="129957" custScaleY="105188" custLinFactX="40460" custLinFactNeighborX="100000" custLinFactNeighborY="3509">
+        <dgm:presLayoutVars>
+          <dgm:chPref val="3"/>
+        </dgm:presLayoutVars>
+      </dgm:prSet>
+      <dgm:spPr/>
+      <dgm:t>
+        <a:bodyPr/>
+        <a:lstStyle/>
+        <a:p>
+          <a:endParaRPr lang="en-US"/>
+        </a:p>
+      </dgm:t>
+    </dgm:pt>
+    <dgm:pt modelId="{B84C0DA2-E0F2-D84F-BF94-98D2BFB1A0CE}" type="pres">
+      <dgm:prSet presAssocID="{734F2258-539F-784C-A6F2-29A2FD807C32}" presName="rootConnector" presStyleLbl="node3" presStyleIdx="0" presStyleCnt="2"/>
+      <dgm:spPr/>
+    </dgm:pt>
+    <dgm:pt modelId="{8EE9BC68-8E24-EA46-A675-95FB256D90B0}" type="pres">
+      <dgm:prSet presAssocID="{734F2258-539F-784C-A6F2-29A2FD807C32}" presName="hierChild4" presStyleCnt="0"/>
+      <dgm:spPr/>
+    </dgm:pt>
+    <dgm:pt modelId="{046A05AA-D058-DD4D-BB7A-8A15AAA3C24D}" type="pres">
+      <dgm:prSet presAssocID="{41464378-7671-154E-91AB-4DF0929E96CE}" presName="Name37" presStyleLbl="parChTrans1D4" presStyleIdx="0" presStyleCnt="4"/>
+      <dgm:spPr/>
+    </dgm:pt>
+    <dgm:pt modelId="{9EE5F7E4-0789-4044-A729-9BF5987135AB}" type="pres">
+      <dgm:prSet presAssocID="{818DA14D-68FF-DF41-A0CC-BBD1F8CA3F9C}" presName="hierRoot2" presStyleCnt="0">
+        <dgm:presLayoutVars>
+          <dgm:hierBranch val="init"/>
+        </dgm:presLayoutVars>
+      </dgm:prSet>
+      <dgm:spPr/>
+    </dgm:pt>
+    <dgm:pt modelId="{4C614453-0C03-384D-996E-ECBD92A3EF99}" type="pres">
+      <dgm:prSet presAssocID="{818DA14D-68FF-DF41-A0CC-BBD1F8CA3F9C}" presName="rootComposite" presStyleCnt="0"/>
+      <dgm:spPr/>
+    </dgm:pt>
+    <dgm:pt modelId="{357C2C2C-2BEB-9F4B-B506-9734E962C2D5}" type="pres">
+      <dgm:prSet presAssocID="{818DA14D-68FF-DF41-A0CC-BBD1F8CA3F9C}" presName="rootText" presStyleLbl="node4" presStyleIdx="0" presStyleCnt="4" custScaleX="129598" custScaleY="104157" custLinFactX="40139" custLinFactNeighborX="100000" custLinFactNeighborY="5372">
+        <dgm:presLayoutVars>
+          <dgm:chPref val="3"/>
+        </dgm:presLayoutVars>
+      </dgm:prSet>
+      <dgm:spPr/>
+      <dgm:t>
+        <a:bodyPr/>
+        <a:lstStyle/>
+        <a:p>
+          <a:endParaRPr lang="en-US"/>
+        </a:p>
+      </dgm:t>
+    </dgm:pt>
+    <dgm:pt modelId="{F9DC968D-D51B-7648-8171-086B0764B3E1}" type="pres">
+      <dgm:prSet presAssocID="{818DA14D-68FF-DF41-A0CC-BBD1F8CA3F9C}" presName="rootConnector" presStyleLbl="node4" presStyleIdx="0" presStyleCnt="4"/>
+      <dgm:spPr/>
+    </dgm:pt>
+    <dgm:pt modelId="{596A388D-60A9-6946-92A1-0CEB24B6649B}" type="pres">
+      <dgm:prSet presAssocID="{818DA14D-68FF-DF41-A0CC-BBD1F8CA3F9C}" presName="hierChild4" presStyleCnt="0"/>
+      <dgm:spPr/>
+    </dgm:pt>
+    <dgm:pt modelId="{53D609EF-45C5-614D-90A2-E34254B6A812}" type="pres">
+      <dgm:prSet presAssocID="{2945C722-C200-5346-807B-70EB47B06B78}" presName="Name37" presStyleLbl="parChTrans1D4" presStyleIdx="1" presStyleCnt="4"/>
+      <dgm:spPr/>
+    </dgm:pt>
+    <dgm:pt modelId="{C8609417-2A5E-1348-AF7F-345FCE84BB6E}" type="pres">
+      <dgm:prSet presAssocID="{AF909E58-3364-614E-BF02-8785928119F4}" presName="hierRoot2" presStyleCnt="0">
+        <dgm:presLayoutVars>
+          <dgm:hierBranch val="init"/>
+        </dgm:presLayoutVars>
+      </dgm:prSet>
+      <dgm:spPr/>
+    </dgm:pt>
+    <dgm:pt modelId="{0E4D4703-0DAA-FD43-B524-32CF62BF94D1}" type="pres">
+      <dgm:prSet presAssocID="{AF909E58-3364-614E-BF02-8785928119F4}" presName="rootComposite" presStyleCnt="0"/>
+      <dgm:spPr/>
+    </dgm:pt>
+    <dgm:pt modelId="{5AE5246B-CC61-EB44-B601-F61E3D9B0FE5}" type="pres">
+      <dgm:prSet presAssocID="{AF909E58-3364-614E-BF02-8785928119F4}" presName="rootText" presStyleLbl="node4" presStyleIdx="1" presStyleCnt="4" custScaleX="126438" custScaleY="112485" custLinFactX="39547" custLinFactNeighborX="100000" custLinFactNeighborY="7512">
+        <dgm:presLayoutVars>
+          <dgm:chPref val="3"/>
+        </dgm:presLayoutVars>
+      </dgm:prSet>
+      <dgm:spPr/>
+      <dgm:t>
+        <a:bodyPr/>
+        <a:lstStyle/>
+        <a:p>
+          <a:endParaRPr lang="en-US"/>
+        </a:p>
+      </dgm:t>
+    </dgm:pt>
+    <dgm:pt modelId="{82EB4ACB-B00B-0047-BCD8-C9F446545DA7}" type="pres">
+      <dgm:prSet presAssocID="{AF909E58-3364-614E-BF02-8785928119F4}" presName="rootConnector" presStyleLbl="node4" presStyleIdx="1" presStyleCnt="4"/>
+      <dgm:spPr/>
+    </dgm:pt>
+    <dgm:pt modelId="{9AA01C4C-9984-3744-B8DE-8F46FA2E7CF8}" type="pres">
+      <dgm:prSet presAssocID="{AF909E58-3364-614E-BF02-8785928119F4}" presName="hierChild4" presStyleCnt="0"/>
+      <dgm:spPr/>
+    </dgm:pt>
+    <dgm:pt modelId="{35441D11-21F9-DA4C-A8C7-42CE818C5C5A}" type="pres">
+      <dgm:prSet presAssocID="{C657F7F3-E5E1-CC4E-8228-FE9500F5B145}" presName="Name37" presStyleLbl="parChTrans1D4" presStyleIdx="2" presStyleCnt="4"/>
+      <dgm:spPr/>
+    </dgm:pt>
+    <dgm:pt modelId="{23A4C88C-7806-F44D-954B-3F750925A150}" type="pres">
+      <dgm:prSet presAssocID="{AA42F50E-B828-7249-ACED-4EAEE1CF602C}" presName="hierRoot2" presStyleCnt="0">
+        <dgm:presLayoutVars>
+          <dgm:hierBranch val="init"/>
+        </dgm:presLayoutVars>
+      </dgm:prSet>
+      <dgm:spPr/>
+    </dgm:pt>
+    <dgm:pt modelId="{8E56CAA9-C5CC-A44F-8FA8-E6BDC4238A25}" type="pres">
+      <dgm:prSet presAssocID="{AA42F50E-B828-7249-ACED-4EAEE1CF602C}" presName="rootComposite" presStyleCnt="0"/>
+      <dgm:spPr/>
+    </dgm:pt>
+    <dgm:pt modelId="{809E3AB9-2A07-BA4B-8FA0-2AE922E39860}" type="pres">
+      <dgm:prSet presAssocID="{AA42F50E-B828-7249-ACED-4EAEE1CF602C}" presName="rootText" presStyleLbl="node4" presStyleIdx="2" presStyleCnt="4">
+        <dgm:presLayoutVars>
+          <dgm:chPref val="3"/>
+        </dgm:presLayoutVars>
+      </dgm:prSet>
+      <dgm:spPr/>
+      <dgm:t>
+        <a:bodyPr/>
+        <a:lstStyle/>
+        <a:p>
+          <a:endParaRPr lang="en-US"/>
+        </a:p>
+      </dgm:t>
+    </dgm:pt>
+    <dgm:pt modelId="{630D7A3D-047E-9341-9CD2-AF94403EDC92}" type="pres">
+      <dgm:prSet presAssocID="{AA42F50E-B828-7249-ACED-4EAEE1CF602C}" presName="rootConnector" presStyleLbl="node4" presStyleIdx="2" presStyleCnt="4"/>
+      <dgm:spPr/>
+    </dgm:pt>
+    <dgm:pt modelId="{8A6E0A49-6504-C142-B81B-F452EFA4A0F8}" type="pres">
+      <dgm:prSet presAssocID="{AA42F50E-B828-7249-ACED-4EAEE1CF602C}" presName="hierChild4" presStyleCnt="0"/>
+      <dgm:spPr/>
+    </dgm:pt>
+    <dgm:pt modelId="{873FE525-44F2-9147-9C5E-105246DC9151}" type="pres">
+      <dgm:prSet presAssocID="{AA42F50E-B828-7249-ACED-4EAEE1CF602C}" presName="hierChild5" presStyleCnt="0"/>
+      <dgm:spPr/>
+    </dgm:pt>
+    <dgm:pt modelId="{2E189789-0B87-0044-9C58-CDA950E4E19D}" type="pres">
+      <dgm:prSet presAssocID="{AF909E58-3364-614E-BF02-8785928119F4}" presName="hierChild5" presStyleCnt="0"/>
+      <dgm:spPr/>
+    </dgm:pt>
+    <dgm:pt modelId="{10C0CCF1-6AB8-1249-B220-4188D311B1CA}" type="pres">
+      <dgm:prSet presAssocID="{818DA14D-68FF-DF41-A0CC-BBD1F8CA3F9C}" presName="hierChild5" presStyleCnt="0"/>
+      <dgm:spPr/>
+    </dgm:pt>
+    <dgm:pt modelId="{58430CDD-ABFB-B24F-9087-0562C51B7AB3}" type="pres">
+      <dgm:prSet presAssocID="{734F2258-539F-784C-A6F2-29A2FD807C32}" presName="hierChild5" presStyleCnt="0"/>
+      <dgm:spPr/>
+    </dgm:pt>
+    <dgm:pt modelId="{F5141610-2511-D943-AE5C-CACF3B775767}" type="pres">
+      <dgm:prSet presAssocID="{DDEBE4FE-75B8-014C-B09F-7B979B50FD36}" presName="Name37" presStyleLbl="parChTrans1D3" presStyleIdx="1" presStyleCnt="2"/>
+      <dgm:spPr/>
+    </dgm:pt>
+    <dgm:pt modelId="{FFA4F3C0-E50B-DD4F-A475-84AA04FA2711}" type="pres">
+      <dgm:prSet presAssocID="{4340EE3D-2976-AC48-A6CA-193E7C6EC31D}" presName="hierRoot2" presStyleCnt="0">
+        <dgm:presLayoutVars>
+          <dgm:hierBranch val="init"/>
+        </dgm:presLayoutVars>
+      </dgm:prSet>
+      <dgm:spPr/>
+    </dgm:pt>
+    <dgm:pt modelId="{4CC66C19-8684-5340-BAD7-B3CED4462F0A}" type="pres">
+      <dgm:prSet presAssocID="{4340EE3D-2976-AC48-A6CA-193E7C6EC31D}" presName="rootComposite" presStyleCnt="0"/>
+      <dgm:spPr/>
+    </dgm:pt>
+    <dgm:pt modelId="{6EE82CF5-8AC2-FD44-A34F-1931DA5FDF86}" type="pres">
+      <dgm:prSet presAssocID="{4340EE3D-2976-AC48-A6CA-193E7C6EC31D}" presName="rootText" presStyleLbl="node3" presStyleIdx="1" presStyleCnt="2" custScaleX="115698" custScaleY="122979" custLinFactX="-25443" custLinFactNeighborX="-100000" custLinFactNeighborY="3074">
+        <dgm:presLayoutVars>
+          <dgm:chPref val="3"/>
+        </dgm:presLayoutVars>
+      </dgm:prSet>
+      <dgm:spPr/>
+      <dgm:t>
+        <a:bodyPr/>
+        <a:lstStyle/>
+        <a:p>
+          <a:endParaRPr lang="en-US"/>
+        </a:p>
+      </dgm:t>
+    </dgm:pt>
+    <dgm:pt modelId="{DE955B0C-772F-C947-92F9-2656EB00ECAC}" type="pres">
+      <dgm:prSet presAssocID="{4340EE3D-2976-AC48-A6CA-193E7C6EC31D}" presName="rootConnector" presStyleLbl="node3" presStyleIdx="1" presStyleCnt="2"/>
+      <dgm:spPr/>
+    </dgm:pt>
+    <dgm:pt modelId="{34955487-63EC-0E40-8ACF-EFFB5EA710CB}" type="pres">
+      <dgm:prSet presAssocID="{4340EE3D-2976-AC48-A6CA-193E7C6EC31D}" presName="hierChild4" presStyleCnt="0"/>
+      <dgm:spPr/>
+    </dgm:pt>
+    <dgm:pt modelId="{1EE70D0E-FE10-4148-887D-E185E7239678}" type="pres">
+      <dgm:prSet presAssocID="{278C195B-5124-6B48-BB2C-B0EC3153866B}" presName="Name37" presStyleLbl="parChTrans1D4" presStyleIdx="3" presStyleCnt="4"/>
+      <dgm:spPr/>
+    </dgm:pt>
+    <dgm:pt modelId="{2D724FBC-AD55-AB42-941B-4377757B3752}" type="pres">
+      <dgm:prSet presAssocID="{4D393CCB-0393-3F4C-8340-CBB9510F2ABC}" presName="hierRoot2" presStyleCnt="0">
+        <dgm:presLayoutVars>
+          <dgm:hierBranch val="init"/>
+        </dgm:presLayoutVars>
+      </dgm:prSet>
+      <dgm:spPr/>
+    </dgm:pt>
+    <dgm:pt modelId="{3089938F-8EAA-AA48-A7DF-6BCB892CC07D}" type="pres">
+      <dgm:prSet presAssocID="{4D393CCB-0393-3F4C-8340-CBB9510F2ABC}" presName="rootComposite" presStyleCnt="0"/>
+      <dgm:spPr/>
+    </dgm:pt>
+    <dgm:pt modelId="{5431EC42-6159-8C41-A695-139D62F7022B}" type="pres">
+      <dgm:prSet presAssocID="{4D393CCB-0393-3F4C-8340-CBB9510F2ABC}" presName="rootText" presStyleLbl="node4" presStyleIdx="3" presStyleCnt="4" custScaleX="122136" custScaleY="118450" custLinFactX="-45035" custLinFactY="100000" custLinFactNeighborX="-100000" custLinFactNeighborY="146402">
+        <dgm:presLayoutVars>
+          <dgm:chPref val="3"/>
+        </dgm:presLayoutVars>
+      </dgm:prSet>
+      <dgm:spPr/>
+      <dgm:t>
+        <a:bodyPr/>
+        <a:lstStyle/>
+        <a:p>
+          <a:endParaRPr lang="en-US"/>
+        </a:p>
+      </dgm:t>
+    </dgm:pt>
+    <dgm:pt modelId="{A159CACB-B460-5A44-9D3E-90B66DCC60F2}" type="pres">
+      <dgm:prSet presAssocID="{4D393CCB-0393-3F4C-8340-CBB9510F2ABC}" presName="rootConnector" presStyleLbl="node4" presStyleIdx="3" presStyleCnt="4"/>
+      <dgm:spPr/>
+    </dgm:pt>
+    <dgm:pt modelId="{8F640778-087C-B340-B1A8-D7957F0C270E}" type="pres">
+      <dgm:prSet presAssocID="{4D393CCB-0393-3F4C-8340-CBB9510F2ABC}" presName="hierChild4" presStyleCnt="0"/>
+      <dgm:spPr/>
+    </dgm:pt>
+    <dgm:pt modelId="{9D65A4CC-16B3-3649-BA85-7B0220750392}" type="pres">
+      <dgm:prSet presAssocID="{4D393CCB-0393-3F4C-8340-CBB9510F2ABC}" presName="hierChild5" presStyleCnt="0"/>
+      <dgm:spPr/>
+    </dgm:pt>
+    <dgm:pt modelId="{E294DE74-59C0-8946-BB19-A1B42508198F}" type="pres">
+      <dgm:prSet presAssocID="{4340EE3D-2976-AC48-A6CA-193E7C6EC31D}" presName="hierChild5" presStyleCnt="0"/>
+      <dgm:spPr/>
+    </dgm:pt>
+    <dgm:pt modelId="{DC779E13-90B3-A446-B31F-CA16615AF607}" type="pres">
+      <dgm:prSet presAssocID="{15ED5F46-58B4-4E4D-A862-8F6F6B5B43B8}" presName="hierChild5" presStyleCnt="0"/>
+      <dgm:spPr/>
+    </dgm:pt>
+    <dgm:pt modelId="{E91C8FED-6B6E-3842-BB3F-78A45B5E3A87}" type="pres">
+      <dgm:prSet presAssocID="{6F559577-26D4-D840-8329-CD97802ED89B}" presName="hierChild3" presStyleCnt="0"/>
+      <dgm:spPr/>
+    </dgm:pt>
+  </dgm:ptLst>
+  <dgm:cxnLst>
+    <dgm:cxn modelId="{6476213E-C8E3-5E48-8CF9-1BD7CE5EE6E3}" type="presOf" srcId="{6F559577-26D4-D840-8329-CD97802ED89B}" destId="{D10F930F-259B-9D4C-9FDD-B1F77E991C9F}" srcOrd="1" destOrd="0" presId="urn:microsoft.com/office/officeart/2005/8/layout/orgChart1"/>
+    <dgm:cxn modelId="{395C63DD-76B2-E046-B0F7-3F885A795058}" type="presOf" srcId="{C657F7F3-E5E1-CC4E-8228-FE9500F5B145}" destId="{35441D11-21F9-DA4C-A8C7-42CE818C5C5A}" srcOrd="0" destOrd="0" presId="urn:microsoft.com/office/officeart/2005/8/layout/orgChart1"/>
+    <dgm:cxn modelId="{681E236A-FB56-7845-872D-47F0C7B9EF72}" srcId="{AF909E58-3364-614E-BF02-8785928119F4}" destId="{AA42F50E-B828-7249-ACED-4EAEE1CF602C}" srcOrd="0" destOrd="0" parTransId="{C657F7F3-E5E1-CC4E-8228-FE9500F5B145}" sibTransId="{FA76041A-C636-F74E-B9D2-478E6A634625}"/>
+    <dgm:cxn modelId="{65AC168F-7F76-E04F-8153-C2DFA6D5E6D2}" type="presOf" srcId="{47FBA17D-7D02-1E44-A2F8-24C73272B7C9}" destId="{1758C973-8892-6241-A3A5-9E66F72C3BE2}" srcOrd="0" destOrd="0" presId="urn:microsoft.com/office/officeart/2005/8/layout/orgChart1"/>
+    <dgm:cxn modelId="{FB2240F0-D960-AA47-8CC4-3497A176CBFB}" srcId="{15ED5F46-58B4-4E4D-A862-8F6F6B5B43B8}" destId="{734F2258-539F-784C-A6F2-29A2FD807C32}" srcOrd="0" destOrd="0" parTransId="{1DB6AB30-B906-6041-B196-971267A44D97}" sibTransId="{3A13E5BB-9221-8948-ADC3-4C80EDA68E86}"/>
+    <dgm:cxn modelId="{CD149EDE-38A9-8B4E-90A9-61FA0BB7466A}" type="presOf" srcId="{6F559577-26D4-D840-8329-CD97802ED89B}" destId="{36A46D40-416A-4E4D-A486-5F99E8533230}" srcOrd="0" destOrd="0" presId="urn:microsoft.com/office/officeart/2005/8/layout/orgChart1"/>
+    <dgm:cxn modelId="{23879330-4AEE-BC40-8C1B-5841307921BE}" type="presOf" srcId="{278C195B-5124-6B48-BB2C-B0EC3153866B}" destId="{1EE70D0E-FE10-4148-887D-E185E7239678}" srcOrd="0" destOrd="0" presId="urn:microsoft.com/office/officeart/2005/8/layout/orgChart1"/>
+    <dgm:cxn modelId="{5DA47162-2389-1745-91AB-E96CF9B3B099}" srcId="{4340EE3D-2976-AC48-A6CA-193E7C6EC31D}" destId="{4D393CCB-0393-3F4C-8340-CBB9510F2ABC}" srcOrd="0" destOrd="0" parTransId="{278C195B-5124-6B48-BB2C-B0EC3153866B}" sibTransId="{E8BBF6AE-895D-1E41-B30F-B728104F1279}"/>
+    <dgm:cxn modelId="{07464372-39C0-534A-86EA-08FA2F321EB8}" srcId="{818DA14D-68FF-DF41-A0CC-BBD1F8CA3F9C}" destId="{AF909E58-3364-614E-BF02-8785928119F4}" srcOrd="0" destOrd="0" parTransId="{2945C722-C200-5346-807B-70EB47B06B78}" sibTransId="{DF4A3C4A-4D42-DE4E-BB0F-253BF02B6480}"/>
+    <dgm:cxn modelId="{566DB926-E8DE-B34D-9980-10DBF771FF04}" type="presOf" srcId="{AF909E58-3364-614E-BF02-8785928119F4}" destId="{82EB4ACB-B00B-0047-BCD8-C9F446545DA7}" srcOrd="1" destOrd="0" presId="urn:microsoft.com/office/officeart/2005/8/layout/orgChart1"/>
+    <dgm:cxn modelId="{70B9CF75-3DD9-0C44-8016-2557EB422CBE}" type="presOf" srcId="{734F2258-539F-784C-A6F2-29A2FD807C32}" destId="{B84C0DA2-E0F2-D84F-BF94-98D2BFB1A0CE}" srcOrd="1" destOrd="0" presId="urn:microsoft.com/office/officeart/2005/8/layout/orgChart1"/>
+    <dgm:cxn modelId="{F6AFD5A6-D3D2-C649-AE45-CD9AF0097431}" type="presOf" srcId="{15ED5F46-58B4-4E4D-A862-8F6F6B5B43B8}" destId="{A48AC822-9A16-5A48-9818-2B50159E8E6E}" srcOrd="0" destOrd="0" presId="urn:microsoft.com/office/officeart/2005/8/layout/orgChart1"/>
+    <dgm:cxn modelId="{73820C80-9539-2244-A739-27B0DC342D99}" type="presOf" srcId="{15ED5F46-58B4-4E4D-A862-8F6F6B5B43B8}" destId="{B92E8694-9CC0-1945-AF6C-F4F74699ADA4}" srcOrd="1" destOrd="0" presId="urn:microsoft.com/office/officeart/2005/8/layout/orgChart1"/>
+    <dgm:cxn modelId="{FD0415EE-8EE9-1F46-AE60-0630BB183189}" type="presOf" srcId="{41464378-7671-154E-91AB-4DF0929E96CE}" destId="{046A05AA-D058-DD4D-BB7A-8A15AAA3C24D}" srcOrd="0" destOrd="0" presId="urn:microsoft.com/office/officeart/2005/8/layout/orgChart1"/>
+    <dgm:cxn modelId="{207956BD-F317-AD41-9EBB-861B4A9467DA}" type="presOf" srcId="{DDEBE4FE-75B8-014C-B09F-7B979B50FD36}" destId="{F5141610-2511-D943-AE5C-CACF3B775767}" srcOrd="0" destOrd="0" presId="urn:microsoft.com/office/officeart/2005/8/layout/orgChart1"/>
+    <dgm:cxn modelId="{2AAE0BFF-1351-244B-A4B2-1191664F46FB}" type="presOf" srcId="{4D393CCB-0393-3F4C-8340-CBB9510F2ABC}" destId="{A159CACB-B460-5A44-9D3E-90B66DCC60F2}" srcOrd="1" destOrd="0" presId="urn:microsoft.com/office/officeart/2005/8/layout/orgChart1"/>
+    <dgm:cxn modelId="{7CA8E356-F7A6-ED45-8E5C-5F96E11DB4C1}" srcId="{734F2258-539F-784C-A6F2-29A2FD807C32}" destId="{818DA14D-68FF-DF41-A0CC-BBD1F8CA3F9C}" srcOrd="0" destOrd="0" parTransId="{41464378-7671-154E-91AB-4DF0929E96CE}" sibTransId="{D87732E4-BD32-9D4B-8ACC-D7CB888BE6B9}"/>
+    <dgm:cxn modelId="{8B89117E-9B2B-2640-AD60-915A195C5536}" type="presOf" srcId="{4340EE3D-2976-AC48-A6CA-193E7C6EC31D}" destId="{DE955B0C-772F-C947-92F9-2656EB00ECAC}" srcOrd="1" destOrd="0" presId="urn:microsoft.com/office/officeart/2005/8/layout/orgChart1"/>
+    <dgm:cxn modelId="{45D297CB-8F57-5340-9762-49EEF75ECBD2}" type="presOf" srcId="{4340EE3D-2976-AC48-A6CA-193E7C6EC31D}" destId="{6EE82CF5-8AC2-FD44-A34F-1931DA5FDF86}" srcOrd="0" destOrd="0" presId="urn:microsoft.com/office/officeart/2005/8/layout/orgChart1"/>
+    <dgm:cxn modelId="{8617AA42-C249-2843-9344-1F111C3B53B4}" srcId="{15ED5F46-58B4-4E4D-A862-8F6F6B5B43B8}" destId="{4340EE3D-2976-AC48-A6CA-193E7C6EC31D}" srcOrd="1" destOrd="0" parTransId="{DDEBE4FE-75B8-014C-B09F-7B979B50FD36}" sibTransId="{96874AE5-A1B7-A949-AB56-9AECD1BD45A3}"/>
+    <dgm:cxn modelId="{6CAA8BDF-E544-984D-8AE0-E4C66F7183C9}" srcId="{47FBA17D-7D02-1E44-A2F8-24C73272B7C9}" destId="{6F559577-26D4-D840-8329-CD97802ED89B}" srcOrd="0" destOrd="0" parTransId="{72104BAD-1068-254E-9FA0-1CC9502B2510}" sibTransId="{11B15AC2-1100-FD48-8EED-18282A956708}"/>
+    <dgm:cxn modelId="{6C5E7CD0-610A-3F40-8DA4-1C217E81FFD6}" type="presOf" srcId="{AA42F50E-B828-7249-ACED-4EAEE1CF602C}" destId="{630D7A3D-047E-9341-9CD2-AF94403EDC92}" srcOrd="1" destOrd="0" presId="urn:microsoft.com/office/officeart/2005/8/layout/orgChart1"/>
+    <dgm:cxn modelId="{35C5E15F-AB80-7841-AA29-AD2B5CA23B3C}" type="presOf" srcId="{2945C722-C200-5346-807B-70EB47B06B78}" destId="{53D609EF-45C5-614D-90A2-E34254B6A812}" srcOrd="0" destOrd="0" presId="urn:microsoft.com/office/officeart/2005/8/layout/orgChart1"/>
+    <dgm:cxn modelId="{822A5C54-F3D6-3A4B-8590-78D85C6D74FD}" type="presOf" srcId="{4D393CCB-0393-3F4C-8340-CBB9510F2ABC}" destId="{5431EC42-6159-8C41-A695-139D62F7022B}" srcOrd="0" destOrd="0" presId="urn:microsoft.com/office/officeart/2005/8/layout/orgChart1"/>
+    <dgm:cxn modelId="{12BA3513-E36A-FC42-A57F-8958E30DA43A}" type="presOf" srcId="{818DA14D-68FF-DF41-A0CC-BBD1F8CA3F9C}" destId="{357C2C2C-2BEB-9F4B-B506-9734E962C2D5}" srcOrd="0" destOrd="0" presId="urn:microsoft.com/office/officeart/2005/8/layout/orgChart1"/>
+    <dgm:cxn modelId="{89777473-CC31-6648-BB67-2C3E9AD80468}" type="presOf" srcId="{818DA14D-68FF-DF41-A0CC-BBD1F8CA3F9C}" destId="{F9DC968D-D51B-7648-8171-086B0764B3E1}" srcOrd="1" destOrd="0" presId="urn:microsoft.com/office/officeart/2005/8/layout/orgChart1"/>
+    <dgm:cxn modelId="{F6007B94-5014-2E49-B73B-90E75ED88811}" type="presOf" srcId="{AA42F50E-B828-7249-ACED-4EAEE1CF602C}" destId="{809E3AB9-2A07-BA4B-8FA0-2AE922E39860}" srcOrd="0" destOrd="0" presId="urn:microsoft.com/office/officeart/2005/8/layout/orgChart1"/>
+    <dgm:cxn modelId="{A14E1DFB-6594-C24F-83C7-D827BD199096}" type="presOf" srcId="{734F2258-539F-784C-A6F2-29A2FD807C32}" destId="{D83036E6-9068-7A4E-9CF1-227A3EB7B3E2}" srcOrd="0" destOrd="0" presId="urn:microsoft.com/office/officeart/2005/8/layout/orgChart1"/>
+    <dgm:cxn modelId="{D5A1456A-828B-B341-98A6-ECB1B7128209}" type="presOf" srcId="{1DB6AB30-B906-6041-B196-971267A44D97}" destId="{DBD58A68-F34B-8047-9BD8-42CD58FF52EB}" srcOrd="0" destOrd="0" presId="urn:microsoft.com/office/officeart/2005/8/layout/orgChart1"/>
+    <dgm:cxn modelId="{8D78FAA1-529B-164E-8692-1F88E7D3C147}" srcId="{6F559577-26D4-D840-8329-CD97802ED89B}" destId="{15ED5F46-58B4-4E4D-A862-8F6F6B5B43B8}" srcOrd="0" destOrd="0" parTransId="{DC9B3EF4-D7C3-A04E-A9EC-F98B8A79BF14}" sibTransId="{31038F53-8288-9541-898E-16E12D6B5AA6}"/>
+    <dgm:cxn modelId="{65549B51-A913-E94E-8A0B-BA3A93BCB111}" type="presOf" srcId="{AF909E58-3364-614E-BF02-8785928119F4}" destId="{5AE5246B-CC61-EB44-B601-F61E3D9B0FE5}" srcOrd="0" destOrd="0" presId="urn:microsoft.com/office/officeart/2005/8/layout/orgChart1"/>
+    <dgm:cxn modelId="{26B8567E-C96F-7744-95AA-AC4304BEB33B}" type="presOf" srcId="{DC9B3EF4-D7C3-A04E-A9EC-F98B8A79BF14}" destId="{00CEC982-89CB-F046-A8AE-61375C62D667}" srcOrd="0" destOrd="0" presId="urn:microsoft.com/office/officeart/2005/8/layout/orgChart1"/>
+    <dgm:cxn modelId="{0D197E05-C764-CB4C-847D-4D901ECF9482}" type="presParOf" srcId="{1758C973-8892-6241-A3A5-9E66F72C3BE2}" destId="{4EA1EFF2-F26C-7D43-8426-2C09814D430C}" srcOrd="0" destOrd="0" presId="urn:microsoft.com/office/officeart/2005/8/layout/orgChart1"/>
+    <dgm:cxn modelId="{73088AA9-ED5F-D646-89D5-085BC15DE08C}" type="presParOf" srcId="{4EA1EFF2-F26C-7D43-8426-2C09814D430C}" destId="{0558BFA7-659B-B042-AA52-CB2299BBD727}" srcOrd="0" destOrd="0" presId="urn:microsoft.com/office/officeart/2005/8/layout/orgChart1"/>
+    <dgm:cxn modelId="{962A4F46-80E4-A24E-ADFA-83AFC29FEBF6}" type="presParOf" srcId="{0558BFA7-659B-B042-AA52-CB2299BBD727}" destId="{36A46D40-416A-4E4D-A486-5F99E8533230}" srcOrd="0" destOrd="0" presId="urn:microsoft.com/office/officeart/2005/8/layout/orgChart1"/>
+    <dgm:cxn modelId="{9C3FCA2F-163C-C546-A6AE-D5CB64A6718F}" type="presParOf" srcId="{0558BFA7-659B-B042-AA52-CB2299BBD727}" destId="{D10F930F-259B-9D4C-9FDD-B1F77E991C9F}" srcOrd="1" destOrd="0" presId="urn:microsoft.com/office/officeart/2005/8/layout/orgChart1"/>
+    <dgm:cxn modelId="{2DEFF5B4-10C8-7747-96E8-A5B3EA0B9D1A}" type="presParOf" srcId="{4EA1EFF2-F26C-7D43-8426-2C09814D430C}" destId="{86E1DEA9-286E-144E-98F4-3146945D39D2}" srcOrd="1" destOrd="0" presId="urn:microsoft.com/office/officeart/2005/8/layout/orgChart1"/>
+    <dgm:cxn modelId="{9990B797-1E85-8F46-B452-6D5278BC4487}" type="presParOf" srcId="{86E1DEA9-286E-144E-98F4-3146945D39D2}" destId="{00CEC982-89CB-F046-A8AE-61375C62D667}" srcOrd="0" destOrd="0" presId="urn:microsoft.com/office/officeart/2005/8/layout/orgChart1"/>
+    <dgm:cxn modelId="{12B0FDD7-D5D5-B042-A492-CA0C722B05AF}" type="presParOf" srcId="{86E1DEA9-286E-144E-98F4-3146945D39D2}" destId="{6306B431-ED79-2E41-AEE2-C717E10E7FD0}" srcOrd="1" destOrd="0" presId="urn:microsoft.com/office/officeart/2005/8/layout/orgChart1"/>
+    <dgm:cxn modelId="{59A8C2BA-856B-324B-B366-CCD3A515201C}" type="presParOf" srcId="{6306B431-ED79-2E41-AEE2-C717E10E7FD0}" destId="{D773463E-84E4-E542-B127-D99502ACAC2E}" srcOrd="0" destOrd="0" presId="urn:microsoft.com/office/officeart/2005/8/layout/orgChart1"/>
+    <dgm:cxn modelId="{AFE233A9-4E52-0C4E-81DC-EED1774C8AB8}" type="presParOf" srcId="{D773463E-84E4-E542-B127-D99502ACAC2E}" destId="{A48AC822-9A16-5A48-9818-2B50159E8E6E}" srcOrd="0" destOrd="0" presId="urn:microsoft.com/office/officeart/2005/8/layout/orgChart1"/>
+    <dgm:cxn modelId="{0F7B31BB-14D4-0F42-81D0-772D20447C00}" type="presParOf" srcId="{D773463E-84E4-E542-B127-D99502ACAC2E}" destId="{B92E8694-9CC0-1945-AF6C-F4F74699ADA4}" srcOrd="1" destOrd="0" presId="urn:microsoft.com/office/officeart/2005/8/layout/orgChart1"/>
+    <dgm:cxn modelId="{4110375B-AB47-AD42-951D-A251103844D9}" type="presParOf" srcId="{6306B431-ED79-2E41-AEE2-C717E10E7FD0}" destId="{63C04A9E-67AC-4A47-B877-90BF2EAF1641}" srcOrd="1" destOrd="0" presId="urn:microsoft.com/office/officeart/2005/8/layout/orgChart1"/>
+    <dgm:cxn modelId="{EB38962B-3556-F644-9AA9-25F549033EDF}" type="presParOf" srcId="{63C04A9E-67AC-4A47-B877-90BF2EAF1641}" destId="{DBD58A68-F34B-8047-9BD8-42CD58FF52EB}" srcOrd="0" destOrd="0" presId="urn:microsoft.com/office/officeart/2005/8/layout/orgChart1"/>
+    <dgm:cxn modelId="{E77C3247-194B-E249-BB8E-DE3AD0D7E245}" type="presParOf" srcId="{63C04A9E-67AC-4A47-B877-90BF2EAF1641}" destId="{4EBF51D1-5DDA-1B49-84EB-1935760792B6}" srcOrd="1" destOrd="0" presId="urn:microsoft.com/office/officeart/2005/8/layout/orgChart1"/>
+    <dgm:cxn modelId="{6DBCC56E-EC84-EC47-B136-3A35AB592887}" type="presParOf" srcId="{4EBF51D1-5DDA-1B49-84EB-1935760792B6}" destId="{0B7C4209-F44F-A04B-9020-AA6130C69994}" srcOrd="0" destOrd="0" presId="urn:microsoft.com/office/officeart/2005/8/layout/orgChart1"/>
+    <dgm:cxn modelId="{FF20B3F9-677F-5840-B508-1B10D09A794A}" type="presParOf" srcId="{0B7C4209-F44F-A04B-9020-AA6130C69994}" destId="{D83036E6-9068-7A4E-9CF1-227A3EB7B3E2}" srcOrd="0" destOrd="0" presId="urn:microsoft.com/office/officeart/2005/8/layout/orgChart1"/>
+    <dgm:cxn modelId="{1BCEBCCA-F1D9-6246-B931-066FED26210D}" type="presParOf" srcId="{0B7C4209-F44F-A04B-9020-AA6130C69994}" destId="{B84C0DA2-E0F2-D84F-BF94-98D2BFB1A0CE}" srcOrd="1" destOrd="0" presId="urn:microsoft.com/office/officeart/2005/8/layout/orgChart1"/>
+    <dgm:cxn modelId="{8DC8B779-C024-2D42-B7FD-614FF8D9997D}" type="presParOf" srcId="{4EBF51D1-5DDA-1B49-84EB-1935760792B6}" destId="{8EE9BC68-8E24-EA46-A675-95FB256D90B0}" srcOrd="1" destOrd="0" presId="urn:microsoft.com/office/officeart/2005/8/layout/orgChart1"/>
+    <dgm:cxn modelId="{35EC5E31-0E2D-8E48-86C4-82BFC6610F9E}" type="presParOf" srcId="{8EE9BC68-8E24-EA46-A675-95FB256D90B0}" destId="{046A05AA-D058-DD4D-BB7A-8A15AAA3C24D}" srcOrd="0" destOrd="0" presId="urn:microsoft.com/office/officeart/2005/8/layout/orgChart1"/>
+    <dgm:cxn modelId="{F277FDD8-C782-8545-AC04-B75410557619}" type="presParOf" srcId="{8EE9BC68-8E24-EA46-A675-95FB256D90B0}" destId="{9EE5F7E4-0789-4044-A729-9BF5987135AB}" srcOrd="1" destOrd="0" presId="urn:microsoft.com/office/officeart/2005/8/layout/orgChart1"/>
+    <dgm:cxn modelId="{FA99D6B8-C290-CF4B-BEE1-A66E25A63C06}" type="presParOf" srcId="{9EE5F7E4-0789-4044-A729-9BF5987135AB}" destId="{4C614453-0C03-384D-996E-ECBD92A3EF99}" srcOrd="0" destOrd="0" presId="urn:microsoft.com/office/officeart/2005/8/layout/orgChart1"/>
+    <dgm:cxn modelId="{72476BFB-6F0A-E643-BCFD-AE9608406B00}" type="presParOf" srcId="{4C614453-0C03-384D-996E-ECBD92A3EF99}" destId="{357C2C2C-2BEB-9F4B-B506-9734E962C2D5}" srcOrd="0" destOrd="0" presId="urn:microsoft.com/office/officeart/2005/8/layout/orgChart1"/>
+    <dgm:cxn modelId="{3917643A-66E8-8C49-8131-C9A10F167EE6}" type="presParOf" srcId="{4C614453-0C03-384D-996E-ECBD92A3EF99}" destId="{F9DC968D-D51B-7648-8171-086B0764B3E1}" srcOrd="1" destOrd="0" presId="urn:microsoft.com/office/officeart/2005/8/layout/orgChart1"/>
+    <dgm:cxn modelId="{94295FC4-639D-9047-A680-9767F3D541DD}" type="presParOf" srcId="{9EE5F7E4-0789-4044-A729-9BF5987135AB}" destId="{596A388D-60A9-6946-92A1-0CEB24B6649B}" srcOrd="1" destOrd="0" presId="urn:microsoft.com/office/officeart/2005/8/layout/orgChart1"/>
+    <dgm:cxn modelId="{2D01278A-CF5B-2941-B299-06824574F242}" type="presParOf" srcId="{596A388D-60A9-6946-92A1-0CEB24B6649B}" destId="{53D609EF-45C5-614D-90A2-E34254B6A812}" srcOrd="0" destOrd="0" presId="urn:microsoft.com/office/officeart/2005/8/layout/orgChart1"/>
+    <dgm:cxn modelId="{53E81301-580E-8E4C-8BDB-7F8EBF517F87}" type="presParOf" srcId="{596A388D-60A9-6946-92A1-0CEB24B6649B}" destId="{C8609417-2A5E-1348-AF7F-345FCE84BB6E}" srcOrd="1" destOrd="0" presId="urn:microsoft.com/office/officeart/2005/8/layout/orgChart1"/>
+    <dgm:cxn modelId="{CB2E415A-831D-734B-9630-2E367233CEA0}" type="presParOf" srcId="{C8609417-2A5E-1348-AF7F-345FCE84BB6E}" destId="{0E4D4703-0DAA-FD43-B524-32CF62BF94D1}" srcOrd="0" destOrd="0" presId="urn:microsoft.com/office/officeart/2005/8/layout/orgChart1"/>
+    <dgm:cxn modelId="{46A43669-CB15-984C-A9B8-07B671E903D5}" type="presParOf" srcId="{0E4D4703-0DAA-FD43-B524-32CF62BF94D1}" destId="{5AE5246B-CC61-EB44-B601-F61E3D9B0FE5}" srcOrd="0" destOrd="0" presId="urn:microsoft.com/office/officeart/2005/8/layout/orgChart1"/>
+    <dgm:cxn modelId="{DC632B0C-2844-C542-A396-4B606D64BB09}" type="presParOf" srcId="{0E4D4703-0DAA-FD43-B524-32CF62BF94D1}" destId="{82EB4ACB-B00B-0047-BCD8-C9F446545DA7}" srcOrd="1" destOrd="0" presId="urn:microsoft.com/office/officeart/2005/8/layout/orgChart1"/>
+    <dgm:cxn modelId="{246D2FB7-7A74-7446-8467-C44401D96CED}" type="presParOf" srcId="{C8609417-2A5E-1348-AF7F-345FCE84BB6E}" destId="{9AA01C4C-9984-3744-B8DE-8F46FA2E7CF8}" srcOrd="1" destOrd="0" presId="urn:microsoft.com/office/officeart/2005/8/layout/orgChart1"/>
+    <dgm:cxn modelId="{F6DE5712-2D1B-4D42-B478-A2D119E50116}" type="presParOf" srcId="{9AA01C4C-9984-3744-B8DE-8F46FA2E7CF8}" destId="{35441D11-21F9-DA4C-A8C7-42CE818C5C5A}" srcOrd="0" destOrd="0" presId="urn:microsoft.com/office/officeart/2005/8/layout/orgChart1"/>
+    <dgm:cxn modelId="{D39CED25-006A-9943-851C-D43735DA9E55}" type="presParOf" srcId="{9AA01C4C-9984-3744-B8DE-8F46FA2E7CF8}" destId="{23A4C88C-7806-F44D-954B-3F750925A150}" srcOrd="1" destOrd="0" presId="urn:microsoft.com/office/officeart/2005/8/layout/orgChart1"/>
+    <dgm:cxn modelId="{93717EAD-4F0A-2741-9D6A-D458CF992C96}" type="presParOf" srcId="{23A4C88C-7806-F44D-954B-3F750925A150}" destId="{8E56CAA9-C5CC-A44F-8FA8-E6BDC4238A25}" srcOrd="0" destOrd="0" presId="urn:microsoft.com/office/officeart/2005/8/layout/orgChart1"/>
+    <dgm:cxn modelId="{9BBA049D-3025-AC4E-9C48-DE21C0A62101}" type="presParOf" srcId="{8E56CAA9-C5CC-A44F-8FA8-E6BDC4238A25}" destId="{809E3AB9-2A07-BA4B-8FA0-2AE922E39860}" srcOrd="0" destOrd="0" presId="urn:microsoft.com/office/officeart/2005/8/layout/orgChart1"/>
+    <dgm:cxn modelId="{802FDEED-0CC9-F148-8B81-F2FFF3EE5E72}" type="presParOf" srcId="{8E56CAA9-C5CC-A44F-8FA8-E6BDC4238A25}" destId="{630D7A3D-047E-9341-9CD2-AF94403EDC92}" srcOrd="1" destOrd="0" presId="urn:microsoft.com/office/officeart/2005/8/layout/orgChart1"/>
+    <dgm:cxn modelId="{ABA67633-F5A9-BA4C-B28E-C5A05A3F5741}" type="presParOf" srcId="{23A4C88C-7806-F44D-954B-3F750925A150}" destId="{8A6E0A49-6504-C142-B81B-F452EFA4A0F8}" srcOrd="1" destOrd="0" presId="urn:microsoft.com/office/officeart/2005/8/layout/orgChart1"/>
+    <dgm:cxn modelId="{1C646F7E-DF83-B745-87DF-9C019AE91113}" type="presParOf" srcId="{23A4C88C-7806-F44D-954B-3F750925A150}" destId="{873FE525-44F2-9147-9C5E-105246DC9151}" srcOrd="2" destOrd="0" presId="urn:microsoft.com/office/officeart/2005/8/layout/orgChart1"/>
+    <dgm:cxn modelId="{675745AA-92C3-1648-84E1-677EE05150BC}" type="presParOf" srcId="{C8609417-2A5E-1348-AF7F-345FCE84BB6E}" destId="{2E189789-0B87-0044-9C58-CDA950E4E19D}" srcOrd="2" destOrd="0" presId="urn:microsoft.com/office/officeart/2005/8/layout/orgChart1"/>
+    <dgm:cxn modelId="{8E2F75AD-7822-BD48-8C8A-F09D35D7742A}" type="presParOf" srcId="{9EE5F7E4-0789-4044-A729-9BF5987135AB}" destId="{10C0CCF1-6AB8-1249-B220-4188D311B1CA}" srcOrd="2" destOrd="0" presId="urn:microsoft.com/office/officeart/2005/8/layout/orgChart1"/>
+    <dgm:cxn modelId="{85B8F0F5-8E3B-0D44-91CF-CEACED975AC9}" type="presParOf" srcId="{4EBF51D1-5DDA-1B49-84EB-1935760792B6}" destId="{58430CDD-ABFB-B24F-9087-0562C51B7AB3}" srcOrd="2" destOrd="0" presId="urn:microsoft.com/office/officeart/2005/8/layout/orgChart1"/>
+    <dgm:cxn modelId="{2226AB04-C709-844E-ACED-B08C202CBCA2}" type="presParOf" srcId="{63C04A9E-67AC-4A47-B877-90BF2EAF1641}" destId="{F5141610-2511-D943-AE5C-CACF3B775767}" srcOrd="2" destOrd="0" presId="urn:microsoft.com/office/officeart/2005/8/layout/orgChart1"/>
+    <dgm:cxn modelId="{CD0CA208-32DF-8744-9633-A886FC1779E7}" type="presParOf" srcId="{63C04A9E-67AC-4A47-B877-90BF2EAF1641}" destId="{FFA4F3C0-E50B-DD4F-A475-84AA04FA2711}" srcOrd="3" destOrd="0" presId="urn:microsoft.com/office/officeart/2005/8/layout/orgChart1"/>
+    <dgm:cxn modelId="{83B4540B-77EE-D149-B3E5-397467C1B944}" type="presParOf" srcId="{FFA4F3C0-E50B-DD4F-A475-84AA04FA2711}" destId="{4CC66C19-8684-5340-BAD7-B3CED4462F0A}" srcOrd="0" destOrd="0" presId="urn:microsoft.com/office/officeart/2005/8/layout/orgChart1"/>
+    <dgm:cxn modelId="{50B2C058-061D-EA48-ABCE-275FBE5F4F57}" type="presParOf" srcId="{4CC66C19-8684-5340-BAD7-B3CED4462F0A}" destId="{6EE82CF5-8AC2-FD44-A34F-1931DA5FDF86}" srcOrd="0" destOrd="0" presId="urn:microsoft.com/office/officeart/2005/8/layout/orgChart1"/>
+    <dgm:cxn modelId="{25A74668-6FD6-CA44-9DAC-8B8B2766AC8C}" type="presParOf" srcId="{4CC66C19-8684-5340-BAD7-B3CED4462F0A}" destId="{DE955B0C-772F-C947-92F9-2656EB00ECAC}" srcOrd="1" destOrd="0" presId="urn:microsoft.com/office/officeart/2005/8/layout/orgChart1"/>
+    <dgm:cxn modelId="{DDC131C4-10A3-5E42-992A-B017CA100901}" type="presParOf" srcId="{FFA4F3C0-E50B-DD4F-A475-84AA04FA2711}" destId="{34955487-63EC-0E40-8ACF-EFFB5EA710CB}" srcOrd="1" destOrd="0" presId="urn:microsoft.com/office/officeart/2005/8/layout/orgChart1"/>
+    <dgm:cxn modelId="{74784A34-332D-6048-B244-66B7691F5C2C}" type="presParOf" srcId="{34955487-63EC-0E40-8ACF-EFFB5EA710CB}" destId="{1EE70D0E-FE10-4148-887D-E185E7239678}" srcOrd="0" destOrd="0" presId="urn:microsoft.com/office/officeart/2005/8/layout/orgChart1"/>
+    <dgm:cxn modelId="{7267F152-550D-B64F-8DF2-F1013D381DD5}" type="presParOf" srcId="{34955487-63EC-0E40-8ACF-EFFB5EA710CB}" destId="{2D724FBC-AD55-AB42-941B-4377757B3752}" srcOrd="1" destOrd="0" presId="urn:microsoft.com/office/officeart/2005/8/layout/orgChart1"/>
+    <dgm:cxn modelId="{9BB4F34E-1F3B-0E4A-BEE7-DAC6B4736720}" type="presParOf" srcId="{2D724FBC-AD55-AB42-941B-4377757B3752}" destId="{3089938F-8EAA-AA48-A7DF-6BCB892CC07D}" srcOrd="0" destOrd="0" presId="urn:microsoft.com/office/officeart/2005/8/layout/orgChart1"/>
+    <dgm:cxn modelId="{D1B41568-F90F-E744-9453-22F332269DE8}" type="presParOf" srcId="{3089938F-8EAA-AA48-A7DF-6BCB892CC07D}" destId="{5431EC42-6159-8C41-A695-139D62F7022B}" srcOrd="0" destOrd="0" presId="urn:microsoft.com/office/officeart/2005/8/layout/orgChart1"/>
+    <dgm:cxn modelId="{C927EE0A-398D-8240-8FFB-1E2095776F7F}" type="presParOf" srcId="{3089938F-8EAA-AA48-A7DF-6BCB892CC07D}" destId="{A159CACB-B460-5A44-9D3E-90B66DCC60F2}" srcOrd="1" destOrd="0" presId="urn:microsoft.com/office/officeart/2005/8/layout/orgChart1"/>
+    <dgm:cxn modelId="{CA661F36-42E9-EB46-8672-554E81552F4D}" type="presParOf" srcId="{2D724FBC-AD55-AB42-941B-4377757B3752}" destId="{8F640778-087C-B340-B1A8-D7957F0C270E}" srcOrd="1" destOrd="0" presId="urn:microsoft.com/office/officeart/2005/8/layout/orgChart1"/>
+    <dgm:cxn modelId="{8B83DCAB-824F-C149-9829-CF3BA238D448}" type="presParOf" srcId="{2D724FBC-AD55-AB42-941B-4377757B3752}" destId="{9D65A4CC-16B3-3649-BA85-7B0220750392}" srcOrd="2" destOrd="0" presId="urn:microsoft.com/office/officeart/2005/8/layout/orgChart1"/>
+    <dgm:cxn modelId="{CA87A55A-D878-3B47-BC61-B77D9671FB25}" type="presParOf" srcId="{FFA4F3C0-E50B-DD4F-A475-84AA04FA2711}" destId="{E294DE74-59C0-8946-BB19-A1B42508198F}" srcOrd="2" destOrd="0" presId="urn:microsoft.com/office/officeart/2005/8/layout/orgChart1"/>
+    <dgm:cxn modelId="{910279E0-0611-1B4A-A7E8-A667C433749D}" type="presParOf" srcId="{6306B431-ED79-2E41-AEE2-C717E10E7FD0}" destId="{DC779E13-90B3-A446-B31F-CA16615AF607}" srcOrd="2" destOrd="0" presId="urn:microsoft.com/office/officeart/2005/8/layout/orgChart1"/>
+    <dgm:cxn modelId="{021C1CED-DB50-1E43-A28A-483BFAAEB21A}" type="presParOf" srcId="{4EA1EFF2-F26C-7D43-8426-2C09814D430C}" destId="{E91C8FED-6B6E-3842-BB3F-78A45B5E3A87}" srcOrd="2" destOrd="0" presId="urn:microsoft.com/office/officeart/2005/8/layout/orgChart1"/>
+  </dgm:cxnLst>
+  <dgm:bg/>
+  <dgm:whole/>
+  <dgm:extLst>
+    <a:ext uri="http://schemas.microsoft.com/office/drawing/2008/diagram">
+      <dsp:dataModelExt xmlns:dsp="http://schemas.microsoft.com/office/drawing/2008/diagram" relId="rId6" minVer="http://schemas.openxmlformats.org/drawingml/2006/diagram"/>
+    </a:ext>
+  </dgm:extLst>
+</dgm:dataModel>
+</file>
+
+<file path=ppt/diagrams/drawing1.xml><?xml version="1.0" encoding="utf-8"?>
+<dsp:drawing xmlns:dgm="http://schemas.openxmlformats.org/drawingml/2006/diagram" xmlns:dsp="http://schemas.microsoft.com/office/drawing/2008/diagram" xmlns:a="http://schemas.openxmlformats.org/drawingml/2006/main">
+  <dsp:spTree>
+    <dsp:nvGrpSpPr>
+      <dsp:cNvPr id="0" name=""/>
+      <dsp:cNvGrpSpPr/>
+    </dsp:nvGrpSpPr>
+    <dsp:grpSpPr/>
+    <dsp:sp modelId="{1EE70D0E-FE10-4148-887D-E185E7239678}">
+      <dsp:nvSpPr>
+        <dsp:cNvPr id="0" name=""/>
+        <dsp:cNvSpPr/>
+      </dsp:nvSpPr>
+      <dsp:spPr>
+        <a:xfrm>
+          <a:off x="958052" y="2215787"/>
+          <a:ext cx="91440" cy="1860580"/>
+        </a:xfrm>
+        <a:custGeom>
+          <a:avLst/>
+          <a:gdLst/>
+          <a:ahLst/>
+          <a:cxnLst/>
+          <a:rect l="0" t="0" r="0" b="0"/>
+          <a:pathLst>
+            <a:path>
+              <a:moveTo>
+                <a:pt x="69882" y="0"/>
+              </a:moveTo>
+              <a:lnTo>
+                <a:pt x="45720" y="1860580"/>
+              </a:lnTo>
+            </a:path>
+          </a:pathLst>
+        </a:custGeom>
+        <a:noFill/>
+        <a:ln w="12700" cap="flat" cmpd="sng" algn="ctr">
+          <a:solidFill>
+            <a:schemeClr val="accent1">
+              <a:shade val="80000"/>
+              <a:hueOff val="0"/>
+              <a:satOff val="0"/>
+              <a:lumOff val="0"/>
+              <a:alphaOff val="0"/>
+            </a:schemeClr>
+          </a:solidFill>
+          <a:prstDash val="solid"/>
+          <a:miter lim="800000"/>
+        </a:ln>
+        <a:effectLst/>
+      </dsp:spPr>
+      <dsp:style>
+        <a:lnRef idx="2">
+          <a:scrgbClr r="0" g="0" b="0"/>
+        </a:lnRef>
+        <a:fillRef idx="0">
+          <a:scrgbClr r="0" g="0" b="0"/>
+        </a:fillRef>
+        <a:effectRef idx="0">
+          <a:scrgbClr r="0" g="0" b="0"/>
+        </a:effectRef>
+        <a:fontRef idx="minor"/>
+      </dsp:style>
+    </dsp:sp>
+    <dsp:sp modelId="{F5141610-2511-D943-AE5C-CACF3B775767}">
+      <dsp:nvSpPr>
+        <dsp:cNvPr id="0" name=""/>
+        <dsp:cNvSpPr/>
+      </dsp:nvSpPr>
+      <dsp:spPr>
+        <a:xfrm>
+          <a:off x="1527749" y="1184039"/>
+          <a:ext cx="2348377" cy="367663"/>
+        </a:xfrm>
+        <a:custGeom>
+          <a:avLst/>
+          <a:gdLst/>
+          <a:ahLst/>
+          <a:cxnLst/>
+          <a:rect l="0" t="0" r="0" b="0"/>
+          <a:pathLst>
+            <a:path>
+              <a:moveTo>
+                <a:pt x="2348377" y="0"/>
+              </a:moveTo>
+              <a:lnTo>
+                <a:pt x="2348377" y="254263"/>
+              </a:lnTo>
+              <a:lnTo>
+                <a:pt x="0" y="254263"/>
+              </a:lnTo>
+              <a:lnTo>
+                <a:pt x="0" y="367663"/>
+              </a:lnTo>
+            </a:path>
+          </a:pathLst>
+        </a:custGeom>
+        <a:noFill/>
+        <a:ln w="12700" cap="flat" cmpd="sng" algn="ctr">
+          <a:solidFill>
+            <a:schemeClr val="accent1">
+              <a:shade val="80000"/>
+              <a:hueOff val="0"/>
+              <a:satOff val="0"/>
+              <a:lumOff val="0"/>
+              <a:alphaOff val="0"/>
+            </a:schemeClr>
+          </a:solidFill>
+          <a:prstDash val="solid"/>
+          <a:miter lim="800000"/>
+        </a:ln>
+        <a:effectLst/>
+      </dsp:spPr>
+      <dsp:style>
+        <a:lnRef idx="2">
+          <a:scrgbClr r="0" g="0" b="0"/>
+        </a:lnRef>
+        <a:fillRef idx="0">
+          <a:scrgbClr r="0" g="0" b="0"/>
+        </a:fillRef>
+        <a:effectRef idx="0">
+          <a:scrgbClr r="0" g="0" b="0"/>
+        </a:effectRef>
+        <a:fontRef idx="minor"/>
+      </dsp:style>
+    </dsp:sp>
+    <dsp:sp modelId="{35441D11-21F9-DA4C-A8C7-42CE818C5C5A}">
+      <dsp:nvSpPr>
+        <dsp:cNvPr id="0" name=""/>
+        <dsp:cNvSpPr/>
+      </dsp:nvSpPr>
+      <dsp:spPr>
+        <a:xfrm>
+          <a:off x="5554453" y="3767143"/>
+          <a:ext cx="222277" cy="456233"/>
+        </a:xfrm>
+        <a:custGeom>
+          <a:avLst/>
+          <a:gdLst/>
+          <a:ahLst/>
+          <a:cxnLst/>
+          <a:rect l="0" t="0" r="0" b="0"/>
+          <a:pathLst>
+            <a:path>
+              <a:moveTo>
+                <a:pt x="222277" y="0"/>
+              </a:moveTo>
+              <a:lnTo>
+                <a:pt x="222277" y="456233"/>
+              </a:lnTo>
+              <a:lnTo>
+                <a:pt x="0" y="456233"/>
+              </a:lnTo>
+            </a:path>
+          </a:pathLst>
+        </a:custGeom>
+        <a:noFill/>
+        <a:ln w="12700" cap="flat" cmpd="sng" algn="ctr">
+          <a:solidFill>
+            <a:schemeClr val="accent1">
+              <a:shade val="80000"/>
+              <a:hueOff val="0"/>
+              <a:satOff val="0"/>
+              <a:lumOff val="0"/>
+              <a:alphaOff val="0"/>
+            </a:schemeClr>
+          </a:solidFill>
+          <a:prstDash val="solid"/>
+          <a:miter lim="800000"/>
+        </a:ln>
+        <a:effectLst/>
+      </dsp:spPr>
+      <dsp:style>
+        <a:lnRef idx="2">
+          <a:scrgbClr r="0" g="0" b="0"/>
+        </a:lnRef>
+        <a:fillRef idx="0">
+          <a:scrgbClr r="0" g="0" b="0"/>
+        </a:fillRef>
+        <a:effectRef idx="0">
+          <a:scrgbClr r="0" g="0" b="0"/>
+        </a:effectRef>
+        <a:fontRef idx="minor"/>
+      </dsp:style>
+    </dsp:sp>
+    <dsp:sp modelId="{53D609EF-45C5-614D-90A2-E34254B6A812}">
+      <dsp:nvSpPr>
+        <dsp:cNvPr id="0" name=""/>
+        <dsp:cNvSpPr/>
+      </dsp:nvSpPr>
+      <dsp:spPr>
+        <a:xfrm>
+          <a:off x="6277221" y="2921370"/>
+          <a:ext cx="91440" cy="238355"/>
+        </a:xfrm>
+        <a:custGeom>
+          <a:avLst/>
+          <a:gdLst/>
+          <a:ahLst/>
+          <a:cxnLst/>
+          <a:rect l="0" t="0" r="0" b="0"/>
+          <a:pathLst>
+            <a:path>
+              <a:moveTo>
+                <a:pt x="52113" y="0"/>
+              </a:moveTo>
+              <a:lnTo>
+                <a:pt x="52113" y="124955"/>
+              </a:lnTo>
+              <a:lnTo>
+                <a:pt x="45720" y="124955"/>
+              </a:lnTo>
+              <a:lnTo>
+                <a:pt x="45720" y="238355"/>
+              </a:lnTo>
+            </a:path>
+          </a:pathLst>
+        </a:custGeom>
+        <a:noFill/>
+        <a:ln w="12700" cap="flat" cmpd="sng" algn="ctr">
+          <a:solidFill>
+            <a:schemeClr val="accent1">
+              <a:shade val="80000"/>
+              <a:hueOff val="0"/>
+              <a:satOff val="0"/>
+              <a:lumOff val="0"/>
+              <a:alphaOff val="0"/>
+            </a:schemeClr>
+          </a:solidFill>
+          <a:prstDash val="solid"/>
+          <a:miter lim="800000"/>
+        </a:ln>
+        <a:effectLst/>
+      </dsp:spPr>
+      <dsp:style>
+        <a:lnRef idx="2">
+          <a:scrgbClr r="0" g="0" b="0"/>
+        </a:lnRef>
+        <a:fillRef idx="0">
+          <a:scrgbClr r="0" g="0" b="0"/>
+        </a:fillRef>
+        <a:effectRef idx="0">
+          <a:scrgbClr r="0" g="0" b="0"/>
+        </a:effectRef>
+        <a:fontRef idx="minor"/>
+      </dsp:style>
+    </dsp:sp>
+    <dsp:sp modelId="{046A05AA-D058-DD4D-BB7A-8A15AAA3C24D}">
+      <dsp:nvSpPr>
+        <dsp:cNvPr id="0" name=""/>
+        <dsp:cNvSpPr/>
+      </dsp:nvSpPr>
+      <dsp:spPr>
+        <a:xfrm>
+          <a:off x="6283614" y="2122065"/>
+          <a:ext cx="91440" cy="236859"/>
+        </a:xfrm>
+        <a:custGeom>
+          <a:avLst/>
+          <a:gdLst/>
+          <a:ahLst/>
+          <a:cxnLst/>
+          <a:rect l="0" t="0" r="0" b="0"/>
+          <a:pathLst>
+            <a:path>
+              <a:moveTo>
+                <a:pt x="49186" y="0"/>
+              </a:moveTo>
+              <a:lnTo>
+                <a:pt x="49186" y="123459"/>
+              </a:lnTo>
+              <a:lnTo>
+                <a:pt x="45720" y="123459"/>
+              </a:lnTo>
+              <a:lnTo>
+                <a:pt x="45720" y="236859"/>
+              </a:lnTo>
+            </a:path>
+          </a:pathLst>
+        </a:custGeom>
+        <a:noFill/>
+        <a:ln w="12700" cap="flat" cmpd="sng" algn="ctr">
+          <a:solidFill>
+            <a:schemeClr val="accent1">
+              <a:shade val="80000"/>
+              <a:hueOff val="0"/>
+              <a:satOff val="0"/>
+              <a:lumOff val="0"/>
+              <a:alphaOff val="0"/>
+            </a:schemeClr>
+          </a:solidFill>
+          <a:prstDash val="solid"/>
+          <a:miter lim="800000"/>
+        </a:ln>
+        <a:effectLst/>
+      </dsp:spPr>
+      <dsp:style>
+        <a:lnRef idx="2">
+          <a:scrgbClr r="0" g="0" b="0"/>
+        </a:lnRef>
+        <a:fillRef idx="0">
+          <a:scrgbClr r="0" g="0" b="0"/>
+        </a:fillRef>
+        <a:effectRef idx="0">
+          <a:scrgbClr r="0" g="0" b="0"/>
+        </a:effectRef>
+        <a:fontRef idx="minor"/>
+      </dsp:style>
+    </dsp:sp>
+    <dsp:sp modelId="{DBD58A68-F34B-8047-9BD8-42CD58FF52EB}">
+      <dsp:nvSpPr>
+        <dsp:cNvPr id="0" name=""/>
+        <dsp:cNvSpPr/>
+      </dsp:nvSpPr>
+      <dsp:spPr>
+        <a:xfrm>
+          <a:off x="3876127" y="1184039"/>
+          <a:ext cx="2456674" cy="370012"/>
+        </a:xfrm>
+        <a:custGeom>
+          <a:avLst/>
+          <a:gdLst/>
+          <a:ahLst/>
+          <a:cxnLst/>
+          <a:rect l="0" t="0" r="0" b="0"/>
+          <a:pathLst>
+            <a:path>
+              <a:moveTo>
+                <a:pt x="0" y="0"/>
+              </a:moveTo>
+              <a:lnTo>
+                <a:pt x="0" y="256612"/>
+              </a:lnTo>
+              <a:lnTo>
+                <a:pt x="2456674" y="256612"/>
+              </a:lnTo>
+              <a:lnTo>
+                <a:pt x="2456674" y="370012"/>
+              </a:lnTo>
+            </a:path>
+          </a:pathLst>
+        </a:custGeom>
+        <a:noFill/>
+        <a:ln w="12700" cap="flat" cmpd="sng" algn="ctr">
+          <a:solidFill>
+            <a:schemeClr val="accent1">
+              <a:shade val="80000"/>
+              <a:hueOff val="0"/>
+              <a:satOff val="0"/>
+              <a:lumOff val="0"/>
+              <a:alphaOff val="0"/>
+            </a:schemeClr>
+          </a:solidFill>
+          <a:prstDash val="solid"/>
+          <a:miter lim="800000"/>
+        </a:ln>
+        <a:effectLst/>
+      </dsp:spPr>
+      <dsp:style>
+        <a:lnRef idx="2">
+          <a:scrgbClr r="0" g="0" b="0"/>
+        </a:lnRef>
+        <a:fillRef idx="0">
+          <a:scrgbClr r="0" g="0" b="0"/>
+        </a:fillRef>
+        <a:effectRef idx="0">
+          <a:scrgbClr r="0" g="0" b="0"/>
+        </a:effectRef>
+        <a:fontRef idx="minor"/>
+      </dsp:style>
+    </dsp:sp>
+    <dsp:sp modelId="{00CEC982-89CB-F046-A8AE-61375C62D667}">
+      <dsp:nvSpPr>
+        <dsp:cNvPr id="0" name=""/>
+        <dsp:cNvSpPr/>
+      </dsp:nvSpPr>
+      <dsp:spPr>
+        <a:xfrm>
+          <a:off x="3817490" y="541505"/>
+          <a:ext cx="91440" cy="102534"/>
+        </a:xfrm>
+        <a:custGeom>
+          <a:avLst/>
+          <a:gdLst/>
+          <a:ahLst/>
+          <a:cxnLst/>
+          <a:rect l="0" t="0" r="0" b="0"/>
+          <a:pathLst>
+            <a:path>
+              <a:moveTo>
+                <a:pt x="45720" y="0"/>
+              </a:moveTo>
+              <a:lnTo>
+                <a:pt x="58636" y="0"/>
+              </a:lnTo>
+              <a:lnTo>
+                <a:pt x="58636" y="102534"/>
+              </a:lnTo>
+            </a:path>
+          </a:pathLst>
+        </a:custGeom>
+        <a:noFill/>
+        <a:ln w="12700" cap="flat" cmpd="sng" algn="ctr">
+          <a:solidFill>
+            <a:schemeClr val="accent1">
+              <a:shade val="60000"/>
+              <a:hueOff val="0"/>
+              <a:satOff val="0"/>
+              <a:lumOff val="0"/>
+              <a:alphaOff val="0"/>
+            </a:schemeClr>
+          </a:solidFill>
+          <a:prstDash val="solid"/>
+          <a:miter lim="800000"/>
+        </a:ln>
+        <a:effectLst/>
+      </dsp:spPr>
+      <dsp:style>
+        <a:lnRef idx="2">
+          <a:scrgbClr r="0" g="0" b="0"/>
+        </a:lnRef>
+        <a:fillRef idx="0">
+          <a:scrgbClr r="0" g="0" b="0"/>
+        </a:fillRef>
+        <a:effectRef idx="0">
+          <a:scrgbClr r="0" g="0" b="0"/>
+        </a:effectRef>
+        <a:fontRef idx="minor"/>
+      </dsp:style>
+    </dsp:sp>
+    <dsp:sp modelId="{36A46D40-416A-4E4D-A486-5F99E8533230}">
+      <dsp:nvSpPr>
+        <dsp:cNvPr id="0" name=""/>
+        <dsp:cNvSpPr/>
+      </dsp:nvSpPr>
+      <dsp:spPr>
+        <a:xfrm>
+          <a:off x="3323212" y="1507"/>
+          <a:ext cx="1079996" cy="539998"/>
+        </a:xfrm>
+        <a:prstGeom prst="rect">
+          <a:avLst/>
+        </a:prstGeom>
+        <a:solidFill>
+          <a:schemeClr val="accent2"/>
+        </a:solidFill>
+        <a:ln w="12700" cap="flat" cmpd="sng" algn="ctr">
+          <a:solidFill>
+            <a:schemeClr val="lt1">
+              <a:hueOff val="0"/>
+              <a:satOff val="0"/>
+              <a:lumOff val="0"/>
+              <a:alphaOff val="0"/>
+            </a:schemeClr>
+          </a:solidFill>
+          <a:prstDash val="solid"/>
+          <a:miter lim="800000"/>
+        </a:ln>
+        <a:effectLst/>
+      </dsp:spPr>
+      <dsp:style>
+        <a:lnRef idx="2">
+          <a:scrgbClr r="0" g="0" b="0"/>
+        </a:lnRef>
+        <a:fillRef idx="1">
+          <a:scrgbClr r="0" g="0" b="0"/>
+        </a:fillRef>
+        <a:effectRef idx="0">
+          <a:scrgbClr r="0" g="0" b="0"/>
+        </a:effectRef>
+        <a:fontRef idx="minor">
+          <a:schemeClr val="lt1"/>
+        </a:fontRef>
+      </dsp:style>
+      <dsp:txBody>
+        <a:bodyPr spcFirstLastPara="0" vert="horz" wrap="square" lIns="8890" tIns="8890" rIns="8890" bIns="8890" numCol="1" spcCol="1270" anchor="ctr" anchorCtr="0">
+          <a:noAutofit/>
+        </a:bodyPr>
+        <a:lstStyle/>
+        <a:p>
+          <a:pPr lvl="0" algn="ctr" defTabSz="622300">
+            <a:lnSpc>
+              <a:spcPct val="90000"/>
+            </a:lnSpc>
+            <a:spcBef>
+              <a:spcPct val="0"/>
+            </a:spcBef>
+            <a:spcAft>
+              <a:spcPct val="35000"/>
+            </a:spcAft>
+          </a:pPr>
+          <a:r>
+            <a:rPr lang="en-US" sz="1400" kern="1200" dirty="0" smtClean="0"/>
+            <a:t>Scrape</a:t>
+          </a:r>
+          <a:endParaRPr lang="en-US" sz="1400" kern="1200" dirty="0"/>
+        </a:p>
+      </dsp:txBody>
+      <dsp:txXfrm>
+        <a:off x="3323212" y="1507"/>
+        <a:ext cx="1079996" cy="539998"/>
+      </dsp:txXfrm>
+    </dsp:sp>
+    <dsp:sp modelId="{A48AC822-9A16-5A48-9818-2B50159E8E6E}">
+      <dsp:nvSpPr>
+        <dsp:cNvPr id="0" name=""/>
+        <dsp:cNvSpPr/>
+      </dsp:nvSpPr>
+      <dsp:spPr>
+        <a:xfrm>
+          <a:off x="3336128" y="644040"/>
+          <a:ext cx="1079996" cy="539998"/>
+        </a:xfrm>
+        <a:prstGeom prst="rect">
+          <a:avLst/>
+        </a:prstGeom>
+        <a:solidFill>
+          <a:schemeClr val="accent3"/>
+        </a:solidFill>
+        <a:ln w="12700" cap="flat" cmpd="sng" algn="ctr">
+          <a:solidFill>
+            <a:schemeClr val="lt1">
+              <a:hueOff val="0"/>
+              <a:satOff val="0"/>
+              <a:lumOff val="0"/>
+              <a:alphaOff val="0"/>
+            </a:schemeClr>
+          </a:solidFill>
+          <a:prstDash val="solid"/>
+          <a:miter lim="800000"/>
+        </a:ln>
+        <a:effectLst/>
+      </dsp:spPr>
+      <dsp:style>
+        <a:lnRef idx="2">
+          <a:scrgbClr r="0" g="0" b="0"/>
+        </a:lnRef>
+        <a:fillRef idx="1">
+          <a:scrgbClr r="0" g="0" b="0"/>
+        </a:fillRef>
+        <a:effectRef idx="0">
+          <a:scrgbClr r="0" g="0" b="0"/>
+        </a:effectRef>
+        <a:fontRef idx="minor">
+          <a:schemeClr val="lt1"/>
+        </a:fontRef>
+      </dsp:style>
+      <dsp:txBody>
+        <a:bodyPr spcFirstLastPara="0" vert="horz" wrap="square" lIns="8890" tIns="8890" rIns="8890" bIns="8890" numCol="1" spcCol="1270" anchor="ctr" anchorCtr="0">
+          <a:noAutofit/>
+        </a:bodyPr>
+        <a:lstStyle/>
+        <a:p>
+          <a:pPr lvl="0" algn="ctr" defTabSz="622300">
+            <a:lnSpc>
+              <a:spcPct val="90000"/>
+            </a:lnSpc>
+            <a:spcBef>
+              <a:spcPct val="0"/>
+            </a:spcBef>
+            <a:spcAft>
+              <a:spcPct val="35000"/>
+            </a:spcAft>
+          </a:pPr>
+          <a:r>
+            <a:rPr lang="en-US" sz="1400" kern="1200" dirty="0" smtClean="0"/>
+            <a:t>Clean and Prep</a:t>
+          </a:r>
+          <a:endParaRPr lang="en-US" sz="1400" kern="1200" dirty="0"/>
+        </a:p>
+      </dsp:txBody>
+      <dsp:txXfrm>
+        <a:off x="3336128" y="644040"/>
+        <a:ext cx="1079996" cy="539998"/>
+      </dsp:txXfrm>
+    </dsp:sp>
+    <dsp:sp modelId="{D83036E6-9068-7A4E-9CF1-227A3EB7B3E2}">
+      <dsp:nvSpPr>
+        <dsp:cNvPr id="0" name=""/>
+        <dsp:cNvSpPr/>
+      </dsp:nvSpPr>
+      <dsp:spPr>
+        <a:xfrm>
+          <a:off x="5631035" y="1554051"/>
+          <a:ext cx="1403531" cy="568013"/>
+        </a:xfrm>
+        <a:prstGeom prst="rect">
+          <a:avLst/>
+        </a:prstGeom>
+        <a:solidFill>
+          <a:schemeClr val="accent1">
+            <a:hueOff val="0"/>
+            <a:satOff val="0"/>
+            <a:lumOff val="0"/>
+            <a:alphaOff val="0"/>
+          </a:schemeClr>
+        </a:solidFill>
+        <a:ln w="12700" cap="flat" cmpd="sng" algn="ctr">
+          <a:solidFill>
+            <a:schemeClr val="lt1">
+              <a:hueOff val="0"/>
+              <a:satOff val="0"/>
+              <a:lumOff val="0"/>
+              <a:alphaOff val="0"/>
+            </a:schemeClr>
+          </a:solidFill>
+          <a:prstDash val="solid"/>
+          <a:miter lim="800000"/>
+        </a:ln>
+        <a:effectLst/>
+      </dsp:spPr>
+      <dsp:style>
+        <a:lnRef idx="2">
+          <a:scrgbClr r="0" g="0" b="0"/>
+        </a:lnRef>
+        <a:fillRef idx="1">
+          <a:scrgbClr r="0" g="0" b="0"/>
+        </a:fillRef>
+        <a:effectRef idx="0">
+          <a:scrgbClr r="0" g="0" b="0"/>
+        </a:effectRef>
+        <a:fontRef idx="minor">
+          <a:schemeClr val="lt1"/>
+        </a:fontRef>
+      </dsp:style>
+      <dsp:txBody>
+        <a:bodyPr spcFirstLastPara="0" vert="horz" wrap="square" lIns="8890" tIns="8890" rIns="8890" bIns="8890" numCol="1" spcCol="1270" anchor="ctr" anchorCtr="0">
+          <a:noAutofit/>
+        </a:bodyPr>
+        <a:lstStyle/>
+        <a:p>
+          <a:pPr lvl="0" algn="ctr" defTabSz="622300">
+            <a:lnSpc>
+              <a:spcPct val="90000"/>
+            </a:lnSpc>
+            <a:spcBef>
+              <a:spcPct val="0"/>
+            </a:spcBef>
+            <a:spcAft>
+              <a:spcPct val="35000"/>
+            </a:spcAft>
+          </a:pPr>
+          <a:r>
+            <a:rPr lang="en-US" sz="1400" kern="1200" dirty="0" smtClean="0"/>
+            <a:t>Divide Scrape into N-Gram Phrases</a:t>
+          </a:r>
+          <a:endParaRPr lang="en-US" sz="1400" kern="1200" dirty="0"/>
+        </a:p>
+      </dsp:txBody>
+      <dsp:txXfrm>
+        <a:off x="5631035" y="1554051"/>
+        <a:ext cx="1403531" cy="568013"/>
+      </dsp:txXfrm>
+    </dsp:sp>
+    <dsp:sp modelId="{357C2C2C-2BEB-9F4B-B506-9734E962C2D5}">
+      <dsp:nvSpPr>
+        <dsp:cNvPr id="0" name=""/>
+        <dsp:cNvSpPr/>
+      </dsp:nvSpPr>
+      <dsp:spPr>
+        <a:xfrm>
+          <a:off x="5629507" y="2358924"/>
+          <a:ext cx="1399654" cy="562446"/>
+        </a:xfrm>
+        <a:prstGeom prst="rect">
+          <a:avLst/>
+        </a:prstGeom>
+        <a:solidFill>
+          <a:schemeClr val="accent1">
+            <a:hueOff val="0"/>
+            <a:satOff val="0"/>
+            <a:lumOff val="0"/>
+            <a:alphaOff val="0"/>
+          </a:schemeClr>
+        </a:solidFill>
+        <a:ln w="12700" cap="flat" cmpd="sng" algn="ctr">
+          <a:solidFill>
+            <a:schemeClr val="lt1">
+              <a:hueOff val="0"/>
+              <a:satOff val="0"/>
+              <a:lumOff val="0"/>
+              <a:alphaOff val="0"/>
+            </a:schemeClr>
+          </a:solidFill>
+          <a:prstDash val="solid"/>
+          <a:miter lim="800000"/>
+        </a:ln>
+        <a:effectLst/>
+      </dsp:spPr>
+      <dsp:style>
+        <a:lnRef idx="2">
+          <a:scrgbClr r="0" g="0" b="0"/>
+        </a:lnRef>
+        <a:fillRef idx="1">
+          <a:scrgbClr r="0" g="0" b="0"/>
+        </a:fillRef>
+        <a:effectRef idx="0">
+          <a:scrgbClr r="0" g="0" b="0"/>
+        </a:effectRef>
+        <a:fontRef idx="minor">
+          <a:schemeClr val="lt1"/>
+        </a:fontRef>
+      </dsp:style>
+      <dsp:txBody>
+        <a:bodyPr spcFirstLastPara="0" vert="horz" wrap="square" lIns="8890" tIns="8890" rIns="8890" bIns="8890" numCol="1" spcCol="1270" anchor="ctr" anchorCtr="0">
+          <a:noAutofit/>
+        </a:bodyPr>
+        <a:lstStyle/>
+        <a:p>
+          <a:pPr lvl="0" algn="ctr" defTabSz="622300">
+            <a:lnSpc>
+              <a:spcPct val="90000"/>
+            </a:lnSpc>
+            <a:spcBef>
+              <a:spcPct val="0"/>
+            </a:spcBef>
+            <a:spcAft>
+              <a:spcPct val="35000"/>
+            </a:spcAft>
+          </a:pPr>
+          <a:r>
+            <a:rPr lang="en-US" sz="1400" kern="1200" dirty="0" smtClean="0"/>
+            <a:t>Count Frequency of N-Grams </a:t>
+          </a:r>
+          <a:endParaRPr lang="en-US" sz="1400" kern="1200" dirty="0"/>
+        </a:p>
+      </dsp:txBody>
+      <dsp:txXfrm>
+        <a:off x="5629507" y="2358924"/>
+        <a:ext cx="1399654" cy="562446"/>
+      </dsp:txXfrm>
+    </dsp:sp>
+    <dsp:sp modelId="{5AE5246B-CC61-EB44-B601-F61E3D9B0FE5}">
+      <dsp:nvSpPr>
+        <dsp:cNvPr id="0" name=""/>
+        <dsp:cNvSpPr/>
+      </dsp:nvSpPr>
+      <dsp:spPr>
+        <a:xfrm>
+          <a:off x="5640178" y="3159726"/>
+          <a:ext cx="1365526" cy="607417"/>
+        </a:xfrm>
+        <a:prstGeom prst="rect">
+          <a:avLst/>
+        </a:prstGeom>
+        <a:solidFill>
+          <a:schemeClr val="accent1">
+            <a:hueOff val="0"/>
+            <a:satOff val="0"/>
+            <a:lumOff val="0"/>
+            <a:alphaOff val="0"/>
+          </a:schemeClr>
+        </a:solidFill>
+        <a:ln w="12700" cap="flat" cmpd="sng" algn="ctr">
+          <a:solidFill>
+            <a:schemeClr val="lt1">
+              <a:hueOff val="0"/>
+              <a:satOff val="0"/>
+              <a:lumOff val="0"/>
+              <a:alphaOff val="0"/>
+            </a:schemeClr>
+          </a:solidFill>
+          <a:prstDash val="solid"/>
+          <a:miter lim="800000"/>
+        </a:ln>
+        <a:effectLst/>
+      </dsp:spPr>
+      <dsp:style>
+        <a:lnRef idx="2">
+          <a:scrgbClr r="0" g="0" b="0"/>
+        </a:lnRef>
+        <a:fillRef idx="1">
+          <a:scrgbClr r="0" g="0" b="0"/>
+        </a:fillRef>
+        <a:effectRef idx="0">
+          <a:scrgbClr r="0" g="0" b="0"/>
+        </a:effectRef>
+        <a:fontRef idx="minor">
+          <a:schemeClr val="lt1"/>
+        </a:fontRef>
+      </dsp:style>
+      <dsp:txBody>
+        <a:bodyPr spcFirstLastPara="0" vert="horz" wrap="square" lIns="8890" tIns="8890" rIns="8890" bIns="8890" numCol="1" spcCol="1270" anchor="ctr" anchorCtr="0">
+          <a:noAutofit/>
+        </a:bodyPr>
+        <a:lstStyle/>
+        <a:p>
+          <a:pPr lvl="0" algn="ctr" defTabSz="622300">
+            <a:lnSpc>
+              <a:spcPct val="90000"/>
+            </a:lnSpc>
+            <a:spcBef>
+              <a:spcPct val="0"/>
+            </a:spcBef>
+            <a:spcAft>
+              <a:spcPct val="35000"/>
+            </a:spcAft>
+          </a:pPr>
+          <a:r>
+            <a:rPr lang="en-US" sz="1400" kern="1200" dirty="0" smtClean="0"/>
+            <a:t>Return top 1000 results</a:t>
+          </a:r>
+          <a:endParaRPr lang="en-US" sz="1400" kern="1200" dirty="0"/>
+        </a:p>
+      </dsp:txBody>
+      <dsp:txXfrm>
+        <a:off x="5640178" y="3159726"/>
+        <a:ext cx="1365526" cy="607417"/>
+      </dsp:txXfrm>
+    </dsp:sp>
+    <dsp:sp modelId="{809E3AB9-2A07-BA4B-8FA0-2AE922E39860}">
+      <dsp:nvSpPr>
+        <dsp:cNvPr id="0" name=""/>
+        <dsp:cNvSpPr/>
+      </dsp:nvSpPr>
+      <dsp:spPr>
+        <a:xfrm>
+          <a:off x="4474456" y="3953378"/>
+          <a:ext cx="1079996" cy="539998"/>
+        </a:xfrm>
+        <a:prstGeom prst="rect">
+          <a:avLst/>
+        </a:prstGeom>
+        <a:solidFill>
+          <a:schemeClr val="accent1">
+            <a:hueOff val="0"/>
+            <a:satOff val="0"/>
+            <a:lumOff val="0"/>
+            <a:alphaOff val="0"/>
+          </a:schemeClr>
+        </a:solidFill>
+        <a:ln w="12700" cap="flat" cmpd="sng" algn="ctr">
+          <a:solidFill>
+            <a:schemeClr val="lt1">
+              <a:hueOff val="0"/>
+              <a:satOff val="0"/>
+              <a:lumOff val="0"/>
+              <a:alphaOff val="0"/>
+            </a:schemeClr>
+          </a:solidFill>
+          <a:prstDash val="solid"/>
+          <a:miter lim="800000"/>
+        </a:ln>
+        <a:effectLst/>
+      </dsp:spPr>
+      <dsp:style>
+        <a:lnRef idx="2">
+          <a:scrgbClr r="0" g="0" b="0"/>
+        </a:lnRef>
+        <a:fillRef idx="1">
+          <a:scrgbClr r="0" g="0" b="0"/>
+        </a:fillRef>
+        <a:effectRef idx="0">
+          <a:scrgbClr r="0" g="0" b="0"/>
+        </a:effectRef>
+        <a:fontRef idx="minor">
+          <a:schemeClr val="lt1"/>
+        </a:fontRef>
+      </dsp:style>
+      <dsp:txBody>
+        <a:bodyPr spcFirstLastPara="0" vert="horz" wrap="square" lIns="8890" tIns="8890" rIns="8890" bIns="8890" numCol="1" spcCol="1270" anchor="ctr" anchorCtr="0">
+          <a:noAutofit/>
+        </a:bodyPr>
+        <a:lstStyle/>
+        <a:p>
+          <a:pPr lvl="0" algn="ctr" defTabSz="622300">
+            <a:lnSpc>
+              <a:spcPct val="90000"/>
+            </a:lnSpc>
+            <a:spcBef>
+              <a:spcPct val="0"/>
+            </a:spcBef>
+            <a:spcAft>
+              <a:spcPct val="35000"/>
+            </a:spcAft>
+          </a:pPr>
+          <a:r>
+            <a:rPr lang="en-US" sz="1400" kern="1200" dirty="0" smtClean="0"/>
+            <a:t>Cluster Analysis</a:t>
+          </a:r>
+          <a:endParaRPr lang="en-US" sz="1400" kern="1200" dirty="0"/>
+        </a:p>
+      </dsp:txBody>
+      <dsp:txXfrm>
+        <a:off x="4474456" y="3953378"/>
+        <a:ext cx="1079996" cy="539998"/>
+      </dsp:txXfrm>
+    </dsp:sp>
+    <dsp:sp modelId="{6EE82CF5-8AC2-FD44-A34F-1931DA5FDF86}">
+      <dsp:nvSpPr>
+        <dsp:cNvPr id="0" name=""/>
+        <dsp:cNvSpPr/>
+      </dsp:nvSpPr>
+      <dsp:spPr>
+        <a:xfrm>
+          <a:off x="902982" y="1551702"/>
+          <a:ext cx="1249534" cy="664084"/>
+        </a:xfrm>
+        <a:prstGeom prst="rect">
+          <a:avLst/>
+        </a:prstGeom>
+        <a:solidFill>
+          <a:schemeClr val="accent1">
+            <a:hueOff val="0"/>
+            <a:satOff val="0"/>
+            <a:lumOff val="0"/>
+            <a:alphaOff val="0"/>
+          </a:schemeClr>
+        </a:solidFill>
+        <a:ln w="12700" cap="flat" cmpd="sng" algn="ctr">
+          <a:solidFill>
+            <a:schemeClr val="lt1">
+              <a:hueOff val="0"/>
+              <a:satOff val="0"/>
+              <a:lumOff val="0"/>
+              <a:alphaOff val="0"/>
+            </a:schemeClr>
+          </a:solidFill>
+          <a:prstDash val="solid"/>
+          <a:miter lim="800000"/>
+        </a:ln>
+        <a:effectLst/>
+      </dsp:spPr>
+      <dsp:style>
+        <a:lnRef idx="2">
+          <a:scrgbClr r="0" g="0" b="0"/>
+        </a:lnRef>
+        <a:fillRef idx="1">
+          <a:scrgbClr r="0" g="0" b="0"/>
+        </a:fillRef>
+        <a:effectRef idx="0">
+          <a:scrgbClr r="0" g="0" b="0"/>
+        </a:effectRef>
+        <a:fontRef idx="minor">
+          <a:schemeClr val="lt1"/>
+        </a:fontRef>
+      </dsp:style>
+      <dsp:txBody>
+        <a:bodyPr spcFirstLastPara="0" vert="horz" wrap="square" lIns="8890" tIns="8890" rIns="8890" bIns="8890" numCol="1" spcCol="1270" anchor="ctr" anchorCtr="0">
+          <a:noAutofit/>
+        </a:bodyPr>
+        <a:lstStyle/>
+        <a:p>
+          <a:pPr lvl="0" algn="ctr" defTabSz="622300">
+            <a:lnSpc>
+              <a:spcPct val="90000"/>
+            </a:lnSpc>
+            <a:spcBef>
+              <a:spcPct val="0"/>
+            </a:spcBef>
+            <a:spcAft>
+              <a:spcPct val="35000"/>
+            </a:spcAft>
+          </a:pPr>
+          <a:r>
+            <a:rPr lang="en-US" sz="1400" kern="1200" dirty="0" smtClean="0"/>
+            <a:t>Pull Skills from DB</a:t>
+          </a:r>
+          <a:endParaRPr lang="en-US" sz="1400" kern="1200" dirty="0"/>
+        </a:p>
+      </dsp:txBody>
+      <dsp:txXfrm>
+        <a:off x="902982" y="1551702"/>
+        <a:ext cx="1249534" cy="664084"/>
+      </dsp:txXfrm>
+    </dsp:sp>
+    <dsp:sp modelId="{5431EC42-6159-8C41-A695-139D62F7022B}">
+      <dsp:nvSpPr>
+        <dsp:cNvPr id="0" name=""/>
+        <dsp:cNvSpPr/>
+      </dsp:nvSpPr>
+      <dsp:spPr>
+        <a:xfrm>
+          <a:off x="1003772" y="3756554"/>
+          <a:ext cx="1319065" cy="639628"/>
+        </a:xfrm>
+        <a:prstGeom prst="rect">
+          <a:avLst/>
+        </a:prstGeom>
+        <a:solidFill>
+          <a:schemeClr val="accent1">
+            <a:hueOff val="0"/>
+            <a:satOff val="0"/>
+            <a:lumOff val="0"/>
+            <a:alphaOff val="0"/>
+          </a:schemeClr>
+        </a:solidFill>
+        <a:ln w="12700" cap="flat" cmpd="sng" algn="ctr">
+          <a:solidFill>
+            <a:schemeClr val="lt1">
+              <a:hueOff val="0"/>
+              <a:satOff val="0"/>
+              <a:lumOff val="0"/>
+              <a:alphaOff val="0"/>
+            </a:schemeClr>
+          </a:solidFill>
+          <a:prstDash val="solid"/>
+          <a:miter lim="800000"/>
+        </a:ln>
+        <a:effectLst/>
+      </dsp:spPr>
+      <dsp:style>
+        <a:lnRef idx="2">
+          <a:scrgbClr r="0" g="0" b="0"/>
+        </a:lnRef>
+        <a:fillRef idx="1">
+          <a:scrgbClr r="0" g="0" b="0"/>
+        </a:fillRef>
+        <a:effectRef idx="0">
+          <a:scrgbClr r="0" g="0" b="0"/>
+        </a:effectRef>
+        <a:fontRef idx="minor">
+          <a:schemeClr val="lt1"/>
+        </a:fontRef>
+      </dsp:style>
+      <dsp:txBody>
+        <a:bodyPr spcFirstLastPara="0" vert="horz" wrap="square" lIns="8890" tIns="8890" rIns="8890" bIns="8890" numCol="1" spcCol="1270" anchor="ctr" anchorCtr="0">
+          <a:noAutofit/>
+        </a:bodyPr>
+        <a:lstStyle/>
+        <a:p>
+          <a:pPr lvl="0" algn="ctr" defTabSz="622300">
+            <a:lnSpc>
+              <a:spcPct val="90000"/>
+            </a:lnSpc>
+            <a:spcBef>
+              <a:spcPct val="0"/>
+            </a:spcBef>
+            <a:spcAft>
+              <a:spcPct val="35000"/>
+            </a:spcAft>
+          </a:pPr>
+          <a:r>
+            <a:rPr lang="en-US" sz="1400" kern="1200" dirty="0" smtClean="0"/>
+            <a:t>Count Frequency of  Skill </a:t>
+          </a:r>
+          <a:r>
+            <a:rPr lang="en-US" sz="1400" kern="1200" dirty="0" err="1" smtClean="0"/>
+            <a:t>Occurences</a:t>
+          </a:r>
+          <a:endParaRPr lang="en-US" sz="1400" kern="1200" dirty="0"/>
+        </a:p>
+      </dsp:txBody>
+      <dsp:txXfrm>
+        <a:off x="1003772" y="3756554"/>
+        <a:ext cx="1319065" cy="639628"/>
+      </dsp:txXfrm>
+    </dsp:sp>
+  </dsp:spTree>
+</dsp:drawing>
+</file>
+
+<file path=ppt/diagrams/layout1.xml><?xml version="1.0" encoding="utf-8"?>
+<dgm:layoutDef xmlns:dgm="http://schemas.openxmlformats.org/drawingml/2006/diagram" xmlns:a="http://schemas.openxmlformats.org/drawingml/2006/main" uniqueId="urn:microsoft.com/office/officeart/2005/8/layout/orgChart1">
+  <dgm:title val=""/>
+  <dgm:desc val=""/>
+  <dgm:catLst>
+    <dgm:cat type="hierarchy" pri="1000"/>
+    <dgm:cat type="convert" pri="6000"/>
+  </dgm:catLst>
+  <dgm:sampData>
+    <dgm:dataModel>
+      <dgm:ptLst>
+        <dgm:pt modelId="0" type="doc"/>
+        <dgm:pt modelId="1">
+          <dgm:prSet phldr="1"/>
+        </dgm:pt>
+        <dgm:pt modelId="2" type="asst">
+          <dgm:prSet phldr="1"/>
+        </dgm:pt>
+        <dgm:pt modelId="3">
+          <dgm:prSet phldr="1"/>
+        </dgm:pt>
+        <dgm:pt modelId="4">
+          <dgm:prSet phldr="1"/>
+        </dgm:pt>
+        <dgm:pt modelId="5">
+          <dgm:prSet phldr="1"/>
+        </dgm:pt>
+      </dgm:ptLst>
+      <dgm:cxnLst>
+        <dgm:cxn modelId="5" srcId="0" destId="1" srcOrd="0" destOrd="0"/>
+        <dgm:cxn modelId="6" srcId="1" destId="2" srcOrd="0" destOrd="0"/>
+        <dgm:cxn modelId="7" srcId="1" destId="3" srcOrd="1" destOrd="0"/>
+        <dgm:cxn modelId="8" srcId="1" destId="4" srcOrd="2" destOrd="0"/>
+        <dgm:cxn modelId="9" srcId="1" destId="5" srcOrd="3" destOrd="0"/>
+      </dgm:cxnLst>
+      <dgm:bg/>
+      <dgm:whole/>
+    </dgm:dataModel>
+  </dgm:sampData>
+  <dgm:styleData>
+    <dgm:dataModel>
+      <dgm:ptLst>
+        <dgm:pt modelId="0" type="doc"/>
+        <dgm:pt modelId="1"/>
+        <dgm:pt modelId="12"/>
+        <dgm:pt modelId="13"/>
+      </dgm:ptLst>
+      <dgm:cxnLst>
+        <dgm:cxn modelId="2" srcId="0" destId="1" srcOrd="0" destOrd="0"/>
+        <dgm:cxn modelId="16" srcId="1" destId="12" srcOrd="1" destOrd="0"/>
+        <dgm:cxn modelId="17" srcId="1" destId="13" srcOrd="2" destOrd="0"/>
+      </dgm:cxnLst>
+      <dgm:bg/>
+      <dgm:whole/>
+    </dgm:dataModel>
+  </dgm:styleData>
+  <dgm:clrData>
+    <dgm:dataModel>
+      <dgm:ptLst>
+        <dgm:pt modelId="0" type="doc"/>
+        <dgm:pt modelId="1"/>
+        <dgm:pt modelId="11" type="asst"/>
+        <dgm:pt modelId="12"/>
+        <dgm:pt modelId="13"/>
+        <dgm:pt modelId="14"/>
+      </dgm:ptLst>
+      <dgm:cxnLst>
+        <dgm:cxn modelId="2" srcId="0" destId="1" srcOrd="0" destOrd="0"/>
+        <dgm:cxn modelId="15" srcId="1" destId="11" srcOrd="0" destOrd="0"/>
+        <dgm:cxn modelId="16" srcId="1" destId="12" srcOrd="1" destOrd="0"/>
+        <dgm:cxn modelId="17" srcId="1" destId="13" srcOrd="2" destOrd="0"/>
+        <dgm:cxn modelId="18" srcId="1" destId="14" srcOrd="2" destOrd="0"/>
+      </dgm:cxnLst>
+      <dgm:bg/>
+      <dgm:whole/>
+    </dgm:dataModel>
+  </dgm:clrData>
+  <dgm:layoutNode name="hierChild1">
+    <dgm:varLst>
+      <dgm:orgChart val="1"/>
+      <dgm:chPref val="1"/>
+      <dgm:dir/>
+      <dgm:animOne val="branch"/>
+      <dgm:animLvl val="lvl"/>
+      <dgm:resizeHandles/>
+    </dgm:varLst>
+    <dgm:choose name="Name0">
+      <dgm:if name="Name1" func="var" arg="dir" op="equ" val="norm">
+        <dgm:alg type="hierChild">
+          <dgm:param type="linDir" val="fromL"/>
+        </dgm:alg>
+      </dgm:if>
+      <dgm:else name="Name2">
+        <dgm:alg type="hierChild">
+          <dgm:param type="linDir" val="fromR"/>
+        </dgm:alg>
+      </dgm:else>
+    </dgm:choose>
+    <dgm:shape xmlns:r="http://schemas.openxmlformats.org/officeDocument/2006/relationships" r:blip="">
+      <dgm:adjLst/>
+    </dgm:shape>
+    <dgm:presOf/>
+    <dgm:constrLst>
+      <dgm:constr type="w" for="des" forName="rootComposite1" refType="w" fact="10"/>
+      <dgm:constr type="h" for="des" forName="rootComposite1" refType="w" refFor="des" refForName="rootComposite1" fact="0.5"/>
+      <dgm:constr type="w" for="des" forName="rootComposite" refType="w" fact="10"/>
+      <dgm:constr type="h" for="des" forName="rootComposite" refType="w" refFor="des" refForName="rootComposite1" fact="0.5"/>
+      <dgm:constr type="w" for="des" forName="rootComposite3" refType="w" fact="10"/>
+      <dgm:constr type="h" for="des" forName="rootComposite3" refType="w" refFor="des" refForName="rootComposite1" fact="0.5"/>
+      <dgm:constr type="primFontSz" for="des" ptType="node" op="equ"/>
+      <dgm:constr type="sp" for="des" op="equ"/>
+      <dgm:constr type="sp" for="des" forName="hierRoot1" refType="w" refFor="des" refForName="rootComposite1" fact="0.21"/>
+      <dgm:constr type="sp" for="des" forName="hierRoot2" refType="sp" refFor="des" refForName="hierRoot1"/>
+      <dgm:constr type="sp" for="des" forName="hierRoot3" refType="sp" refFor="des" refForName="hierRoot1"/>
+      <dgm:constr type="sibSp" refType="w" refFor="des" refForName="rootComposite1" fact="0.21"/>
+      <dgm:constr type="sibSp" for="des" forName="hierChild2" refType="sibSp"/>
+      <dgm:constr type="sibSp" for="des" forName="hierChild3" refType="sibSp"/>
+      <dgm:constr type="sibSp" for="des" forName="hierChild4" refType="sibSp"/>
+      <dgm:constr type="sibSp" for="des" forName="hierChild5" refType="sibSp"/>
+      <dgm:constr type="sibSp" for="des" forName="hierChild6" refType="sibSp"/>
+      <dgm:constr type="sibSp" for="des" forName="hierChild7" refType="sibSp"/>
+      <dgm:constr type="secSibSp" refType="w" refFor="des" refForName="rootComposite1" fact="0.21"/>
+      <dgm:constr type="secSibSp" for="des" forName="hierChild2" refType="secSibSp"/>
+      <dgm:constr type="secSibSp" for="des" forName="hierChild3" refType="secSibSp"/>
+      <dgm:constr type="secSibSp" for="des" forName="hierChild4" refType="secSibSp"/>
+      <dgm:constr type="secSibSp" for="des" forName="hierChild5" refType="secSibSp"/>
+      <dgm:constr type="secSibSp" for="des" forName="hierChild6" refType="secSibSp"/>
+      <dgm:constr type="secSibSp" for="des" forName="hierChild7" refType="secSibSp"/>
+    </dgm:constrLst>
+    <dgm:ruleLst/>
+    <dgm:forEach name="Name3" axis="ch">
+      <dgm:forEach name="Name4" axis="self" ptType="node">
+        <dgm:layoutNode name="hierRoot1">
+          <dgm:varLst>
+            <dgm:hierBranch val="init"/>
+          </dgm:varLst>
+          <dgm:choose name="Name5">
+            <dgm:if name="Name6" func="var" arg="hierBranch" op="equ" val="l">
+              <dgm:choose name="Name7">
+                <dgm:if name="Name8" axis="ch" ptType="asst" func="cnt" op="gte" val="1">
+                  <dgm:alg type="hierRoot">
+                    <dgm:param type="hierAlign" val="tR"/>
+                  </dgm:alg>
+                  <dgm:constrLst>
+                    <dgm:constr type="alignOff" val="0.65"/>
+                  </dgm:constrLst>
+                </dgm:if>
+                <dgm:else name="Name9">
+                  <dgm:alg type="hierRoot">
+                    <dgm:param type="hierAlign" val="tR"/>
+                  </dgm:alg>
+                  <dgm:constrLst>
+                    <dgm:constr type="alignOff" val="0.25"/>
+                  </dgm:constrLst>
+                </dgm:else>
+              </dgm:choose>
+            </dgm:if>
+            <dgm:if name="Name10" func="var" arg="hierBranch" op="equ" val="r">
+              <dgm:choose name="Name11">
+                <dgm:if name="Name12" axis="ch" ptType="asst" func="cnt" op="gte" val="1">
+                  <dgm:alg type="hierRoot">
+                    <dgm:param type="hierAlign" val="tL"/>
+                  </dgm:alg>
+                  <dgm:constrLst>
+                    <dgm:constr type="alignOff" val="0.65"/>
+                  </dgm:constrLst>
+                </dgm:if>
+                <dgm:else name="Name13">
+                  <dgm:alg type="hierRoot">
+                    <dgm:param type="hierAlign" val="tL"/>
+                  </dgm:alg>
+                  <dgm:constrLst>
+                    <dgm:constr type="alignOff" val="0.25"/>
+                  </dgm:constrLst>
+                </dgm:else>
+              </dgm:choose>
+            </dgm:if>
+            <dgm:if name="Name14" func="var" arg="hierBranch" op="equ" val="hang">
+              <dgm:alg type="hierRoot"/>
+              <dgm:constrLst>
+                <dgm:constr type="alignOff" val="0.65"/>
+              </dgm:constrLst>
+            </dgm:if>
+            <dgm:else name="Name15">
+              <dgm:alg type="hierRoot"/>
+              <dgm:constrLst>
+                <dgm:constr type="alignOff"/>
+                <dgm:constr type="bendDist" for="des" ptType="parTrans" refType="sp" fact="0.5"/>
+              </dgm:constrLst>
+            </dgm:else>
+          </dgm:choose>
+          <dgm:shape xmlns:r="http://schemas.openxmlformats.org/officeDocument/2006/relationships" r:blip="">
+            <dgm:adjLst/>
+          </dgm:shape>
+          <dgm:presOf/>
+          <dgm:ruleLst/>
+          <dgm:layoutNode name="rootComposite1">
+            <dgm:alg type="composite"/>
+            <dgm:shape xmlns:r="http://schemas.openxmlformats.org/officeDocument/2006/relationships" r:blip="">
+              <dgm:adjLst/>
+            </dgm:shape>
+            <dgm:presOf axis="self" ptType="node" cnt="1"/>
+            <dgm:choose name="Name16">
+              <dgm:if name="Name17" func="var" arg="hierBranch" op="equ" val="init">
+                <dgm:constrLst>
+                  <dgm:constr type="l" for="ch" forName="rootText1"/>
+                  <dgm:constr type="t" for="ch" forName="rootText1"/>
+                  <dgm:constr type="w" for="ch" forName="rootText1" refType="w"/>
+                  <dgm:constr type="h" for="ch" forName="rootText1" refType="h"/>
+                  <dgm:constr type="l" for="ch" forName="rootConnector1"/>
+                  <dgm:constr type="t" for="ch" forName="rootConnector1"/>
+                  <dgm:constr type="w" for="ch" forName="rootConnector1" refType="w" refFor="ch" refForName="rootText1" fact="0.2"/>
+                  <dgm:constr type="h" for="ch" forName="rootConnector1" refType="h" refFor="ch" refForName="rootText1"/>
+                </dgm:constrLst>
+              </dgm:if>
+              <dgm:if name="Name18" func="var" arg="hierBranch" op="equ" val="l">
+                <dgm:constrLst>
+                  <dgm:constr type="l" for="ch" forName="rootText1"/>
+                  <dgm:constr type="t" for="ch" forName="rootText1"/>
+                  <dgm:constr type="w" for="ch" forName="rootText1" refType="w"/>
+                  <dgm:constr type="h" for="ch" forName="rootText1" refType="h"/>
+                  <dgm:constr type="r" for="ch" forName="rootConnector1" refType="w"/>
+                  <dgm:constr type="t" for="ch" forName="rootConnector1"/>
+                  <dgm:constr type="w" for="ch" forName="rootConnector1" refType="w" refFor="ch" refForName="rootText1" fact="0.2"/>
+                  <dgm:constr type="h" for="ch" forName="rootConnector1" refType="h" refFor="ch" refForName="rootText1"/>
+                </dgm:constrLst>
+              </dgm:if>
+              <dgm:if name="Name19" func="var" arg="hierBranch" op="equ" val="r">
+                <dgm:constrLst>
+                  <dgm:constr type="l" for="ch" forName="rootText1"/>
+                  <dgm:constr type="t" for="ch" forName="rootText1"/>
+                  <dgm:constr type="w" for="ch" forName="rootText1" refType="w"/>
+                  <dgm:constr type="h" for="ch" forName="rootText1" refType="h"/>
+                  <dgm:constr type="l" for="ch" forName="rootConnector1"/>
+                  <dgm:constr type="t" for="ch" forName="rootConnector1"/>
+                  <dgm:constr type="w" for="ch" forName="rootConnector1" refType="w" refFor="ch" refForName="rootText1" fact="0.2"/>
+                  <dgm:constr type="h" for="ch" forName="rootConnector1" refType="h" refFor="ch" refForName="rootText1"/>
+                </dgm:constrLst>
+              </dgm:if>
+              <dgm:else name="Name20">
+                <dgm:constrLst>
+                  <dgm:constr type="l" for="ch" forName="rootText1"/>
+                  <dgm:constr type="t" for="ch" forName="rootText1"/>
+                  <dgm:constr type="w" for="ch" forName="rootText1" refType="w"/>
+                  <dgm:constr type="h" for="ch" forName="rootText1" refType="h"/>
+                  <dgm:constr type="r" for="ch" forName="rootConnector1" refType="w"/>
+                  <dgm:constr type="t" for="ch" forName="rootConnector1"/>
+                  <dgm:constr type="w" for="ch" forName="rootConnector1" refType="w" refFor="ch" refForName="rootText1" fact="0.2"/>
+                  <dgm:constr type="h" for="ch" forName="rootConnector1" refType="h" refFor="ch" refForName="rootText1"/>
+                </dgm:constrLst>
+              </dgm:else>
+            </dgm:choose>
+            <dgm:ruleLst/>
+            <dgm:layoutNode name="rootText1" styleLbl="node0">
+              <dgm:varLst>
+                <dgm:chPref val="3"/>
+              </dgm:varLst>
+              <dgm:alg type="tx"/>
+              <dgm:shape xmlns:r="http://schemas.openxmlformats.org/officeDocument/2006/relationships" type="rect" r:blip="">
+                <dgm:adjLst/>
+              </dgm:shape>
+              <dgm:presOf axis="self" ptType="node" cnt="1"/>
+              <dgm:constrLst>
+                <dgm:constr type="primFontSz" val="65"/>
+                <dgm:constr type="lMarg" refType="primFontSz" fact="0.05"/>
+                <dgm:constr type="rMarg" refType="primFontSz" fact="0.05"/>
+                <dgm:constr type="tMarg" refType="primFontSz" fact="0.05"/>
+                <dgm:constr type="bMarg" refType="primFontSz" fact="0.05"/>
+              </dgm:constrLst>
+              <dgm:ruleLst>
+                <dgm:rule type="primFontSz" val="5" fact="NaN" max="NaN"/>
+              </dgm:ruleLst>
+            </dgm:layoutNode>
+            <dgm:layoutNode name="rootConnector1" moveWith="rootText1">
+              <dgm:alg type="sp"/>
+              <dgm:shape xmlns:r="http://schemas.openxmlformats.org/officeDocument/2006/relationships" type="rect" r:blip="" hideGeom="1">
+                <dgm:adjLst/>
+              </dgm:shape>
+              <dgm:presOf axis="self" ptType="node" cnt="1"/>
+              <dgm:constrLst/>
+              <dgm:ruleLst/>
+            </dgm:layoutNode>
+          </dgm:layoutNode>
+          <dgm:layoutNode name="hierChild2">
+            <dgm:choose name="Name21">
+              <dgm:if name="Name22" func="var" arg="hierBranch" op="equ" val="l">
+                <dgm:alg type="hierChild">
+                  <dgm:param type="chAlign" val="r"/>
+                  <dgm:param type="linDir" val="fromT"/>
+                </dgm:alg>
+              </dgm:if>
+              <dgm:if name="Name23" func="var" arg="hierBranch" op="equ" val="r">
+                <dgm:alg type="hierChild">
+                  <dgm:param type="chAlign" val="l"/>
+                  <dgm:param type="linDir" val="fromT"/>
+                </dgm:alg>
+              </dgm:if>
+              <dgm:if name="Name24" func="var" arg="hierBranch" op="equ" val="hang">
+                <dgm:choose name="Name25">
+                  <dgm:if name="Name26" func="var" arg="dir" op="equ" val="norm">
+                    <dgm:alg type="hierChild">
+                      <dgm:param type="chAlign" val="l"/>
+                      <dgm:param type="linDir" val="fromL"/>
+                      <dgm:param type="secChAlign" val="t"/>
+                      <dgm:param type="secLinDir" val="fromT"/>
+                    </dgm:alg>
+                  </dgm:if>
+                  <dgm:else name="Name27">
+                    <dgm:alg type="hierChild">
+                      <dgm:param type="chAlign" val="l"/>
+                      <dgm:param type="linDir" val="fromR"/>
+                      <dgm:param type="secChAlign" val="t"/>
+                      <dgm:param type="secLinDir" val="fromT"/>
+                    </dgm:alg>
+                  </dgm:else>
+                </dgm:choose>
+              </dgm:if>
+              <dgm:else name="Name28">
+                <dgm:choose name="Name29">
+                  <dgm:if name="Name30" func="var" arg="dir" op="equ" val="norm">
+                    <dgm:alg type="hierChild"/>
+                  </dgm:if>
+                  <dgm:else name="Name31">
+                    <dgm:alg type="hierChild">
+                      <dgm:param type="linDir" val="fromR"/>
+                    </dgm:alg>
+                  </dgm:else>
+                </dgm:choose>
+              </dgm:else>
+            </dgm:choose>
+            <dgm:shape xmlns:r="http://schemas.openxmlformats.org/officeDocument/2006/relationships" r:blip="">
+              <dgm:adjLst/>
+            </dgm:shape>
+            <dgm:presOf/>
+            <dgm:constrLst/>
+            <dgm:ruleLst/>
+            <dgm:forEach name="rep2a" axis="ch" ptType="nonAsst">
+              <dgm:forEach name="Name32" axis="precedSib" ptType="parTrans" st="-1" cnt="1">
+                <dgm:choose name="Name33">
+                  <dgm:if name="Name34" func="var" arg="hierBranch" op="equ" val="std">
+                    <dgm:layoutNode name="Name35">
+                      <dgm:alg type="conn">
+                        <dgm:param type="connRout" val="bend"/>
+                        <dgm:param type="dim" val="1D"/>
+                        <dgm:param type="endSty" val="noArr"/>
+                        <dgm:param type="begPts" val="bCtr"/>
+                        <dgm:param type="endPts" val="tCtr"/>
+                        <dgm:param type="bendPt" val="end"/>
+                      </dgm:alg>
+                      <dgm:shape xmlns:r="http://schemas.openxmlformats.org/officeDocument/2006/relationships" type="conn" r:blip="" zOrderOff="-99999">
+                        <dgm:adjLst/>
+                      </dgm:shape>
+                      <dgm:presOf axis="self"/>
+                      <dgm:constrLst>
+                        <dgm:constr type="begPad"/>
+                        <dgm:constr type="endPad"/>
+                      </dgm:constrLst>
+                      <dgm:ruleLst/>
+                    </dgm:layoutNode>
+                  </dgm:if>
+                  <dgm:if name="Name36" func="var" arg="hierBranch" op="equ" val="init">
+                    <dgm:layoutNode name="Name37">
+                      <dgm:choose name="Name38">
+                        <dgm:if name="Name39" axis="self" func="depth" op="lte" val="2">
+                          <dgm:alg type="conn">
+                            <dgm:param type="connRout" val="bend"/>
+                            <dgm:param type="dim" val="1D"/>
+                            <dgm:param type="endSty" val="noArr"/>
+                            <dgm:param type="begPts" val="bCtr"/>
+                            <dgm:param type="endPts" val="tCtr"/>
+                            <dgm:param type="bendPt" val="end"/>
+                          </dgm:alg>
+                        </dgm:if>
+                        <dgm:else name="Name40">
+                          <dgm:choose name="Name41">
+                            <dgm:if name="Name42" axis="par des" func="maxDepth" op="lte" val="1">
+                              <dgm:choose name="Name43">
+                                <dgm:if name="Name44" axis="par ch" ptType="node asst" func="cnt" op="gte" val="1">
+                                  <dgm:alg type="conn">
+                                    <dgm:param type="connRout" val="bend"/>
+                                    <dgm:param type="dim" val="1D"/>
+                                    <dgm:param type="endSty" val="noArr"/>
+                                    <dgm:param type="begPts" val="bCtr"/>
+                                    <dgm:param type="endPts" val="midL midR"/>
+                                  </dgm:alg>
+                                </dgm:if>
+                                <dgm:else name="Name45">
+                                  <dgm:alg type="conn">
+                                    <dgm:param type="connRout" val="bend"/>
+                                    <dgm:param type="dim" val="1D"/>
+                                    <dgm:param type="endSty" val="noArr"/>
+                                    <dgm:param type="begPts" val="bCtr"/>
+                                    <dgm:param type="endPts" val="midL midR"/>
+                                    <dgm:param type="srcNode" val="rootConnector"/>
+                                  </dgm:alg>
+                                </dgm:else>
+                              </dgm:choose>
+                            </dgm:if>
+                            <dgm:else name="Name46">
+                              <dgm:alg type="conn">
+                                <dgm:param type="connRout" val="bend"/>
+                                <dgm:param type="dim" val="1D"/>
+                                <dgm:param type="endSty" val="noArr"/>
+                                <dgm:param type="begPts" val="bCtr"/>
+                                <dgm:param type="endPts" val="tCtr"/>
+                                <dgm:param type="bendPt" val="end"/>
+                              </dgm:alg>
+                            </dgm:else>
+                          </dgm:choose>
+                        </dgm:else>
+                      </dgm:choose>
+                      <dgm:shape xmlns:r="http://schemas.openxmlformats.org/officeDocument/2006/relationships" type="conn" r:blip="" zOrderOff="-99999">
+                        <dgm:adjLst/>
+                      </dgm:shape>
+                      <dgm:presOf axis="self"/>
+                      <dgm:constrLst>
+                        <dgm:constr type="begPad"/>
+                        <dgm:constr type="endPad"/>
+                      </dgm:constrLst>
+                      <dgm:ruleLst/>
+                    </dgm:layoutNode>
+                  </dgm:if>
+                  <dgm:if name="Name47" func="var" arg="hierBranch" op="equ" val="hang">
+                    <dgm:layoutNode name="Name48">
+                      <dgm:alg type="conn">
+                        <dgm:param type="connRout" val="bend"/>
+                        <dgm:param type="dim" val="1D"/>
+                        <dgm:param type="endSty" val="noArr"/>
+                        <dgm:param type="begPts" val="bCtr"/>
+                        <dgm:param type="endPts" val="midL midR"/>
+                      </dgm:alg>
+                      <dgm:shape xmlns:r="http://schemas.openxmlformats.org/officeDocument/2006/relationships" type="conn" r:blip="" zOrderOff="-99999">
+                        <dgm:adjLst/>
+                      </dgm:shape>
+                      <dgm:presOf axis="self"/>
+                      <dgm:constrLst>
+                        <dgm:constr type="begPad"/>
+                        <dgm:constr type="endPad"/>
+                      </dgm:constrLst>
+                      <dgm:ruleLst/>
+                    </dgm:layoutNode>
+                  </dgm:if>
+                  <dgm:else name="Name49">
+                    <dgm:layoutNode name="Name50">
+                      <dgm:choose name="Name51">
+                        <dgm:if name="Name52" axis="self" func="depth" op="lte" val="2">
+                          <dgm:choose name="Name53">
+                            <dgm:if name="Name54" axis="par ch" ptType="node asst" func="cnt" op="gte" val="1">
+                              <dgm:alg type="conn">
+                                <dgm:param type="connRout" val="bend"/>
+                                <dgm:param type="dim" val="1D"/>
+                                <dgm:param type="endSty" val="noArr"/>
+                                <dgm:param type="begPts" val="bCtr"/>
+                                <dgm:param type="endPts" val="midL midR"/>
+                              </dgm:alg>
+                            </dgm:if>
+                            <dgm:else name="Name55">
+                              <dgm:alg type="conn">
+                                <dgm:param type="connRout" val="bend"/>
+                                <dgm:param type="dim" val="1D"/>
+                                <dgm:param type="endSty" val="noArr"/>
+                                <dgm:param type="begPts" val="bCtr"/>
+                                <dgm:param type="endPts" val="midL midR"/>
+                                <dgm:param type="srcNode" val="rootConnector1"/>
+                              </dgm:alg>
+                            </dgm:else>
+                          </dgm:choose>
+                        </dgm:if>
+                        <dgm:else name="Name56">
+                          <dgm:choose name="Name57">
+                            <dgm:if name="Name58" axis="par ch" ptType="node asst" func="cnt" op="gte" val="1">
+                              <dgm:alg type="conn">
+                                <dgm:param type="connRout" val="bend"/>
+                                <dgm:param type="dim" val="1D"/>
+                                <dgm:param type="endSty" val="noArr"/>
+                                <dgm:param type="begPts" val="bCtr"/>
+                                <dgm:param type="endPts" val="midL midR"/>
+                              </dgm:alg>
+                            </dgm:if>
+                            <dgm:else name="Name59">
+                              <dgm:alg type="conn">
+                                <dgm:param type="connRout" val="bend"/>
+                                <dgm:param type="dim" val="1D"/>
+                                <dgm:param type="endSty" val="noArr"/>
+                                <dgm:param type="begPts" val="bCtr"/>
+                                <dgm:param type="endPts" val="midL midR"/>
+                                <dgm:param type="srcNode" val="rootConnector"/>
+                              </dgm:alg>
+                            </dgm:else>
+                          </dgm:choose>
+                        </dgm:else>
+                      </dgm:choose>
+                      <dgm:shape xmlns:r="http://schemas.openxmlformats.org/officeDocument/2006/relationships" type="conn" r:blip="" zOrderOff="-99999">
+                        <dgm:adjLst/>
+                      </dgm:shape>
+                      <dgm:presOf axis="self"/>
+                      <dgm:constrLst>
+                        <dgm:constr type="begPad"/>
+                        <dgm:constr type="endPad"/>
+                      </dgm:constrLst>
+                      <dgm:ruleLst/>
+                    </dgm:layoutNode>
+                  </dgm:else>
+                </dgm:choose>
+              </dgm:forEach>
+              <dgm:layoutNode name="hierRoot2">
+                <dgm:varLst>
+                  <dgm:hierBranch val="init"/>
+                </dgm:varLst>
+                <dgm:choose name="Name60">
+                  <dgm:if name="Name61" func="var" arg="hierBranch" op="equ" val="l">
+                    <dgm:choose name="Name62">
+                      <dgm:if name="Name63" axis="ch" ptType="asst" func="cnt" op="gte" val="1">
+                        <dgm:alg type="hierRoot">
+                          <dgm:param type="hierAlign" val="tR"/>
+                        </dgm:alg>
+                        <dgm:shape xmlns:r="http://schemas.openxmlformats.org/officeDocument/2006/relationships" r:blip="">
+                          <dgm:adjLst/>
+                        </dgm:shape>
+                        <dgm:presOf/>
+                        <dgm:constrLst>
+                          <dgm:constr type="alignOff" val="0.65"/>
+                        </dgm:constrLst>
+                      </dgm:if>
+                      <dgm:else name="Name64">
+                        <dgm:alg type="hierRoot">
+                          <dgm:param type="hierAlign" val="tR"/>
+                        </dgm:alg>
+                        <dgm:shape xmlns:r="http://schemas.openxmlformats.org/officeDocument/2006/relationships" r:blip="">
+                          <dgm:adjLst/>
+                        </dgm:shape>
+                        <dgm:presOf/>
+                        <dgm:constrLst>
+                          <dgm:constr type="alignOff" val="0.25"/>
+                        </dgm:constrLst>
+                      </dgm:else>
+                    </dgm:choose>
+                  </dgm:if>
+                  <dgm:if name="Name65" func="var" arg="hierBranch" op="equ" val="r">
+                    <dgm:choose name="Name66">
+                      <dgm:if name="Name67" axis="ch" ptType="asst" func="cnt" op="gte" val="1">
+                        <dgm:alg type="hierRoot">
+                          <dgm:param type="hierAlign" val="tL"/>
+                        </dgm:alg>
+                        <dgm:shape xmlns:r="http://schemas.openxmlformats.org/officeDocument/2006/relationships" r:blip="">
+                          <dgm:adjLst/>
+                        </dgm:shape>
+                        <dgm:presOf/>
+                        <dgm:constrLst>
+                          <dgm:constr type="alignOff" val="0.65"/>
+                        </dgm:constrLst>
+                      </dgm:if>
+                      <dgm:else name="Name68">
+                        <dgm:alg type="hierRoot">
+                          <dgm:param type="hierAlign" val="tL"/>
+                        </dgm:alg>
+                        <dgm:shape xmlns:r="http://schemas.openxmlformats.org/officeDocument/2006/relationships" r:blip="">
+                          <dgm:adjLst/>
+                        </dgm:shape>
+                        <dgm:presOf/>
+                        <dgm:constrLst>
+                          <dgm:constr type="alignOff" val="0.25"/>
+                        </dgm:constrLst>
+                      </dgm:else>
+                    </dgm:choose>
+                  </dgm:if>
+                  <dgm:if name="Name69" func="var" arg="hierBranch" op="equ" val="std">
+                    <dgm:alg type="hierRoot"/>
+                    <dgm:shape xmlns:r="http://schemas.openxmlformats.org/officeDocument/2006/relationships" r:blip="">
+                      <dgm:adjLst/>
+                    </dgm:shape>
+                    <dgm:presOf/>
+                    <dgm:constrLst>
+                      <dgm:constr type="alignOff"/>
+                      <dgm:constr type="bendDist" for="des" ptType="parTrans" refType="sp" fact="0.5"/>
+                    </dgm:constrLst>
+                  </dgm:if>
+                  <dgm:if name="Name70" func="var" arg="hierBranch" op="equ" val="init">
+                    <dgm:choose name="Name71">
+                      <dgm:if name="Name72" axis="des" func="maxDepth" op="lte" val="1">
+                        <dgm:choose name="Name73">
+                          <dgm:if name="Name74" axis="ch" ptType="asst" func="cnt" op="gte" val="1">
+                            <dgm:alg type="hierRoot">
+                              <dgm:param type="hierAlign" val="tL"/>
+                            </dgm:alg>
+                            <dgm:shape xmlns:r="http://schemas.openxmlformats.org/officeDocument/2006/relationships" r:blip="">
+                              <dgm:adjLst/>
+                            </dgm:shape>
+                            <dgm:presOf/>
+                            <dgm:constrLst>
+                              <dgm:constr type="alignOff" val="0.65"/>
+                            </dgm:constrLst>
+                          </dgm:if>
+                          <dgm:else name="Name75">
+                            <dgm:alg type="hierRoot">
+                              <dgm:param type="hierAlign" val="tL"/>
+                            </dgm:alg>
+                            <dgm:shape xmlns:r="http://schemas.openxmlformats.org/officeDocument/2006/relationships" r:blip="">
+                              <dgm:adjLst/>
+                            </dgm:shape>
+                            <dgm:presOf/>
+                            <dgm:constrLst>
+                              <dgm:constr type="alignOff" val="0.25"/>
+                            </dgm:constrLst>
+                          </dgm:else>
+                        </dgm:choose>
+                      </dgm:if>
+                      <dgm:else name="Name76">
+                        <dgm:alg type="hierRoot"/>
+                        <dgm:shape xmlns:r="http://schemas.openxmlformats.org/officeDocument/2006/relationships" r:blip="">
+                          <dgm:adjLst/>
+                        </dgm:shape>
+                        <dgm:presOf/>
+                        <dgm:constrLst>
+                          <dgm:constr type="alignOff"/>
+                          <dgm:constr type="bendDist" for="des" ptType="parTrans" refType="sp" fact="0.5"/>
+                        </dgm:constrLst>
+                      </dgm:else>
+                    </dgm:choose>
+                  </dgm:if>
+                  <dgm:else name="Name77">
+                    <dgm:alg type="hierRoot"/>
+                    <dgm:shape xmlns:r="http://schemas.openxmlformats.org/officeDocument/2006/relationships" r:blip="">
+                      <dgm:adjLst/>
+                    </dgm:shape>
+                    <dgm:presOf/>
+                    <dgm:constrLst>
+                      <dgm:constr type="alignOff" val="0.65"/>
+                    </dgm:constrLst>
+                  </dgm:else>
+                </dgm:choose>
+                <dgm:ruleLst/>
+                <dgm:layoutNode name="rootComposite">
+                  <dgm:alg type="composite"/>
+                  <dgm:shape xmlns:r="http://schemas.openxmlformats.org/officeDocument/2006/relationships" r:blip="">
+                    <dgm:adjLst/>
+                  </dgm:shape>
+                  <dgm:presOf axis="self" ptType="node" cnt="1"/>
+                  <dgm:choose name="Name78">
+                    <dgm:if name="Name79" func="var" arg="hierBranch" op="equ" val="init">
+                      <dgm:constrLst>
+                        <dgm:constr type="l" for="ch" forName="rootText"/>
+                        <dgm:constr type="t" for="ch" forName="rootText"/>
+                        <dgm:constr type="w" for="ch" forName="rootText" refType="w"/>
+                        <dgm:constr type="h" for="ch" forName="rootText" refType="h"/>
+                        <dgm:constr type="l" for="ch" forName="rootConnector"/>
+                        <dgm:constr type="t" for="ch" forName="rootConnector"/>
+                        <dgm:constr type="w" for="ch" forName="rootConnector" refType="w" refFor="ch" refForName="rootText" fact="0.2"/>
+                        <dgm:constr type="h" for="ch" forName="rootConnector" refType="h" refFor="ch" refForName="rootText"/>
+                      </dgm:constrLst>
+                    </dgm:if>
+                    <dgm:if name="Name80" func="var" arg="hierBranch" op="equ" val="l">
+                      <dgm:constrLst>
+                        <dgm:constr type="l" for="ch" forName="rootText"/>
+                        <dgm:constr type="t" for="ch" forName="rootText"/>
+                        <dgm:constr type="w" for="ch" forName="rootText" refType="w"/>
+                        <dgm:constr type="h" for="ch" forName="rootText" refType="h"/>
+                        <dgm:constr type="r" for="ch" forName="rootConnector" refType="w"/>
+                        <dgm:constr type="t" for="ch" forName="rootConnector"/>
+                        <dgm:constr type="w" for="ch" forName="rootConnector" refType="w" refFor="ch" refForName="rootText" fact="0.2"/>
+                        <dgm:constr type="h" for="ch" forName="rootConnector" refType="h" refFor="ch" refForName="rootText"/>
+                      </dgm:constrLst>
+                    </dgm:if>
+                    <dgm:if name="Name81" func="var" arg="hierBranch" op="equ" val="r">
+                      <dgm:constrLst>
+                        <dgm:constr type="l" for="ch" forName="rootText"/>
+                        <dgm:constr type="t" for="ch" forName="rootText"/>
+                        <dgm:constr type="w" for="ch" forName="rootText" refType="w"/>
+                        <dgm:constr type="h" for="ch" forName="rootText" refType="h"/>
+                        <dgm:constr type="l" for="ch" forName="rootConnector"/>
+                        <dgm:constr type="t" for="ch" forName="rootConnector"/>
+                        <dgm:constr type="w" for="ch" forName="rootConnector" refType="w" refFor="ch" refForName="rootText" fact="0.2"/>
+                        <dgm:constr type="h" for="ch" forName="rootConnector" refType="h" refFor="ch" refForName="rootText"/>
+                      </dgm:constrLst>
+                    </dgm:if>
+                    <dgm:else name="Name82">
+                      <dgm:constrLst>
+                        <dgm:constr type="l" for="ch" forName="rootText"/>
+                        <dgm:constr type="t" for="ch" forName="rootText"/>
+                        <dgm:constr type="w" for="ch" forName="rootText" refType="w"/>
+                        <dgm:constr type="h" for="ch" forName="rootText" refType="h"/>
+                        <dgm:constr type="r" for="ch" forName="rootConnector" refType="w"/>
+                        <dgm:constr type="t" for="ch" forName="rootConnector"/>
+                        <dgm:constr type="w" for="ch" forName="rootConnector" refType="w" refFor="ch" refForName="rootText" fact="0.2"/>
+                        <dgm:constr type="h" for="ch" forName="rootConnector" refType="h" refFor="ch" refForName="rootText"/>
+                      </dgm:constrLst>
+                    </dgm:else>
+                  </dgm:choose>
+                  <dgm:ruleLst/>
+                  <dgm:layoutNode name="rootText">
+                    <dgm:varLst>
+                      <dgm:chPref val="3"/>
+                    </dgm:varLst>
+                    <dgm:alg type="tx"/>
+                    <dgm:shape xmlns:r="http://schemas.openxmlformats.org/officeDocument/2006/relationships" type="rect" r:blip="">
+                      <dgm:adjLst/>
+                    </dgm:shape>
+                    <dgm:presOf axis="self" ptType="node" cnt="1"/>
+                    <dgm:constrLst>
+                      <dgm:constr type="primFontSz" val="65"/>
+                      <dgm:constr type="lMarg" refType="primFontSz" fact="0.05"/>
+                      <dgm:constr type="rMarg" refType="primFontSz" fact="0.05"/>
+                      <dgm:constr type="tMarg" refType="primFontSz" fact="0.05"/>
+                      <dgm:constr type="bMarg" refType="primFontSz" fact="0.05"/>
+                    </dgm:constrLst>
+                    <dgm:ruleLst>
+                      <dgm:rule type="primFontSz" val="5" fact="NaN" max="NaN"/>
+                    </dgm:ruleLst>
+                  </dgm:layoutNode>
+                  <dgm:layoutNode name="rootConnector" moveWith="rootText">
+                    <dgm:alg type="sp"/>
+                    <dgm:shape xmlns:r="http://schemas.openxmlformats.org/officeDocument/2006/relationships" type="rect" r:blip="" hideGeom="1">
+                      <dgm:adjLst/>
+                    </dgm:shape>
+                    <dgm:presOf axis="self" ptType="node" cnt="1"/>
+                    <dgm:constrLst/>
+                    <dgm:ruleLst/>
+                  </dgm:layoutNode>
+                </dgm:layoutNode>
+                <dgm:layoutNode name="hierChild4">
+                  <dgm:choose name="Name83">
+                    <dgm:if name="Name84" func="var" arg="hierBranch" op="equ" val="l">
+                      <dgm:alg type="hierChild">
+                        <dgm:param type="chAlign" val="r"/>
+                        <dgm:param type="linDir" val="fromT"/>
+                      </dgm:alg>
+                    </dgm:if>
+                    <dgm:if name="Name85" func="var" arg="hierBranch" op="equ" val="r">
+                      <dgm:alg type="hierChild">
+                        <dgm:param type="chAlign" val="l"/>
+                        <dgm:param type="linDir" val="fromT"/>
+                      </dgm:alg>
+                    </dgm:if>
+                    <dgm:if name="Name86" func="var" arg="hierBranch" op="equ" val="hang">
+                      <dgm:choose name="Name87">
+                        <dgm:if name="Name88" func="var" arg="dir" op="equ" val="norm">
+                          <dgm:alg type="hierChild">
+                            <dgm:param type="chAlign" val="l"/>
+                            <dgm:param type="linDir" val="fromL"/>
+                            <dgm:param type="secChAlign" val="t"/>
+                            <dgm:param type="secLinDir" val="fromT"/>
+                          </dgm:alg>
+                        </dgm:if>
+                        <dgm:else name="Name89">
+                          <dgm:alg type="hierChild">
+                            <dgm:param type="chAlign" val="l"/>
+                            <dgm:param type="linDir" val="fromR"/>
+                            <dgm:param type="secChAlign" val="t"/>
+                            <dgm:param type="secLinDir" val="fromT"/>
+                          </dgm:alg>
+                        </dgm:else>
+                      </dgm:choose>
+                    </dgm:if>
+                    <dgm:if name="Name90" func="var" arg="hierBranch" op="equ" val="std">
+                      <dgm:choose name="Name91">
+                        <dgm:if name="Name92" func="var" arg="dir" op="equ" val="norm">
+                          <dgm:alg type="hierChild"/>
+                        </dgm:if>
+                        <dgm:else name="Name93">
+                          <dgm:alg type="hierChild">
+                            <dgm:param type="linDir" val="fromR"/>
+                          </dgm:alg>
+                        </dgm:else>
+                      </dgm:choose>
+                    </dgm:if>
+                    <dgm:if name="Name94" func="var" arg="hierBranch" op="equ" val="init">
+                      <dgm:choose name="Name95">
+                        <dgm:if name="Name96" axis="des" func="maxDepth" op="lte" val="1">
+                          <dgm:alg type="hierChild">
+                            <dgm:param type="chAlign" val="l"/>
+                            <dgm:param type="linDir" val="fromT"/>
+                          </dgm:alg>
+                        </dgm:if>
+                        <dgm:else name="Name97">
+                          <dgm:choose name="Name98">
+                            <dgm:if name="Name99" func="var" arg="dir" op="equ" val="norm">
+                              <dgm:alg type="hierChild"/>
+                            </dgm:if>
+                            <dgm:else name="Name100">
+                              <dgm:alg type="hierChild">
+                                <dgm:param type="linDir" val="fromR"/>
+                              </dgm:alg>
+                            </dgm:else>
+                          </dgm:choose>
+                        </dgm:else>
+                      </dgm:choose>
+                    </dgm:if>
+                    <dgm:else name="Name101"/>
+                  </dgm:choose>
+                  <dgm:shape xmlns:r="http://schemas.openxmlformats.org/officeDocument/2006/relationships" r:blip="">
+                    <dgm:adjLst/>
+                  </dgm:shape>
+                  <dgm:presOf/>
+                  <dgm:constrLst/>
+                  <dgm:ruleLst/>
+                  <dgm:forEach name="Name102" ref="rep2a"/>
+                </dgm:layoutNode>
+                <dgm:layoutNode name="hierChild5">
+                  <dgm:choose name="Name103">
+                    <dgm:if name="Name104" func="var" arg="dir" op="equ" val="norm">
+                      <dgm:alg type="hierChild">
+                        <dgm:param type="chAlign" val="l"/>
+                        <dgm:param type="linDir" val="fromL"/>
+                        <dgm:param type="secChAlign" val="t"/>
+                        <dgm:param type="secLinDir" val="fromT"/>
+                      </dgm:alg>
+                    </dgm:if>
+                    <dgm:else name="Name105">
+                      <dgm:alg type="hierChild">
+                        <dgm:param type="chAlign" val="l"/>
+                        <dgm:param type="linDir" val="fromR"/>
+                        <dgm:param type="secChAlign" val="t"/>
+                        <dgm:param type="secLinDir" val="fromT"/>
+                      </dgm:alg>
+                    </dgm:else>
+                  </dgm:choose>
+                  <dgm:shape xmlns:r="http://schemas.openxmlformats.org/officeDocument/2006/relationships" r:blip="">
+                    <dgm:adjLst/>
+                  </dgm:shape>
+                  <dgm:presOf/>
+                  <dgm:constrLst/>
+                  <dgm:ruleLst/>
+                  <dgm:forEach name="Name106" ref="rep2b"/>
+                </dgm:layoutNode>
+              </dgm:layoutNode>
+            </dgm:forEach>
+          </dgm:layoutNode>
+          <dgm:layoutNode name="hierChild3">
+            <dgm:choose name="Name107">
+              <dgm:if name="Name108" func="var" arg="dir" op="equ" val="norm">
+                <dgm:alg type="hierChild">
+                  <dgm:param type="chAlign" val="l"/>
+                  <dgm:param type="linDir" val="fromL"/>
+                  <dgm:param type="secChAlign" val="t"/>
+                  <dgm:param type="secLinDir" val="fromT"/>
+                </dgm:alg>
+              </dgm:if>
+              <dgm:else name="Name109">
+                <dgm:alg type="hierChild">
+                  <dgm:param type="chAlign" val="l"/>
+                  <dgm:param type="linDir" val="fromR"/>
+                  <dgm:param type="secChAlign" val="t"/>
+                  <dgm:param type="secLinDir" val="fromT"/>
+                </dgm:alg>
+              </dgm:else>
+            </dgm:choose>
+            <dgm:shape xmlns:r="http://schemas.openxmlformats.org/officeDocument/2006/relationships" r:blip="">
+              <dgm:adjLst/>
+            </dgm:shape>
+            <dgm:presOf/>
+            <dgm:constrLst/>
+            <dgm:ruleLst/>
+            <dgm:forEach name="rep2b" axis="ch" ptType="asst">
+              <dgm:forEach name="Name110" axis="precedSib" ptType="parTrans" st="-1" cnt="1">
+                <dgm:layoutNode name="Name111">
+                  <dgm:alg type="conn">
+                    <dgm:param type="connRout" val="bend"/>
+                    <dgm:param type="dim" val="1D"/>
+                    <dgm:param type="endSty" val="noArr"/>
+                    <dgm:param type="begPts" val="bCtr"/>
+                    <dgm:param type="endPts" val="midL midR"/>
+                  </dgm:alg>
+                  <dgm:shape xmlns:r="http://schemas.openxmlformats.org/officeDocument/2006/relationships" type="conn" r:blip="" zOrderOff="-99999">
+                    <dgm:adjLst/>
+                  </dgm:shape>
+                  <dgm:presOf axis="self"/>
+                  <dgm:constrLst>
+                    <dgm:constr type="begPad"/>
+                    <dgm:constr type="endPad"/>
+                  </dgm:constrLst>
+                  <dgm:ruleLst/>
+                </dgm:layoutNode>
+              </dgm:forEach>
+              <dgm:layoutNode name="hierRoot3">
+                <dgm:varLst>
+                  <dgm:hierBranch val="init"/>
+                </dgm:varLst>
+                <dgm:choose name="Name112">
+                  <dgm:if name="Name113" func="var" arg="hierBranch" op="equ" val="l">
+                    <dgm:alg type="hierRoot">
+                      <dgm:param type="hierAlign" val="tR"/>
+                    </dgm:alg>
+                    <dgm:shape xmlns:r="http://schemas.openxmlformats.org/officeDocument/2006/relationships" r:blip="">
+                      <dgm:adjLst/>
+                    </dgm:shape>
+                    <dgm:presOf/>
+                    <dgm:constrLst>
+                      <dgm:constr type="alignOff" val="0.65"/>
+                    </dgm:constrLst>
+                  </dgm:if>
+                  <dgm:if name="Name114" func="var" arg="hierBranch" op="equ" val="r">
+                    <dgm:alg type="hierRoot">
+                      <dgm:param type="hierAlign" val="tL"/>
+                    </dgm:alg>
+                    <dgm:shape xmlns:r="http://schemas.openxmlformats.org/officeDocument/2006/relationships" r:blip="">
+                      <dgm:adjLst/>
+                    </dgm:shape>
+                    <dgm:presOf/>
+                    <dgm:constrLst>
+                      <dgm:constr type="alignOff" val="0.65"/>
+                    </dgm:constrLst>
+                  </dgm:if>
+                  <dgm:if name="Name115" func="var" arg="hierBranch" op="equ" val="hang">
+                    <dgm:alg type="hierRoot"/>
+                    <dgm:shape xmlns:r="http://schemas.openxmlformats.org/officeDocument/2006/relationships" r:blip="">
+                      <dgm:adjLst/>
+                    </dgm:shape>
+                    <dgm:presOf/>
+                    <dgm:constrLst>
+                      <dgm:constr type="alignOff" val="0.65"/>
+                    </dgm:constrLst>
+                  </dgm:if>
+                  <dgm:if name="Name116" func="var" arg="hierBranch" op="equ" val="std">
+                    <dgm:alg type="hierRoot"/>
+                    <dgm:shape xmlns:r="http://schemas.openxmlformats.org/officeDocument/2006/relationships" r:blip="">
+                      <dgm:adjLst/>
+                    </dgm:shape>
+                    <dgm:presOf/>
+                    <dgm:constrLst>
+                      <dgm:constr type="alignOff"/>
+                      <dgm:constr type="bendDist" for="des" ptType="parTrans" refType="sp" fact="0.5"/>
+                    </dgm:constrLst>
+                  </dgm:if>
+                  <dgm:if name="Name117" func="var" arg="hierBranch" op="equ" val="init">
+                    <dgm:choose name="Name118">
+                      <dgm:if name="Name119" axis="des" func="maxDepth" op="lte" val="1">
+                        <dgm:alg type="hierRoot">
+                          <dgm:param type="hierAlign" val="tL"/>
+                        </dgm:alg>
+                        <dgm:shape xmlns:r="http://schemas.openxmlformats.org/officeDocument/2006/relationships" r:blip="">
+                          <dgm:adjLst/>
+                        </dgm:shape>
+                        <dgm:presOf/>
+                        <dgm:constrLst>
+                          <dgm:constr type="alignOff" val="0.65"/>
+                        </dgm:constrLst>
+                      </dgm:if>
+                      <dgm:else name="Name120">
+                        <dgm:alg type="hierRoot"/>
+                        <dgm:shape xmlns:r="http://schemas.openxmlformats.org/officeDocument/2006/relationships" r:blip="">
+                          <dgm:adjLst/>
+                        </dgm:shape>
+                        <dgm:presOf/>
+                        <dgm:constrLst>
+                          <dgm:constr type="alignOff"/>
+                          <dgm:constr type="bendDist" for="des" ptType="parTrans" refType="sp" fact="0.5"/>
+                        </dgm:constrLst>
+                      </dgm:else>
+                    </dgm:choose>
+                  </dgm:if>
+                  <dgm:else name="Name121"/>
+                </dgm:choose>
+                <dgm:ruleLst/>
+                <dgm:layoutNode name="rootComposite3">
+                  <dgm:alg type="composite"/>
+                  <dgm:shape xmlns:r="http://schemas.openxmlformats.org/officeDocument/2006/relationships" r:blip="">
+                    <dgm:adjLst/>
+                  </dgm:shape>
+                  <dgm:presOf axis="self" ptType="node" cnt="1"/>
+                  <dgm:choose name="Name122">
+                    <dgm:if name="Name123" func="var" arg="hierBranch" op="equ" val="init">
+                      <dgm:constrLst>
+                        <dgm:constr type="l" for="ch" forName="rootText3"/>
+                        <dgm:constr type="t" for="ch" forName="rootText3"/>
+                        <dgm:constr type="w" for="ch" forName="rootText3" refType="w"/>
+                        <dgm:constr type="h" for="ch" forName="rootText3" refType="h"/>
+                        <dgm:constr type="l" for="ch" forName="rootConnector3"/>
+                        <dgm:constr type="t" for="ch" forName="rootConnector3"/>
+                        <dgm:constr type="w" for="ch" forName="rootConnector3" refType="w" refFor="ch" refForName="rootText3" fact="0.2"/>
+                        <dgm:constr type="h" for="ch" forName="rootConnector3" refType="h" refFor="ch" refForName="rootText3"/>
+                      </dgm:constrLst>
+                    </dgm:if>
+                    <dgm:if name="Name124" func="var" arg="hierBranch" op="equ" val="l">
+                      <dgm:constrLst>
+                        <dgm:constr type="l" for="ch" forName="rootText3"/>
+                        <dgm:constr type="t" for="ch" forName="rootText3"/>
+                        <dgm:constr type="w" for="ch" forName="rootText3" refType="w"/>
+                        <dgm:constr type="h" for="ch" forName="rootText3" refType="h"/>
+                        <dgm:constr type="r" for="ch" forName="rootConnector3" refType="w"/>
+                        <dgm:constr type="t" for="ch" forName="rootConnector3"/>
+                        <dgm:constr type="w" for="ch" forName="rootConnector3" refType="w" refFor="ch" refForName="rootText3" fact="0.2"/>
+                        <dgm:constr type="h" for="ch" forName="rootConnector3" refType="h" refFor="ch" refForName="rootText3"/>
+                      </dgm:constrLst>
+                    </dgm:if>
+                    <dgm:if name="Name125" func="var" arg="hierBranch" op="equ" val="r">
+                      <dgm:constrLst>
+                        <dgm:constr type="l" for="ch" forName="rootText3"/>
+                        <dgm:constr type="t" for="ch" forName="rootText3"/>
+                        <dgm:constr type="w" for="ch" forName="rootText3" refType="w"/>
+                        <dgm:constr type="h" for="ch" forName="rootText3" refType="h"/>
+                        <dgm:constr type="l" for="ch" forName="rootConnector3"/>
+                        <dgm:constr type="t" for="ch" forName="rootConnector3"/>
+                        <dgm:constr type="w" for="ch" forName="rootConnector3" refType="w" refFor="ch" refForName="rootText3" fact="0.2"/>
+                        <dgm:constr type="h" for="ch" forName="rootConnector3" refType="h" refFor="ch" refForName="rootText3"/>
+                      </dgm:constrLst>
+                    </dgm:if>
+                    <dgm:else name="Name126">
+                      <dgm:constrLst>
+                        <dgm:constr type="l" for="ch" forName="rootText3"/>
+                        <dgm:constr type="t" for="ch" forName="rootText3"/>
+                        <dgm:constr type="w" for="ch" forName="rootText3" refType="w"/>
+                        <dgm:constr type="h" for="ch" forName="rootText3" refType="h"/>
+                        <dgm:constr type="r" for="ch" forName="rootConnector3" refType="w"/>
+                        <dgm:constr type="t" for="ch" forName="rootConnector3"/>
+                        <dgm:constr type="w" for="ch" forName="rootConnector3" refType="w" refFor="ch" refForName="rootText3" fact="0.2"/>
+                        <dgm:constr type="h" for="ch" forName="rootConnector3" refType="h" refFor="ch" refForName="rootText3"/>
+                      </dgm:constrLst>
+                    </dgm:else>
+                  </dgm:choose>
+                  <dgm:ruleLst/>
+                  <dgm:layoutNode name="rootText3">
+                    <dgm:varLst>
+                      <dgm:chPref val="3"/>
+                    </dgm:varLst>
+                    <dgm:alg type="tx"/>
+                    <dgm:shape xmlns:r="http://schemas.openxmlformats.org/officeDocument/2006/relationships" type="rect" r:blip="">
+                      <dgm:adjLst/>
+                    </dgm:shape>
+                    <dgm:presOf axis="self" ptType="node" cnt="1"/>
+                    <dgm:constrLst>
+                      <dgm:constr type="primFontSz" val="65"/>
+                      <dgm:constr type="lMarg" refType="primFontSz" fact="0.05"/>
+                      <dgm:constr type="rMarg" refType="primFontSz" fact="0.05"/>
+                      <dgm:constr type="tMarg" refType="primFontSz" fact="0.05"/>
+                      <dgm:constr type="bMarg" refType="primFontSz" fact="0.05"/>
+                    </dgm:constrLst>
+                    <dgm:ruleLst>
+                      <dgm:rule type="primFontSz" val="5" fact="NaN" max="NaN"/>
+                    </dgm:ruleLst>
+                  </dgm:layoutNode>
+                  <dgm:layoutNode name="rootConnector3" moveWith="rootText1">
+                    <dgm:alg type="sp"/>
+                    <dgm:shape xmlns:r="http://schemas.openxmlformats.org/officeDocument/2006/relationships" type="rect" r:blip="" hideGeom="1">
+                      <dgm:adjLst/>
+                    </dgm:shape>
+                    <dgm:presOf axis="self" ptType="node" cnt="1"/>
+                    <dgm:constrLst/>
+                    <dgm:ruleLst/>
+                  </dgm:layoutNode>
+                </dgm:layoutNode>
+                <dgm:layoutNode name="hierChild6">
+                  <dgm:choose name="Name127">
+                    <dgm:if name="Name128" func="var" arg="hierBranch" op="equ" val="l">
+                      <dgm:alg type="hierChild">
+                        <dgm:param type="chAlign" val="r"/>
+                        <dgm:param type="linDir" val="fromT"/>
+                      </dgm:alg>
+                    </dgm:if>
+                    <dgm:if name="Name129" func="var" arg="hierBranch" op="equ" val="r">
+                      <dgm:alg type="hierChild">
+                        <dgm:param type="chAlign" val="l"/>
+                        <dgm:param type="linDir" val="fromT"/>
+                      </dgm:alg>
+                    </dgm:if>
+                    <dgm:if name="Name130" func="var" arg="hierBranch" op="equ" val="hang">
+                      <dgm:choose name="Name131">
+                        <dgm:if name="Name132" func="var" arg="dir" op="equ" val="norm">
+                          <dgm:alg type="hierChild">
+                            <dgm:param type="chAlign" val="l"/>
+                            <dgm:param type="linDir" val="fromL"/>
+                            <dgm:param type="secChAlign" val="t"/>
+                            <dgm:param type="secLinDir" val="fromT"/>
+                          </dgm:alg>
+                        </dgm:if>
+                        <dgm:else name="Name133">
+                          <dgm:alg type="hierChild">
+                            <dgm:param type="chAlign" val="l"/>
+                            <dgm:param type="linDir" val="fromR"/>
+                            <dgm:param type="secChAlign" val="t"/>
+                            <dgm:param type="secLinDir" val="fromT"/>
+                          </dgm:alg>
+                        </dgm:else>
+                      </dgm:choose>
+                    </dgm:if>
+                    <dgm:if name="Name134" func="var" arg="hierBranch" op="equ" val="std">
+                      <dgm:choose name="Name135">
+                        <dgm:if name="Name136" func="var" arg="dir" op="equ" val="norm">
+                          <dgm:alg type="hierChild"/>
+                        </dgm:if>
+                        <dgm:else name="Name137">
+                          <dgm:alg type="hierChild">
+                            <dgm:param type="linDir" val="fromR"/>
+                          </dgm:alg>
+                        </dgm:else>
+                      </dgm:choose>
+                    </dgm:if>
+                    <dgm:if name="Name138" func="var" arg="hierBranch" op="equ" val="init">
+                      <dgm:choose name="Name139">
+                        <dgm:if name="Name140" axis="des" func="maxDepth" op="lte" val="1">
+                          <dgm:alg type="hierChild">
+                            <dgm:param type="chAlign" val="l"/>
+                            <dgm:param type="linDir" val="fromT"/>
+                          </dgm:alg>
+                        </dgm:if>
+                        <dgm:else name="Name141">
+                          <dgm:alg type="hierChild"/>
+                        </dgm:else>
+                      </dgm:choose>
+                    </dgm:if>
+                    <dgm:else name="Name142"/>
+                  </dgm:choose>
+                  <dgm:shape xmlns:r="http://schemas.openxmlformats.org/officeDocument/2006/relationships" r:blip="">
+                    <dgm:adjLst/>
+                  </dgm:shape>
+                  <dgm:presOf/>
+                  <dgm:constrLst/>
+                  <dgm:ruleLst/>
+                  <dgm:forEach name="Name143" ref="rep2a"/>
+                </dgm:layoutNode>
+                <dgm:layoutNode name="hierChild7">
+                  <dgm:choose name="Name144">
+                    <dgm:if name="Name145" func="var" arg="dir" op="equ" val="norm">
+                      <dgm:alg type="hierChild">
+                        <dgm:param type="chAlign" val="l"/>
+                        <dgm:param type="linDir" val="fromL"/>
+                        <dgm:param type="secChAlign" val="t"/>
+                        <dgm:param type="secLinDir" val="fromT"/>
+                      </dgm:alg>
+                    </dgm:if>
+                    <dgm:else name="Name146">
+                      <dgm:alg type="hierChild">
+                        <dgm:param type="chAlign" val="l"/>
+                        <dgm:param type="linDir" val="fromR"/>
+                        <dgm:param type="secChAlign" val="t"/>
+                        <dgm:param type="secLinDir" val="fromT"/>
+                      </dgm:alg>
+                    </dgm:else>
+                  </dgm:choose>
+                  <dgm:shape xmlns:r="http://schemas.openxmlformats.org/officeDocument/2006/relationships" r:blip="">
+                    <dgm:adjLst/>
+                  </dgm:shape>
+                  <dgm:presOf/>
+                  <dgm:constrLst/>
+                  <dgm:ruleLst/>
+                  <dgm:forEach name="Name147" ref="rep2b"/>
+                </dgm:layoutNode>
+              </dgm:layoutNode>
+            </dgm:forEach>
+          </dgm:layoutNode>
+        </dgm:layoutNode>
+      </dgm:forEach>
+    </dgm:forEach>
+  </dgm:layoutNode>
+</dgm:layoutDef>
+</file>
+
+<file path=ppt/diagrams/quickStyle1.xml><?xml version="1.0" encoding="utf-8"?>
+<dgm:styleDef xmlns:dgm="http://schemas.openxmlformats.org/drawingml/2006/diagram" xmlns:a="http://schemas.openxmlformats.org/drawingml/2006/main" uniqueId="urn:microsoft.com/office/officeart/2005/8/quickstyle/simple1">
+  <dgm:title val=""/>
+  <dgm:desc val=""/>
+  <dgm:catLst>
+    <dgm:cat type="simple" pri="10100"/>
+  </dgm:catLst>
+  <dgm:scene3d>
+    <a:camera prst="orthographicFront"/>
+    <a:lightRig rig="threePt" dir="t"/>
+  </dgm:scene3d>
+  <dgm:styleLbl name="node0">
+    <dgm:scene3d>
+      <a:camera prst="orthographicFront"/>
+      <a:lightRig rig="threePt" dir="t"/>
+    </dgm:scene3d>
+    <dgm:sp3d/>
+    <dgm:txPr/>
+    <dgm:style>
+      <a:lnRef idx="2">
+        <a:scrgbClr r="0" g="0" b="0"/>
+      </a:lnRef>
+      <a:fillRef idx="1">
+        <a:scrgbClr r="0" g="0" b="0"/>
+      </a:fillRef>
+      <a:effectRef idx="0">
+        <a:scrgbClr r="0" g="0" b="0"/>
+      </a:effectRef>
+      <a:fontRef idx="minor">
+        <a:schemeClr val="lt1"/>
+      </a:fontRef>
+    </dgm:style>
+  </dgm:styleLbl>
+  <dgm:styleLbl name="lnNode1">
+    <dgm:scene3d>
+      <a:camera prst="orthographicFront"/>
+      <a:lightRig rig="threePt" dir="t"/>
+    </dgm:scene3d>
+    <dgm:sp3d/>
+    <dgm:txPr/>
+    <dgm:style>
+      <a:lnRef idx="2">
+        <a:scrgbClr r="0" g="0" b="0"/>
+      </a:lnRef>
+      <a:fillRef idx="1">
+        <a:scrgbClr r="0" g="0" b="0"/>
+      </a:fillRef>
+      <a:effectRef idx="0">
+        <a:scrgbClr r="0" g="0" b="0"/>
+      </a:effectRef>
+      <a:fontRef idx="minor">
+        <a:schemeClr val="lt1"/>
+      </a:fontRef>
+    </dgm:style>
+  </dgm:styleLbl>
+  <dgm:styleLbl name="vennNode1">
+    <dgm:scene3d>
+      <a:camera prst="orthographicFront"/>
+      <a:lightRig rig="threePt" dir="t"/>
+    </dgm:scene3d>
+    <dgm:sp3d/>
+    <dgm:txPr/>
+    <dgm:style>
+      <a:lnRef idx="2">
+        <a:scrgbClr r="0" g="0" b="0"/>
+      </a:lnRef>
+      <a:fillRef idx="1">
+        <a:scrgbClr r="0" g="0" b="0"/>
+      </a:fillRef>
+      <a:effectRef idx="0">
+        <a:scrgbClr r="0" g="0" b="0"/>
+      </a:effectRef>
+      <a:fontRef idx="minor">
+        <a:schemeClr val="tx1"/>
+      </a:fontRef>
+    </dgm:style>
+  </dgm:styleLbl>
+  <dgm:styleLbl name="alignNode1">
+    <dgm:scene3d>
+      <a:camera prst="orthographicFront"/>
+      <a:lightRig rig="threePt" dir="t"/>
+    </dgm:scene3d>
+    <dgm:sp3d/>
+    <dgm:txPr/>
+    <dgm:style>
+      <a:lnRef idx="2">
+        <a:scrgbClr r="0" g="0" b="0"/>
+      </a:lnRef>
+      <a:fillRef idx="1">
+        <a:scrgbClr r="0" g="0" b="0"/>
+      </a:fillRef>
+      <a:effectRef idx="0">
+        <a:scrgbClr r="0" g="0" b="0"/>
+      </a:effectRef>
+      <a:fontRef idx="minor">
+        <a:schemeClr val="lt1"/>
+      </a:fontRef>
+    </dgm:style>
+  </dgm:styleLbl>
+  <dgm:styleLbl name="node1">
+    <dgm:scene3d>
+      <a:camera prst="orthographicFront"/>
+      <a:lightRig rig="threePt" dir="t"/>
+    </dgm:scene3d>
+    <dgm:sp3d/>
+    <dgm:txPr/>
+    <dgm:style>
+      <a:lnRef idx="2">
+        <a:scrgbClr r="0" g="0" b="0"/>
+      </a:lnRef>
+      <a:fillRef idx="1">
+        <a:scrgbClr r="0" g="0" b="0"/>
+      </a:fillRef>
+      <a:effectRef idx="0">
+        <a:scrgbClr r="0" g="0" b="0"/>
+      </a:effectRef>
+      <a:fontRef idx="minor">
+        <a:schemeClr val="lt1"/>
+      </a:fontRef>
+    </dgm:style>
+  </dgm:styleLbl>
+  <dgm:styleLbl name="node2">
+    <dgm:scene3d>
+      <a:camera prst="orthographicFront"/>
+      <a:lightRig rig="threePt" dir="t"/>
+    </dgm:scene3d>
+    <dgm:sp3d/>
+    <dgm:txPr/>
+    <dgm:style>
+      <a:lnRef idx="2">
+        <a:scrgbClr r="0" g="0" b="0"/>
+      </a:lnRef>
+      <a:fillRef idx="1">
+        <a:scrgbClr r="0" g="0" b="0"/>
+      </a:fillRef>
+      <a:effectRef idx="0">
+        <a:scrgbClr r="0" g="0" b="0"/>
+      </a:effectRef>
+      <a:fontRef idx="minor">
+        <a:schemeClr val="lt1"/>
+      </a:fontRef>
+    </dgm:style>
+  </dgm:styleLbl>
+  <dgm:styleLbl name="node3">
+    <dgm:scene3d>
+      <a:camera prst="orthographicFront"/>
+      <a:lightRig rig="threePt" dir="t"/>
+    </dgm:scene3d>
+    <dgm:sp3d/>
+    <dgm:txPr/>
+    <dgm:style>
+      <a:lnRef idx="2">
+        <a:scrgbClr r="0" g="0" b="0"/>
+      </a:lnRef>
+      <a:fillRef idx="1">
+        <a:scrgbClr r="0" g="0" b="0"/>
+      </a:fillRef>
+      <a:effectRef idx="0">
+        <a:scrgbClr r="0" g="0" b="0"/>
+      </a:effectRef>
+      <a:fontRef idx="minor">
+        <a:schemeClr val="lt1"/>
+      </a:fontRef>
+    </dgm:style>
+  </dgm:styleLbl>
+  <dgm:styleLbl name="node4">
+    <dgm:scene3d>
+      <a:camera prst="orthographicFront"/>
+      <a:lightRig rig="threePt" dir="t"/>
+    </dgm:scene3d>
+    <dgm:sp3d/>
+    <dgm:txPr/>
+    <dgm:style>
+      <a:lnRef idx="2">
+        <a:scrgbClr r="0" g="0" b="0"/>
+      </a:lnRef>
+      <a:fillRef idx="1">
+        <a:scrgbClr r="0" g="0" b="0"/>
+      </a:fillRef>
+      <a:effectRef idx="0">
+        <a:scrgbClr r="0" g="0" b="0"/>
+      </a:effectRef>
+      <a:fontRef idx="minor">
+        <a:schemeClr val="lt1"/>
+      </a:fontRef>
+    </dgm:style>
+  </dgm:styleLbl>
+  <dgm:styleLbl name="fgImgPlace1">
+    <dgm:scene3d>
+      <a:camera prst="orthographicFront"/>
+      <a:lightRig rig="threePt" dir="t"/>
+    </dgm:scene3d>
+    <dgm:sp3d/>
+    <dgm:txPr/>
+    <dgm:style>
+      <a:lnRef idx="2">
+        <a:scrgbClr r="0" g="0" b="0"/>
+      </a:lnRef>
+      <a:fillRef idx="1">
+        <a:scrgbClr r="0" g="0" b="0"/>
+      </a:fillRef>
+      <a:effectRef idx="0">
+        <a:scrgbClr r="0" g="0" b="0"/>
+      </a:effectRef>
+      <a:fontRef idx="minor"/>
+    </dgm:style>
+  </dgm:styleLbl>
+  <dgm:styleLbl name="alignImgPlace1">
+    <dgm:scene3d>
+      <a:camera prst="orthographicFront"/>
+      <a:lightRig rig="threePt" dir="t"/>
+    </dgm:scene3d>
+    <dgm:sp3d/>
+    <dgm:txPr/>
+    <dgm:style>
+      <a:lnRef idx="2">
+        <a:scrgbClr r="0" g="0" b="0"/>
+      </a:lnRef>
+      <a:fillRef idx="1">
+        <a:scrgbClr r="0" g="0" b="0"/>
+      </a:fillRef>
+      <a:effectRef idx="0">
+        <a:scrgbClr r="0" g="0" b="0"/>
+      </a:effectRef>
+      <a:fontRef idx="minor"/>
+    </dgm:style>
+  </dgm:styleLbl>
+  <dgm:styleLbl name="bgImgPlace1">
+    <dgm:scene3d>
+      <a:camera prst="orthographicFront"/>
+      <a:lightRig rig="threePt" dir="t"/>
+    </dgm:scene3d>
+    <dgm:sp3d/>
+    <dgm:txPr/>
+    <dgm:style>
+      <a:lnRef idx="2">
+        <a:scrgbClr r="0" g="0" b="0"/>
+      </a:lnRef>
+      <a:fillRef idx="1">
+        <a:scrgbClr r="0" g="0" b="0"/>
+      </a:fillRef>
+      <a:effectRef idx="0">
+        <a:scrgbClr r="0" g="0" b="0"/>
+      </a:effectRef>
+      <a:fontRef idx="minor"/>
+    </dgm:style>
+  </dgm:styleLbl>
+  <dgm:styleLbl name="sibTrans2D1">
+    <dgm:scene3d>
+      <a:camera prst="orthographicFront"/>
+      <a:lightRig rig="threePt" dir="t"/>
+    </dgm:scene3d>
+    <dgm:sp3d/>
+    <dgm:txPr/>
+    <dgm:style>
+      <a:lnRef idx="0">
+        <a:scrgbClr r="0" g="0" b="0"/>
+      </a:lnRef>
+      <a:fillRef idx="1">
+        <a:scrgbClr r="0" g="0" b="0"/>
+      </a:fillRef>
+      <a:effectRef idx="0">
+        <a:scrgbClr r="0" g="0" b="0"/>
+      </a:effectRef>
+      <a:fontRef idx="minor">
+        <a:schemeClr val="lt1"/>
+      </a:fontRef>
+    </dgm:style>
+  </dgm:styleLbl>
+  <dgm:styleLbl name="fgSibTrans2D1">
+    <dgm:scene3d>
+      <a:camera prst="orthographicFront"/>
+      <a:lightRig rig="threePt" dir="t"/>
+    </dgm:scene3d>
+    <dgm:sp3d/>
+    <dgm:txPr/>
+    <dgm:style>
+      <a:lnRef idx="0">
+        <a:scrgbClr r="0" g="0" b="0"/>
+      </a:lnRef>
+      <a:fillRef idx="1">
+        <a:scrgbClr r="0" g="0" b="0"/>
+      </a:fillRef>
+      <a:effectRef idx="0">
+        <a:scrgbClr r="0" g="0" b="0"/>
+      </a:effectRef>
+      <a:fontRef idx="minor">
+        <a:schemeClr val="lt1"/>
+      </a:fontRef>
+    </dgm:style>
+  </dgm:styleLbl>
+  <dgm:styleLbl name="bgSibTrans2D1">
+    <dgm:scene3d>
+      <a:camera prst="orthographicFront"/>
+      <a:lightRig rig="threePt" dir="t"/>
+    </dgm:scene3d>
+    <dgm:sp3d/>
+    <dgm:txPr/>
+    <dgm:style>
+      <a:lnRef idx="0">
+        <a:scrgbClr r="0" g="0" b="0"/>
+      </a:lnRef>
+      <a:fillRef idx="1">
+        <a:scrgbClr r="0" g="0" b="0"/>
+      </a:fillRef>
+      <a:effectRef idx="0">
+        <a:scrgbClr r="0" g="0" b="0"/>
+      </a:effectRef>
+      <a:fontRef idx="minor">
+        <a:schemeClr val="lt1"/>
+      </a:fontRef>
+    </dgm:style>
+  </dgm:styleLbl>
+  <dgm:styleLbl name="sibTrans1D1">
+    <dgm:scene3d>
+      <a:camera prst="orthographicFront"/>
+      <a:lightRig rig="threePt" dir="t"/>
+    </dgm:scene3d>
+    <dgm:sp3d/>
+    <dgm:txPr/>
+    <dgm:style>
+      <a:lnRef idx="1">
+        <a:scrgbClr r="0" g="0" b="0"/>
+      </a:lnRef>
+      <a:fillRef idx="0">
+        <a:scrgbClr r="0" g="0" b="0"/>
+      </a:fillRef>
+      <a:effectRef idx="0">
+        <a:scrgbClr r="0" g="0" b="0"/>
+      </a:effectRef>
+      <a:fontRef idx="minor"/>
+    </dgm:style>
+  </dgm:styleLbl>
+  <dgm:styleLbl name="callout">
+    <dgm:scene3d>
+      <a:camera prst="orthographicFront"/>
+      <a:lightRig rig="threePt" dir="t"/>
+    </dgm:scene3d>
+    <dgm:sp3d/>
+    <dgm:txPr/>
+    <dgm:style>
+      <a:lnRef idx="2">
+        <a:scrgbClr r="0" g="0" b="0"/>
+      </a:lnRef>
+      <a:fillRef idx="1">
+        <a:scrgbClr r="0" g="0" b="0"/>
+      </a:fillRef>
+      <a:effectRef idx="0">
+        <a:scrgbClr r="0" g="0" b="0"/>
+      </a:effectRef>
+      <a:fontRef idx="minor"/>
+    </dgm:style>
+  </dgm:styleLbl>
+  <dgm:styleLbl name="asst0">
+    <dgm:scene3d>
+      <a:camera prst="orthographicFront"/>
+      <a:lightRig rig="threePt" dir="t"/>
+    </dgm:scene3d>
+    <dgm:sp3d/>
+    <dgm:txPr/>
+    <dgm:style>
+      <a:lnRef idx="2">
+        <a:scrgbClr r="0" g="0" b="0"/>
+      </a:lnRef>
+      <a:fillRef idx="1">
+        <a:scrgbClr r="0" g="0" b="0"/>
+      </a:fillRef>
+      <a:effectRef idx="0">
+        <a:scrgbClr r="0" g="0" b="0"/>
+      </a:effectRef>
+      <a:fontRef idx="minor">
+        <a:schemeClr val="lt1"/>
+      </a:fontRef>
+    </dgm:style>
+  </dgm:styleLbl>
+  <dgm:styleLbl name="asst1">
+    <dgm:scene3d>
+      <a:camera prst="orthographicFront"/>
+      <a:lightRig rig="threePt" dir="t"/>
+    </dgm:scene3d>
+    <dgm:sp3d/>
+    <dgm:txPr/>
+    <dgm:style>
+      <a:lnRef idx="2">
+        <a:scrgbClr r="0" g="0" b="0"/>
+      </a:lnRef>
+      <a:fillRef idx="1">
+        <a:scrgbClr r="0" g="0" b="0"/>
+      </a:fillRef>
+      <a:effectRef idx="0">
+        <a:scrgbClr r="0" g="0" b="0"/>
+      </a:effectRef>
+      <a:fontRef idx="minor">
+        <a:schemeClr val="lt1"/>
+      </a:fontRef>
+    </dgm:style>
+  </dgm:styleLbl>
+  <dgm:styleLbl name="asst2">
+    <dgm:scene3d>
+      <a:camera prst="orthographicFront"/>
+      <a:lightRig rig="threePt" dir="t"/>
+    </dgm:scene3d>
+    <dgm:sp3d/>
+    <dgm:txPr/>
+    <dgm:style>
+      <a:lnRef idx="2">
+        <a:scrgbClr r="0" g="0" b="0"/>
+      </a:lnRef>
+      <a:fillRef idx="1">
+        <a:scrgbClr r="0" g="0" b="0"/>
+      </a:fillRef>
+      <a:effectRef idx="0">
+        <a:scrgbClr r="0" g="0" b="0"/>
+      </a:effectRef>
+      <a:fontRef idx="minor">
+        <a:schemeClr val="lt1"/>
+      </a:fontRef>
+    </dgm:style>
+  </dgm:styleLbl>
+  <dgm:styleLbl name="asst3">
+    <dgm:scene3d>
+      <a:camera prst="orthographicFront"/>
+      <a:lightRig rig="threePt" dir="t"/>
+    </dgm:scene3d>
+    <dgm:sp3d/>
+    <dgm:txPr/>
+    <dgm:style>
+      <a:lnRef idx="2">
+        <a:scrgbClr r="0" g="0" b="0"/>
+      </a:lnRef>
+      <a:fillRef idx="1">
+        <a:scrgbClr r="0" g="0" b="0"/>
+      </a:fillRef>
+      <a:effectRef idx="0">
+        <a:scrgbClr r="0" g="0" b="0"/>
+      </a:effectRef>
+      <a:fontRef idx="minor">
+        <a:schemeClr val="lt1"/>
+      </a:fontRef>
+    </dgm:style>
+  </dgm:styleLbl>
+  <dgm:styleLbl name="asst4">
+    <dgm:scene3d>
+      <a:camera prst="orthographicFront"/>
+      <a:lightRig rig="threePt" dir="t"/>
+    </dgm:scene3d>
+    <dgm:sp3d/>
+    <dgm:txPr/>
+    <dgm:style>
+      <a:lnRef idx="2">
+        <a:scrgbClr r="0" g="0" b="0"/>
+      </a:lnRef>
+      <a:fillRef idx="1">
+        <a:scrgbClr r="0" g="0" b="0"/>
+      </a:fillRef>
+      <a:effectRef idx="0">
+        <a:scrgbClr r="0" g="0" b="0"/>
+      </a:effectRef>
+      <a:fontRef idx="minor">
+        <a:schemeClr val="lt1"/>
+      </a:fontRef>
+    </dgm:style>
+  </dgm:styleLbl>
+  <dgm:styleLbl name="parChTrans2D1">
+    <dgm:scene3d>
+      <a:camera prst="orthographicFront"/>
+      <a:lightRig rig="threePt" dir="t"/>
+    </dgm:scene3d>
+    <dgm:sp3d/>
+    <dgm:txPr/>
+    <dgm:style>
+      <a:lnRef idx="2">
+        <a:scrgbClr r="0" g="0" b="0"/>
+      </a:lnRef>
+      <a:fillRef idx="1">
+        <a:scrgbClr r="0" g="0" b="0"/>
+      </a:fillRef>
+      <a:effectRef idx="0">
+        <a:scrgbClr r="0" g="0" b="0"/>
+      </a:effectRef>
+      <a:fontRef idx="minor">
+        <a:schemeClr val="lt1"/>
+      </a:fontRef>
+    </dgm:style>
+  </dgm:styleLbl>
+  <dgm:styleLbl name="parChTrans2D2">
+    <dgm:scene3d>
+      <a:camera prst="orthographicFront"/>
+      <a:lightRig rig="threePt" dir="t"/>
+    </dgm:scene3d>
+    <dgm:sp3d/>
+    <dgm:txPr/>
+    <dgm:style>
+      <a:lnRef idx="2">
+        <a:scrgbClr r="0" g="0" b="0"/>
+      </a:lnRef>
+      <a:fillRef idx="1">
+        <a:scrgbClr r="0" g="0" b="0"/>
+      </a:fillRef>
+      <a:effectRef idx="0">
+        <a:scrgbClr r="0" g="0" b="0"/>
+      </a:effectRef>
+      <a:fontRef idx="minor">
+        <a:schemeClr val="lt1"/>
+      </a:fontRef>
+    </dgm:style>
+  </dgm:styleLbl>
+  <dgm:styleLbl name="parChTrans2D3">
+    <dgm:scene3d>
+      <a:camera prst="orthographicFront"/>
+      <a:lightRig rig="threePt" dir="t"/>
+    </dgm:scene3d>
+    <dgm:sp3d/>
+    <dgm:txPr/>
+    <dgm:style>
+      <a:lnRef idx="2">
+        <a:scrgbClr r="0" g="0" b="0"/>
+      </a:lnRef>
+      <a:fillRef idx="1">
+        <a:scrgbClr r="0" g="0" b="0"/>
+      </a:fillRef>
+      <a:effectRef idx="0">
+        <a:scrgbClr r="0" g="0" b="0"/>
+      </a:effectRef>
+      <a:fontRef idx="minor">
+        <a:schemeClr val="lt1"/>
+      </a:fontRef>
+    </dgm:style>
+  </dgm:styleLbl>
+  <dgm:styleLbl name="parChTrans2D4">
+    <dgm:scene3d>
+      <a:camera prst="orthographicFront"/>
+      <a:lightRig rig="threePt" dir="t"/>
+    </dgm:scene3d>
+    <dgm:sp3d/>
+    <dgm:txPr/>
+    <dgm:style>
+      <a:lnRef idx="2">
+        <a:scrgbClr r="0" g="0" b="0"/>
+      </a:lnRef>
+      <a:fillRef idx="1">
+        <a:scrgbClr r="0" g="0" b="0"/>
+      </a:fillRef>
+      <a:effectRef idx="0">
+        <a:scrgbClr r="0" g="0" b="0"/>
+      </a:effectRef>
+      <a:fontRef idx="minor">
+        <a:schemeClr val="lt1"/>
+      </a:fontRef>
+    </dgm:style>
+  </dgm:styleLbl>
+  <dgm:styleLbl name="parChTrans1D1">
+    <dgm:scene3d>
+      <a:camera prst="orthographicFront"/>
+      <a:lightRig rig="threePt" dir="t"/>
+    </dgm:scene3d>
+    <dgm:sp3d/>
+    <dgm:txPr/>
+    <dgm:style>
+      <a:lnRef idx="2">
+        <a:scrgbClr r="0" g="0" b="0"/>
+      </a:lnRef>
+      <a:fillRef idx="0">
+        <a:scrgbClr r="0" g="0" b="0"/>
+      </a:fillRef>
+      <a:effectRef idx="0">
+        <a:scrgbClr r="0" g="0" b="0"/>
+      </a:effectRef>
+      <a:fontRef idx="minor"/>
+    </dgm:style>
+  </dgm:styleLbl>
+  <dgm:styleLbl name="parChTrans1D2">
+    <dgm:scene3d>
+      <a:camera prst="orthographicFront"/>
+      <a:lightRig rig="threePt" dir="t"/>
+    </dgm:scene3d>
+    <dgm:sp3d/>
+    <dgm:txPr/>
+    <dgm:style>
+      <a:lnRef idx="2">
+        <a:scrgbClr r="0" g="0" b="0"/>
+      </a:lnRef>
+      <a:fillRef idx="0">
+        <a:scrgbClr r="0" g="0" b="0"/>
+      </a:fillRef>
+      <a:effectRef idx="0">
+        <a:scrgbClr r="0" g="0" b="0"/>
+      </a:effectRef>
+      <a:fontRef idx="minor"/>
+    </dgm:style>
+  </dgm:styleLbl>
+  <dgm:styleLbl name="parChTrans1D3">
+    <dgm:scene3d>
+      <a:camera prst="orthographicFront"/>
+      <a:lightRig rig="threePt" dir="t"/>
+    </dgm:scene3d>
+    <dgm:sp3d/>
+    <dgm:txPr/>
+    <dgm:style>
+      <a:lnRef idx="2">
+        <a:scrgbClr r="0" g="0" b="0"/>
+      </a:lnRef>
+      <a:fillRef idx="0">
+        <a:scrgbClr r="0" g="0" b="0"/>
+      </a:fillRef>
+      <a:effectRef idx="0">
+        <a:scrgbClr r="0" g="0" b="0"/>
+      </a:effectRef>
+      <a:fontRef idx="minor"/>
+    </dgm:style>
+  </dgm:styleLbl>
+  <dgm:styleLbl name="parChTrans1D4">
+    <dgm:scene3d>
+      <a:camera prst="orthographicFront"/>
+      <a:lightRig rig="threePt" dir="t"/>
+    </dgm:scene3d>
+    <dgm:sp3d/>
+    <dgm:txPr/>
+    <dgm:style>
+      <a:lnRef idx="2">
+        <a:scrgbClr r="0" g="0" b="0"/>
+      </a:lnRef>
+      <a:fillRef idx="0">
+        <a:scrgbClr r="0" g="0" b="0"/>
+      </a:fillRef>
+      <a:effectRef idx="0">
+        <a:scrgbClr r="0" g="0" b="0"/>
+      </a:effectRef>
+      <a:fontRef idx="minor"/>
+    </dgm:style>
+  </dgm:styleLbl>
+  <dgm:styleLbl name="fgAcc1">
+    <dgm:scene3d>
+      <a:camera prst="orthographicFront"/>
+      <a:lightRig rig="threePt" dir="t"/>
+    </dgm:scene3d>
+    <dgm:sp3d/>
+    <dgm:txPr/>
+    <dgm:style>
+      <a:lnRef idx="2">
+        <a:scrgbClr r="0" g="0" b="0"/>
+      </a:lnRef>
+      <a:fillRef idx="1">
+        <a:scrgbClr r="0" g="0" b="0"/>
+      </a:fillRef>
+      <a:effectRef idx="0">
+        <a:scrgbClr r="0" g="0" b="0"/>
+      </a:effectRef>
+      <a:fontRef idx="minor"/>
+    </dgm:style>
+  </dgm:styleLbl>
+  <dgm:styleLbl name="conFgAcc1">
+    <dgm:scene3d>
+      <a:camera prst="orthographicFront"/>
+      <a:lightRig rig="threePt" dir="t"/>
+    </dgm:scene3d>
+    <dgm:sp3d/>
+    <dgm:txPr/>
+    <dgm:style>
+      <a:lnRef idx="2">
+        <a:scrgbClr r="0" g="0" b="0"/>
+      </a:lnRef>
+      <a:fillRef idx="1">
+        <a:scrgbClr r="0" g="0" b="0"/>
+      </a:fillRef>
+      <a:effectRef idx="0">
+        <a:scrgbClr r="0" g="0" b="0"/>
+      </a:effectRef>
+      <a:fontRef idx="minor"/>
+    </dgm:style>
+  </dgm:styleLbl>
+  <dgm:styleLbl name="alignAcc1">
+    <dgm:scene3d>
+      <a:camera prst="orthographicFront"/>
+      <a:lightRig rig="threePt" dir="t"/>
+    </dgm:scene3d>
+    <dgm:sp3d/>
+    <dgm:txPr/>
+    <dgm:style>
+      <a:lnRef idx="2">
+        <a:scrgbClr r="0" g="0" b="0"/>
+      </a:lnRef>
+      <a:fillRef idx="1">
+        <a:scrgbClr r="0" g="0" b="0"/>
+      </a:fillRef>
+      <a:effectRef idx="0">
+        <a:scrgbClr r="0" g="0" b="0"/>
+      </a:effectRef>
+      <a:fontRef idx="minor"/>
+    </dgm:style>
+  </dgm:styleLbl>
+  <dgm:styleLbl name="trAlignAcc1">
+    <dgm:scene3d>
+      <a:camera prst="orthographicFront"/>
+      <a:lightRig rig="threePt" dir="t"/>
+    </dgm:scene3d>
+    <dgm:sp3d/>
+    <dgm:txPr/>
+    <dgm:style>
+      <a:lnRef idx="1">
+        <a:scrgbClr r="0" g="0" b="0"/>
+      </a:lnRef>
+      <a:fillRef idx="1">
+        <a:scrgbClr r="0" g="0" b="0"/>
+      </a:fillRef>
+      <a:effectRef idx="0">
+        <a:scrgbClr r="0" g="0" b="0"/>
+      </a:effectRef>
+      <a:fontRef idx="minor"/>
+    </dgm:style>
+  </dgm:styleLbl>
+  <dgm:styleLbl name="bgAcc1">
+    <dgm:scene3d>
+      <a:camera prst="orthographicFront"/>
+      <a:lightRig rig="threePt" dir="t"/>
+    </dgm:scene3d>
+    <dgm:sp3d/>
+    <dgm:txPr/>
+    <dgm:style>
+      <a:lnRef idx="2">
+        <a:scrgbClr r="0" g="0" b="0"/>
+      </a:lnRef>
+      <a:fillRef idx="1">
+        <a:scrgbClr r="0" g="0" b="0"/>
+      </a:fillRef>
+      <a:effectRef idx="0">
+        <a:scrgbClr r="0" g="0" b="0"/>
+      </a:effectRef>
+      <a:fontRef idx="minor"/>
+    </dgm:style>
+  </dgm:styleLbl>
+  <dgm:styleLbl name="solidFgAcc1">
+    <dgm:scene3d>
+      <a:camera prst="orthographicFront"/>
+      <a:lightRig rig="threePt" dir="t"/>
+    </dgm:scene3d>
+    <dgm:sp3d/>
+    <dgm:txPr/>
+    <dgm:style>
+      <a:lnRef idx="2">
+        <a:scrgbClr r="0" g="0" b="0"/>
+      </a:lnRef>
+      <a:fillRef idx="1">
+        <a:scrgbClr r="0" g="0" b="0"/>
+      </a:fillRef>
+      <a:effectRef idx="0">
+        <a:scrgbClr r="0" g="0" b="0"/>
+      </a:effectRef>
+      <a:fontRef idx="minor"/>
+    </dgm:style>
+  </dgm:styleLbl>
+  <dgm:styleLbl name="solidAlignAcc1">
+    <dgm:scene3d>
+      <a:camera prst="orthographicFront"/>
+      <a:lightRig rig="threePt" dir="t"/>
+    </dgm:scene3d>
+    <dgm:sp3d/>
+    <dgm:txPr/>
+    <dgm:style>
+      <a:lnRef idx="2">
+        <a:scrgbClr r="0" g="0" b="0"/>
+      </a:lnRef>
+      <a:fillRef idx="1">
+        <a:scrgbClr r="0" g="0" b="0"/>
+      </a:fillRef>
+      <a:effectRef idx="0">
+        <a:scrgbClr r="0" g="0" b="0"/>
+      </a:effectRef>
+      <a:fontRef idx="minor"/>
+    </dgm:style>
+  </dgm:styleLbl>
+  <dgm:styleLbl name="solidBgAcc1">
+    <dgm:scene3d>
+      <a:camera prst="orthographicFront"/>
+      <a:lightRig rig="threePt" dir="t"/>
+    </dgm:scene3d>
+    <dgm:sp3d/>
+    <dgm:txPr/>
+    <dgm:style>
+      <a:lnRef idx="2">
+        <a:scrgbClr r="0" g="0" b="0"/>
+      </a:lnRef>
+      <a:fillRef idx="1">
+        <a:scrgbClr r="0" g="0" b="0"/>
+      </a:fillRef>
+      <a:effectRef idx="0">
+        <a:scrgbClr r="0" g="0" b="0"/>
+      </a:effectRef>
+      <a:fontRef idx="minor"/>
+    </dgm:style>
+  </dgm:styleLbl>
+  <dgm:styleLbl name="fgAccFollowNode1">
+    <dgm:scene3d>
+      <a:camera prst="orthographicFront"/>
+      <a:lightRig rig="threePt" dir="t"/>
+    </dgm:scene3d>
+    <dgm:sp3d/>
+    <dgm:txPr/>
+    <dgm:style>
+      <a:lnRef idx="2">
+        <a:scrgbClr r="0" g="0" b="0"/>
+      </a:lnRef>
+      <a:fillRef idx="1">
+        <a:scrgbClr r="0" g="0" b="0"/>
+      </a:fillRef>
+      <a:effectRef idx="0">
+        <a:scrgbClr r="0" g="0" b="0"/>
+      </a:effectRef>
+      <a:fontRef idx="minor"/>
+    </dgm:style>
+  </dgm:styleLbl>
+  <dgm:styleLbl name="alignAccFollowNode1">
+    <dgm:scene3d>
+      <a:camera prst="orthographicFront"/>
+      <a:lightRig rig="threePt" dir="t"/>
+    </dgm:scene3d>
+    <dgm:sp3d/>
+    <dgm:txPr/>
+    <dgm:style>
+      <a:lnRef idx="2">
+        <a:scrgbClr r="0" g="0" b="0"/>
+      </a:lnRef>
+      <a:fillRef idx="1">
+        <a:scrgbClr r="0" g="0" b="0"/>
+      </a:fillRef>
+      <a:effectRef idx="0">
+        <a:scrgbClr r="0" g="0" b="0"/>
+      </a:effectRef>
+      <a:fontRef idx="minor"/>
+    </dgm:style>
+  </dgm:styleLbl>
+  <dgm:styleLbl name="bgAccFollowNode1">
+    <dgm:scene3d>
+      <a:camera prst="orthographicFront"/>
+      <a:lightRig rig="threePt" dir="t"/>
+    </dgm:scene3d>
+    <dgm:sp3d/>
+    <dgm:txPr/>
+    <dgm:style>
+      <a:lnRef idx="2">
+        <a:scrgbClr r="0" g="0" b="0"/>
+      </a:lnRef>
+      <a:fillRef idx="1">
+        <a:scrgbClr r="0" g="0" b="0"/>
+      </a:fillRef>
+      <a:effectRef idx="0">
+        <a:scrgbClr r="0" g="0" b="0"/>
+      </a:effectRef>
+      <a:fontRef idx="minor"/>
+    </dgm:style>
+  </dgm:styleLbl>
+  <dgm:styleLbl name="fgAcc0">
+    <dgm:scene3d>
+      <a:camera prst="orthographicFront"/>
+      <a:lightRig rig="threePt" dir="t"/>
+    </dgm:scene3d>
+    <dgm:sp3d/>
+    <dgm:txPr/>
+    <dgm:style>
+      <a:lnRef idx="2">
+        <a:scrgbClr r="0" g="0" b="0"/>
+      </a:lnRef>
+      <a:fillRef idx="1">
+        <a:scrgbClr r="0" g="0" b="0"/>
+      </a:fillRef>
+      <a:effectRef idx="0">
+        <a:scrgbClr r="0" g="0" b="0"/>
+      </a:effectRef>
+      <a:fontRef idx="minor"/>
+    </dgm:style>
+  </dgm:styleLbl>
+  <dgm:styleLbl name="fgAcc2">
+    <dgm:scene3d>
+      <a:camera prst="orthographicFront"/>
+      <a:lightRig rig="threePt" dir="t"/>
+    </dgm:scene3d>
+    <dgm:sp3d/>
+    <dgm:txPr/>
+    <dgm:style>
+      <a:lnRef idx="2">
+        <a:scrgbClr r="0" g="0" b="0"/>
+      </a:lnRef>
+      <a:fillRef idx="1">
+        <a:scrgbClr r="0" g="0" b="0"/>
+      </a:fillRef>
+      <a:effectRef idx="0">
+        <a:scrgbClr r="0" g="0" b="0"/>
+      </a:effectRef>
+      <a:fontRef idx="minor"/>
+    </dgm:style>
+  </dgm:styleLbl>
+  <dgm:styleLbl name="fgAcc3">
+    <dgm:scene3d>
+      <a:camera prst="orthographicFront"/>
+      <a:lightRig rig="threePt" dir="t"/>
+    </dgm:scene3d>
+    <dgm:sp3d/>
+    <dgm:txPr/>
+    <dgm:style>
+      <a:lnRef idx="2">
+        <a:scrgbClr r="0" g="0" b="0"/>
+      </a:lnRef>
+      <a:fillRef idx="1">
+        <a:scrgbClr r="0" g="0" b="0"/>
+      </a:fillRef>
+      <a:effectRef idx="0">
+        <a:scrgbClr r="0" g="0" b="0"/>
+      </a:effectRef>
+      <a:fontRef idx="minor"/>
+    </dgm:style>
+  </dgm:styleLbl>
+  <dgm:styleLbl name="fgAcc4">
+    <dgm:scene3d>
+      <a:camera prst="orthographicFront"/>
+      <a:lightRig rig="threePt" dir="t"/>
+    </dgm:scene3d>
+    <dgm:sp3d/>
+    <dgm:txPr/>
+    <dgm:style>
+      <a:lnRef idx="2">
+        <a:scrgbClr r="0" g="0" b="0"/>
+      </a:lnRef>
+      <a:fillRef idx="1">
+        <a:scrgbClr r="0" g="0" b="0"/>
+      </a:fillRef>
+      <a:effectRef idx="0">
+        <a:scrgbClr r="0" g="0" b="0"/>
+      </a:effectRef>
+      <a:fontRef idx="minor"/>
+    </dgm:style>
+  </dgm:styleLbl>
+  <dgm:styleLbl name="bgShp">
+    <dgm:scene3d>
+      <a:camera prst="orthographicFront"/>
+      <a:lightRig rig="threePt" dir="t"/>
+    </dgm:scene3d>
+    <dgm:sp3d/>
+    <dgm:txPr/>
+    <dgm:style>
+      <a:lnRef idx="0">
+        <a:scrgbClr r="0" g="0" b="0"/>
+      </a:lnRef>
+      <a:fillRef idx="1">
+        <a:scrgbClr r="0" g="0" b="0"/>
+      </a:fillRef>
+      <a:effectRef idx="0">
+        <a:scrgbClr r="0" g="0" b="0"/>
+      </a:effectRef>
+      <a:fontRef idx="minor"/>
+    </dgm:style>
+  </dgm:styleLbl>
+  <dgm:styleLbl name="dkBgShp">
+    <dgm:scene3d>
+      <a:camera prst="orthographicFront"/>
+      <a:lightRig rig="threePt" dir="t"/>
+    </dgm:scene3d>
+    <dgm:sp3d/>
+    <dgm:txPr/>
+    <dgm:style>
+      <a:lnRef idx="0">
+        <a:scrgbClr r="0" g="0" b="0"/>
+      </a:lnRef>
+      <a:fillRef idx="1">
+        <a:scrgbClr r="0" g="0" b="0"/>
+      </a:fillRef>
+      <a:effectRef idx="0">
+        <a:scrgbClr r="0" g="0" b="0"/>
+      </a:effectRef>
+      <a:fontRef idx="minor"/>
+    </dgm:style>
+  </dgm:styleLbl>
+  <dgm:styleLbl name="trBgShp">
+    <dgm:scene3d>
+      <a:camera prst="orthographicFront"/>
+      <a:lightRig rig="threePt" dir="t"/>
+    </dgm:scene3d>
+    <dgm:sp3d/>
+    <dgm:txPr/>
+    <dgm:style>
+      <a:lnRef idx="0">
+        <a:scrgbClr r="0" g="0" b="0"/>
+      </a:lnRef>
+      <a:fillRef idx="1">
+        <a:scrgbClr r="0" g="0" b="0"/>
+      </a:fillRef>
+      <a:effectRef idx="0">
+        <a:scrgbClr r="0" g="0" b="0"/>
+      </a:effectRef>
+      <a:fontRef idx="minor"/>
+    </dgm:style>
+  </dgm:styleLbl>
+  <dgm:styleLbl name="fgShp">
+    <dgm:scene3d>
+      <a:camera prst="orthographicFront"/>
+      <a:lightRig rig="threePt" dir="t"/>
+    </dgm:scene3d>
+    <dgm:sp3d/>
+    <dgm:txPr/>
+    <dgm:style>
+      <a:lnRef idx="2">
+        <a:scrgbClr r="0" g="0" b="0"/>
+      </a:lnRef>
+      <a:fillRef idx="1">
+        <a:scrgbClr r="0" g="0" b="0"/>
+      </a:fillRef>
+      <a:effectRef idx="0">
+        <a:scrgbClr r="0" g="0" b="0"/>
+      </a:effectRef>
+      <a:fontRef idx="minor"/>
+    </dgm:style>
+  </dgm:styleLbl>
+  <dgm:styleLbl name="revTx">
+    <dgm:scene3d>
+      <a:camera prst="orthographicFront"/>
+      <a:lightRig rig="threePt" dir="t"/>
+    </dgm:scene3d>
+    <dgm:sp3d/>
+    <dgm:txPr/>
+    <dgm:style>
+      <a:lnRef idx="0">
+        <a:scrgbClr r="0" g="0" b="0"/>
+      </a:lnRef>
+      <a:fillRef idx="0">
+        <a:scrgbClr r="0" g="0" b="0"/>
+      </a:fillRef>
+      <a:effectRef idx="0">
+        <a:scrgbClr r="0" g="0" b="0"/>
+      </a:effectRef>
+      <a:fontRef idx="minor"/>
+    </dgm:style>
+  </dgm:styleLbl>
+</dgm:styleDef>
 </file>
 
 <file path=ppt/notesMasters/notesMaster1.xml><?xml version="1.0" encoding="utf-8"?>
@@ -227,7 +4978,7 @@
           <a:p>
             <a:fld id="{8A9C823B-B2B7-48C9-BB6C-330258CC4360}" type="datetimeFigureOut">
               <a:rPr lang="en-US" smtClean="0"/>
-              <a:t>10/19/2016</a:t>
+              <a:t>10/22/16</a:t>
             </a:fld>
             <a:endParaRPr lang="en-US"/>
           </a:p>
@@ -1127,7 +5878,7 @@
           <a:p>
             <a:fld id="{6A8E11B1-F4BC-42DD-BB14-1896F21710F7}" type="datetimeFigureOut">
               <a:rPr lang="en-US" smtClean="0"/>
-              <a:t>10/19/2016</a:t>
+              <a:t>10/22/16</a:t>
             </a:fld>
             <a:endParaRPr lang="en-US"/>
           </a:p>
@@ -1295,7 +6046,7 @@
           <a:p>
             <a:fld id="{6A8E11B1-F4BC-42DD-BB14-1896F21710F7}" type="datetimeFigureOut">
               <a:rPr lang="en-US" smtClean="0"/>
-              <a:t>10/19/2016</a:t>
+              <a:t>10/22/16</a:t>
             </a:fld>
             <a:endParaRPr lang="en-US"/>
           </a:p>
@@ -1473,7 +6224,7 @@
           <a:p>
             <a:fld id="{6A8E11B1-F4BC-42DD-BB14-1896F21710F7}" type="datetimeFigureOut">
               <a:rPr lang="en-US" smtClean="0"/>
-              <a:t>10/19/2016</a:t>
+              <a:t>10/22/16</a:t>
             </a:fld>
             <a:endParaRPr lang="en-US"/>
           </a:p>
@@ -1641,7 +6392,7 @@
           <a:p>
             <a:fld id="{6A8E11B1-F4BC-42DD-BB14-1896F21710F7}" type="datetimeFigureOut">
               <a:rPr lang="en-US" smtClean="0"/>
-              <a:t>10/19/2016</a:t>
+              <a:t>10/22/16</a:t>
             </a:fld>
             <a:endParaRPr lang="en-US"/>
           </a:p>
@@ -1886,7 +6637,7 @@
           <a:p>
             <a:fld id="{6A8E11B1-F4BC-42DD-BB14-1896F21710F7}" type="datetimeFigureOut">
               <a:rPr lang="en-US" smtClean="0"/>
-              <a:t>10/19/2016</a:t>
+              <a:t>10/22/16</a:t>
             </a:fld>
             <a:endParaRPr lang="en-US"/>
           </a:p>
@@ -2115,7 +6866,7 @@
           <a:p>
             <a:fld id="{6A8E11B1-F4BC-42DD-BB14-1896F21710F7}" type="datetimeFigureOut">
               <a:rPr lang="en-US" smtClean="0"/>
-              <a:t>10/19/2016</a:t>
+              <a:t>10/22/16</a:t>
             </a:fld>
             <a:endParaRPr lang="en-US"/>
           </a:p>
@@ -2479,7 +7230,7 @@
           <a:p>
             <a:fld id="{6A8E11B1-F4BC-42DD-BB14-1896F21710F7}" type="datetimeFigureOut">
               <a:rPr lang="en-US" smtClean="0"/>
-              <a:t>10/19/2016</a:t>
+              <a:t>10/22/16</a:t>
             </a:fld>
             <a:endParaRPr lang="en-US"/>
           </a:p>
@@ -2596,7 +7347,7 @@
           <a:p>
             <a:fld id="{6A8E11B1-F4BC-42DD-BB14-1896F21710F7}" type="datetimeFigureOut">
               <a:rPr lang="en-US" smtClean="0"/>
-              <a:t>10/19/2016</a:t>
+              <a:t>10/22/16</a:t>
             </a:fld>
             <a:endParaRPr lang="en-US"/>
           </a:p>
@@ -2691,7 +7442,7 @@
           <a:p>
             <a:fld id="{6A8E11B1-F4BC-42DD-BB14-1896F21710F7}" type="datetimeFigureOut">
               <a:rPr lang="en-US" smtClean="0"/>
-              <a:t>10/19/2016</a:t>
+              <a:t>10/22/16</a:t>
             </a:fld>
             <a:endParaRPr lang="en-US"/>
           </a:p>
@@ -2966,7 +7717,7 @@
           <a:p>
             <a:fld id="{6A8E11B1-F4BC-42DD-BB14-1896F21710F7}" type="datetimeFigureOut">
               <a:rPr lang="en-US" smtClean="0"/>
-              <a:t>10/19/2016</a:t>
+              <a:t>10/22/16</a:t>
             </a:fld>
             <a:endParaRPr lang="en-US"/>
           </a:p>
@@ -3218,7 +7969,7 @@
           <a:p>
             <a:fld id="{6A8E11B1-F4BC-42DD-BB14-1896F21710F7}" type="datetimeFigureOut">
               <a:rPr lang="en-US" smtClean="0"/>
-              <a:t>10/19/2016</a:t>
+              <a:t>10/22/16</a:t>
             </a:fld>
             <a:endParaRPr lang="en-US"/>
           </a:p>
@@ -3429,7 +8180,7 @@
           <a:p>
             <a:fld id="{6A8E11B1-F4BC-42DD-BB14-1896F21710F7}" type="datetimeFigureOut">
               <a:rPr lang="en-US" smtClean="0"/>
-              <a:t>10/19/2016</a:t>
+              <a:t>10/22/16</a:t>
             </a:fld>
             <a:endParaRPr lang="en-US"/>
           </a:p>
@@ -4554,7 +9305,7 @@
           <a:p>
             <a:r>
               <a:rPr lang="en-US" dirty="0">
-                <a:hlinkClick r:id="rId4"/>
+                <a:hlinkClick r:id="rId4" invalidUrl="http://www.indeed.com/jobs?q=&quot;data+scientist&quot;&amp;l=san+francisco"/>
               </a:rPr>
               <a:t>http://www.indeed.com/jobs?q=%22data+scientist%22&amp;l=san+francisco</a:t>
             </a:r>
@@ -5082,6 +9833,954 @@
   <p:clrMapOvr>
     <a:masterClrMapping/>
   </p:clrMapOvr>
+</p:sld>
+</file>
+
+<file path=ppt/slides/slide7.xml><?xml version="1.0" encoding="utf-8"?>
+<p:sld xmlns:a="http://schemas.openxmlformats.org/drawingml/2006/main" xmlns:r="http://schemas.openxmlformats.org/officeDocument/2006/relationships" xmlns:p="http://schemas.openxmlformats.org/presentationml/2006/main">
+  <p:cSld>
+    <p:spTree>
+      <p:nvGrpSpPr>
+        <p:cNvPr id="1" name=""/>
+        <p:cNvGrpSpPr/>
+        <p:nvPr/>
+      </p:nvGrpSpPr>
+      <p:grpSpPr>
+        <a:xfrm>
+          <a:off x="0" y="0"/>
+          <a:ext cx="0" cy="0"/>
+          <a:chOff x="0" y="0"/>
+          <a:chExt cx="0" cy="0"/>
+        </a:xfrm>
+      </p:grpSpPr>
+      <p:sp>
+        <p:nvSpPr>
+          <p:cNvPr id="2" name="Title 1"/>
+          <p:cNvSpPr>
+            <a:spLocks noGrp="1"/>
+          </p:cNvSpPr>
+          <p:nvPr>
+            <p:ph type="title"/>
+          </p:nvPr>
+        </p:nvSpPr>
+        <p:spPr>
+          <a:xfrm>
+            <a:off x="980605" y="681116"/>
+            <a:ext cx="8046720" cy="1557338"/>
+          </a:xfrm>
+        </p:spPr>
+        <p:txBody>
+          <a:bodyPr>
+            <a:normAutofit fontScale="90000"/>
+          </a:bodyPr>
+          <a:lstStyle/>
+          <a:p>
+            <a:r>
+              <a:rPr lang="en-US" dirty="0" smtClean="0"/>
+              <a:t>Parsing Skills:  </a:t>
+            </a:r>
+            <a:r>
+              <a:rPr lang="en-US" smtClean="0"/>
+              <a:t>Two Approaches</a:t>
+            </a:r>
+            <a:endParaRPr lang="en-US"/>
+          </a:p>
+        </p:txBody>
+      </p:sp>
+      <p:sp>
+        <p:nvSpPr>
+          <p:cNvPr id="3" name="Text Placeholder 2"/>
+          <p:cNvSpPr>
+            <a:spLocks noGrp="1"/>
+          </p:cNvSpPr>
+          <p:nvPr>
+            <p:ph type="body" idx="1"/>
+          </p:nvPr>
+        </p:nvSpPr>
+        <p:spPr>
+          <a:xfrm>
+            <a:off x="980605" y="2238454"/>
+            <a:ext cx="8046720" cy="3584830"/>
+          </a:xfrm>
+        </p:spPr>
+        <p:txBody>
+          <a:bodyPr>
+            <a:normAutofit/>
+          </a:bodyPr>
+          <a:lstStyle/>
+          <a:p>
+            <a:pPr marL="342900" indent="-342900">
+              <a:buFont typeface="Arial" charset="0"/>
+              <a:buChar char="•"/>
+            </a:pPr>
+            <a:r>
+              <a:rPr lang="en-US" dirty="0" smtClean="0"/>
+              <a:t>Approach 1:   “Supervised”</a:t>
+            </a:r>
+          </a:p>
+          <a:p>
+            <a:pPr marL="800100" lvl="1" indent="-342900">
+              <a:buFont typeface="Arial" charset="0"/>
+              <a:buChar char="•"/>
+            </a:pPr>
+            <a:r>
+              <a:rPr lang="en-US" dirty="0"/>
+              <a:t>SME populates DB with a list of important skills.    </a:t>
+            </a:r>
+            <a:endParaRPr lang="en-US" dirty="0" smtClean="0"/>
+          </a:p>
+          <a:p>
+            <a:pPr marL="800100" lvl="1" indent="-342900">
+              <a:buFont typeface="Arial" charset="0"/>
+              <a:buChar char="•"/>
+            </a:pPr>
+            <a:r>
+              <a:rPr lang="en-US" dirty="0" smtClean="0"/>
+              <a:t>Look through scrape data and count occurrences of those skills</a:t>
+            </a:r>
+          </a:p>
+          <a:p>
+            <a:pPr marL="342900" indent="-342900">
+              <a:buFont typeface="Arial" charset="0"/>
+              <a:buChar char="•"/>
+            </a:pPr>
+            <a:r>
+              <a:rPr lang="en-US" dirty="0" smtClean="0"/>
+              <a:t>Approach 2:  “Unsupervised”</a:t>
+            </a:r>
+          </a:p>
+          <a:p>
+            <a:pPr marL="800100" lvl="1" indent="-342900">
+              <a:buFont typeface="Arial" charset="0"/>
+              <a:buChar char="•"/>
+            </a:pPr>
+            <a:r>
+              <a:rPr lang="en-US" dirty="0" smtClean="0"/>
+              <a:t>Use Natural Language Processing (NLP) to determine frequency of skills in listing</a:t>
+            </a:r>
+          </a:p>
+          <a:p>
+            <a:pPr marL="800100" lvl="1" indent="-342900">
+              <a:buFont typeface="Arial" charset="0"/>
+              <a:buChar char="•"/>
+            </a:pPr>
+            <a:r>
+              <a:rPr lang="en-US" dirty="0" smtClean="0"/>
+              <a:t>Create N-Gram phrases, count phrase frequency</a:t>
+            </a:r>
+          </a:p>
+          <a:p>
+            <a:pPr marL="800100" lvl="1" indent="-342900">
+              <a:buFont typeface="Arial" charset="0"/>
+              <a:buChar char="•"/>
+            </a:pPr>
+            <a:r>
+              <a:rPr lang="en-US" dirty="0" smtClean="0"/>
+              <a:t>Perform cluster analysis on counts to show relationships</a:t>
+            </a:r>
+          </a:p>
+          <a:p>
+            <a:pPr marL="800100" lvl="1" indent="-342900">
+              <a:buFont typeface="Arial" charset="0"/>
+              <a:buChar char="•"/>
+            </a:pPr>
+            <a:endParaRPr lang="en-US" dirty="0"/>
+          </a:p>
+        </p:txBody>
+      </p:sp>
+    </p:spTree>
+    <p:extLst>
+      <p:ext uri="{BB962C8B-B14F-4D97-AF65-F5344CB8AC3E}">
+        <p14:creationId xmlns:p14="http://schemas.microsoft.com/office/powerpoint/2010/main" val="672161063"/>
+      </p:ext>
+    </p:extLst>
+  </p:cSld>
+  <p:clrMapOvr>
+    <a:masterClrMapping/>
+  </p:clrMapOvr>
+  <mc:AlternateContent xmlns:mc="http://schemas.openxmlformats.org/markup-compatibility/2006">
+    <mc:Choice xmlns:p14="http://schemas.microsoft.com/office/powerpoint/2010/main" Requires="p14">
+      <p:transition spd="slow" p14:dur="2000"/>
+    </mc:Choice>
+    <mc:Fallback>
+      <p:transition spd="slow"/>
+    </mc:Fallback>
+  </mc:AlternateContent>
+</p:sld>
+</file>
+
+<file path=ppt/slides/slide8.xml><?xml version="1.0" encoding="utf-8"?>
+<p:sld xmlns:a="http://schemas.openxmlformats.org/drawingml/2006/main" xmlns:r="http://schemas.openxmlformats.org/officeDocument/2006/relationships" xmlns:p="http://schemas.openxmlformats.org/presentationml/2006/main">
+  <p:cSld>
+    <p:spTree>
+      <p:nvGrpSpPr>
+        <p:cNvPr id="1" name=""/>
+        <p:cNvGrpSpPr/>
+        <p:nvPr/>
+      </p:nvGrpSpPr>
+      <p:grpSpPr>
+        <a:xfrm>
+          <a:off x="0" y="0"/>
+          <a:ext cx="0" cy="0"/>
+          <a:chOff x="0" y="0"/>
+          <a:chExt cx="0" cy="0"/>
+        </a:xfrm>
+      </p:grpSpPr>
+      <p:sp>
+        <p:nvSpPr>
+          <p:cNvPr id="2" name="Title 1"/>
+          <p:cNvSpPr>
+            <a:spLocks noGrp="1"/>
+          </p:cNvSpPr>
+          <p:nvPr>
+            <p:ph type="title"/>
+          </p:nvPr>
+        </p:nvSpPr>
+        <p:spPr>
+          <a:xfrm>
+            <a:off x="331936" y="354298"/>
+            <a:ext cx="11751276" cy="1019829"/>
+          </a:xfrm>
+        </p:spPr>
+        <p:txBody>
+          <a:bodyPr>
+            <a:noAutofit/>
+          </a:bodyPr>
+          <a:lstStyle/>
+          <a:p>
+            <a:r>
+              <a:rPr lang="en-US" sz="4400" dirty="0"/>
+              <a:t>Parsing Skills:   </a:t>
+            </a:r>
+            <a:r>
+              <a:rPr lang="en-US" sz="4400" dirty="0" smtClean="0"/>
+              <a:t/>
+            </a:r>
+            <a:br>
+              <a:rPr lang="en-US" sz="4400" dirty="0" smtClean="0"/>
+            </a:br>
+            <a:r>
+              <a:rPr lang="en-US" sz="4400" dirty="0" smtClean="0"/>
+              <a:t>Unsupervised </a:t>
+            </a:r>
+            <a:r>
+              <a:rPr lang="en-US" sz="4400" dirty="0"/>
+              <a:t>v. Supervised</a:t>
+            </a:r>
+            <a:endParaRPr lang="en-US" sz="4400" dirty="0"/>
+          </a:p>
+        </p:txBody>
+      </p:sp>
+      <p:graphicFrame>
+        <p:nvGraphicFramePr>
+          <p:cNvPr id="8" name="Diagram 7"/>
+          <p:cNvGraphicFramePr/>
+          <p:nvPr/>
+        </p:nvGraphicFramePr>
+        <p:xfrm>
+          <a:off x="630195" y="1403607"/>
+          <a:ext cx="7812216" cy="4494884"/>
+        </p:xfrm>
+        <a:graphic>
+          <a:graphicData uri="http://schemas.openxmlformats.org/drawingml/2006/diagram">
+            <dgm:relIds xmlns:dgm="http://schemas.openxmlformats.org/drawingml/2006/diagram" xmlns:r="http://schemas.openxmlformats.org/officeDocument/2006/relationships" r:dm="rId2" r:lo="rId3" r:qs="rId4" r:cs="rId5"/>
+          </a:graphicData>
+        </a:graphic>
+      </p:graphicFrame>
+      <p:sp>
+        <p:nvSpPr>
+          <p:cNvPr id="9" name="TextBox 8"/>
+          <p:cNvSpPr txBox="1"/>
+          <p:nvPr/>
+        </p:nvSpPr>
+        <p:spPr>
+          <a:xfrm>
+            <a:off x="1542013" y="2457152"/>
+            <a:ext cx="1813809" cy="369332"/>
+          </a:xfrm>
+          <a:prstGeom prst="rect">
+            <a:avLst/>
+          </a:prstGeom>
+          <a:noFill/>
+        </p:spPr>
+        <p:txBody>
+          <a:bodyPr wrap="square" rtlCol="0">
+            <a:spAutoFit/>
+          </a:bodyPr>
+          <a:lstStyle/>
+          <a:p>
+            <a:r>
+              <a:rPr lang="en-US" b="1" dirty="0" smtClean="0"/>
+              <a:t>Supervised</a:t>
+            </a:r>
+            <a:endParaRPr lang="en-US" b="1" dirty="0"/>
+          </a:p>
+        </p:txBody>
+      </p:sp>
+      <p:sp>
+        <p:nvSpPr>
+          <p:cNvPr id="10" name="Rectangle 9"/>
+          <p:cNvSpPr/>
+          <p:nvPr/>
+        </p:nvSpPr>
+        <p:spPr>
+          <a:xfrm>
+            <a:off x="5685233" y="2457152"/>
+            <a:ext cx="1659429" cy="369332"/>
+          </a:xfrm>
+          <a:prstGeom prst="rect">
+            <a:avLst/>
+          </a:prstGeom>
+        </p:spPr>
+        <p:txBody>
+          <a:bodyPr wrap="none">
+            <a:spAutoFit/>
+          </a:bodyPr>
+          <a:lstStyle/>
+          <a:p>
+            <a:pPr lvl="0"/>
+            <a:r>
+              <a:rPr lang="en-US" b="1" dirty="0" smtClean="0"/>
+              <a:t>Unsupervised</a:t>
+            </a:r>
+            <a:endParaRPr lang="en-US" b="1" dirty="0"/>
+          </a:p>
+        </p:txBody>
+      </p:sp>
+      <p:sp>
+        <p:nvSpPr>
+          <p:cNvPr id="11" name="Rectangle 10"/>
+          <p:cNvSpPr/>
+          <p:nvPr/>
+        </p:nvSpPr>
+        <p:spPr>
+          <a:xfrm>
+            <a:off x="2826385" y="5693376"/>
+            <a:ext cx="2223686" cy="923330"/>
+          </a:xfrm>
+          <a:prstGeom prst="rect">
+            <a:avLst/>
+          </a:prstGeom>
+          <a:noFill/>
+        </p:spPr>
+        <p:txBody>
+          <a:bodyPr wrap="none" lIns="91440" tIns="45720" rIns="91440" bIns="45720">
+            <a:spAutoFit/>
+          </a:bodyPr>
+          <a:lstStyle/>
+          <a:p>
+            <a:pPr algn="ctr"/>
+            <a:r>
+              <a:rPr lang="en-US" sz="5400" b="1" dirty="0" smtClean="0">
+                <a:ln w="22225">
+                  <a:solidFill>
+                    <a:schemeClr val="accent2"/>
+                  </a:solidFill>
+                  <a:prstDash val="solid"/>
+                </a:ln>
+                <a:solidFill>
+                  <a:schemeClr val="accent2">
+                    <a:lumMod val="40000"/>
+                    <a:lumOff val="60000"/>
+                  </a:schemeClr>
+                </a:solidFill>
+              </a:rPr>
+              <a:t>Skills!</a:t>
+            </a:r>
+            <a:endParaRPr lang="en-US" sz="5400" b="1" cap="none" spc="0" dirty="0">
+              <a:ln w="22225">
+                <a:solidFill>
+                  <a:schemeClr val="accent2"/>
+                </a:solidFill>
+                <a:prstDash val="solid"/>
+              </a:ln>
+              <a:solidFill>
+                <a:schemeClr val="accent2">
+                  <a:lumMod val="40000"/>
+                  <a:lumOff val="60000"/>
+                </a:schemeClr>
+              </a:solidFill>
+              <a:effectLst/>
+            </a:endParaRPr>
+          </a:p>
+        </p:txBody>
+      </p:sp>
+      <p:pic>
+        <p:nvPicPr>
+          <p:cNvPr id="12" name="Picture 11"/>
+          <p:cNvPicPr>
+            <a:picLocks noChangeAspect="1"/>
+          </p:cNvPicPr>
+          <p:nvPr/>
+        </p:nvPicPr>
+        <p:blipFill>
+          <a:blip r:embed="rId7">
+            <a:extLst>
+              <a:ext uri="{28A0092B-C50C-407E-A947-70E740481C1C}">
+                <a14:useLocalDpi xmlns:a14="http://schemas.microsoft.com/office/drawing/2010/main" val="0"/>
+              </a:ext>
+            </a:extLst>
+          </a:blip>
+          <a:stretch>
+            <a:fillRect/>
+          </a:stretch>
+        </p:blipFill>
+        <p:spPr>
+          <a:xfrm>
+            <a:off x="3908248" y="3986900"/>
+            <a:ext cx="598075" cy="660098"/>
+          </a:xfrm>
+          <a:prstGeom prst="rect">
+            <a:avLst/>
+          </a:prstGeom>
+        </p:spPr>
+      </p:pic>
+      <p:sp>
+        <p:nvSpPr>
+          <p:cNvPr id="13" name="Rectangle 12"/>
+          <p:cNvSpPr/>
+          <p:nvPr/>
+        </p:nvSpPr>
+        <p:spPr>
+          <a:xfrm>
+            <a:off x="8950460" y="2650573"/>
+            <a:ext cx="1945096" cy="707886"/>
+          </a:xfrm>
+          <a:prstGeom prst="rect">
+            <a:avLst/>
+          </a:prstGeom>
+          <a:noFill/>
+        </p:spPr>
+        <p:txBody>
+          <a:bodyPr wrap="square" lIns="91440" tIns="45720" rIns="91440" bIns="45720">
+            <a:spAutoFit/>
+          </a:bodyPr>
+          <a:lstStyle/>
+          <a:p>
+            <a:pPr algn="ctr"/>
+            <a:r>
+              <a:rPr lang="en-US" sz="2000" b="1" dirty="0">
+                <a:ln w="22225">
+                  <a:solidFill>
+                    <a:schemeClr val="accent2"/>
+                  </a:solidFill>
+                  <a:prstDash val="solid"/>
+                </a:ln>
+                <a:solidFill>
+                  <a:schemeClr val="accent2">
+                    <a:lumMod val="40000"/>
+                    <a:lumOff val="60000"/>
+                  </a:schemeClr>
+                </a:solidFill>
+              </a:rPr>
+              <a:t>"I went to a park</a:t>
+            </a:r>
+            <a:r>
+              <a:rPr lang="en-US" sz="2000" b="1" dirty="0" smtClean="0">
+                <a:ln w="22225">
+                  <a:solidFill>
+                    <a:schemeClr val="accent2"/>
+                  </a:solidFill>
+                  <a:prstDash val="solid"/>
+                </a:ln>
+                <a:solidFill>
+                  <a:schemeClr val="accent2">
+                    <a:lumMod val="40000"/>
+                    <a:lumOff val="60000"/>
+                  </a:schemeClr>
+                </a:solidFill>
+              </a:rPr>
+              <a:t>"</a:t>
+            </a:r>
+            <a:endParaRPr lang="en-US" sz="2000" b="1" cap="none" spc="0" dirty="0">
+              <a:ln w="22225">
+                <a:solidFill>
+                  <a:schemeClr val="accent2"/>
+                </a:solidFill>
+                <a:prstDash val="solid"/>
+              </a:ln>
+              <a:solidFill>
+                <a:schemeClr val="accent2">
+                  <a:lumMod val="40000"/>
+                  <a:lumOff val="60000"/>
+                </a:schemeClr>
+              </a:solidFill>
+              <a:effectLst/>
+            </a:endParaRPr>
+          </a:p>
+        </p:txBody>
+      </p:sp>
+      <p:sp>
+        <p:nvSpPr>
+          <p:cNvPr id="14" name="Rectangle 13"/>
+          <p:cNvSpPr/>
+          <p:nvPr/>
+        </p:nvSpPr>
+        <p:spPr>
+          <a:xfrm>
+            <a:off x="8943718" y="4984211"/>
+            <a:ext cx="1945096" cy="1323439"/>
+          </a:xfrm>
+          <a:prstGeom prst="rect">
+            <a:avLst/>
+          </a:prstGeom>
+          <a:noFill/>
+        </p:spPr>
+        <p:txBody>
+          <a:bodyPr wrap="square" lIns="91440" tIns="45720" rIns="91440" bIns="45720">
+            <a:spAutoFit/>
+          </a:bodyPr>
+          <a:lstStyle/>
+          <a:p>
+            <a:pPr algn="ctr"/>
+            <a:r>
+              <a:rPr lang="en-US" sz="2000" b="1" dirty="0">
+                <a:ln w="22225">
+                  <a:solidFill>
+                    <a:schemeClr val="accent2"/>
+                  </a:solidFill>
+                  <a:prstDash val="solid"/>
+                </a:ln>
+                <a:solidFill>
+                  <a:schemeClr val="accent2">
+                    <a:lumMod val="40000"/>
+                    <a:lumOff val="60000"/>
+                  </a:schemeClr>
+                </a:solidFill>
+              </a:rPr>
+              <a:t>"I </a:t>
+            </a:r>
+            <a:r>
+              <a:rPr lang="en-US" sz="2000" b="1" dirty="0" smtClean="0">
+                <a:ln w="22225">
+                  <a:solidFill>
+                    <a:schemeClr val="accent2"/>
+                  </a:solidFill>
+                  <a:prstDash val="solid"/>
+                </a:ln>
+                <a:solidFill>
+                  <a:schemeClr val="accent2">
+                    <a:lumMod val="40000"/>
+                    <a:lumOff val="60000"/>
+                  </a:schemeClr>
+                </a:solidFill>
+              </a:rPr>
+              <a:t>went”</a:t>
+            </a:r>
+          </a:p>
+          <a:p>
+            <a:pPr algn="ctr"/>
+            <a:r>
+              <a:rPr lang="en-US" sz="2000" b="1" cap="none" spc="0" dirty="0" smtClean="0">
+                <a:ln w="22225">
+                  <a:solidFill>
+                    <a:schemeClr val="accent2"/>
+                  </a:solidFill>
+                  <a:prstDash val="solid"/>
+                </a:ln>
+                <a:solidFill>
+                  <a:schemeClr val="accent2">
+                    <a:lumMod val="40000"/>
+                    <a:lumOff val="60000"/>
+                  </a:schemeClr>
+                </a:solidFill>
+                <a:effectLst/>
+              </a:rPr>
+              <a:t>“went to”</a:t>
+            </a:r>
+          </a:p>
+          <a:p>
+            <a:pPr algn="ctr"/>
+            <a:r>
+              <a:rPr lang="en-US" sz="2000" b="1" dirty="0" smtClean="0">
+                <a:ln w="22225">
+                  <a:solidFill>
+                    <a:schemeClr val="accent2"/>
+                  </a:solidFill>
+                  <a:prstDash val="solid"/>
+                </a:ln>
+                <a:solidFill>
+                  <a:schemeClr val="accent2">
+                    <a:lumMod val="40000"/>
+                    <a:lumOff val="60000"/>
+                  </a:schemeClr>
+                </a:solidFill>
+              </a:rPr>
+              <a:t>“to a”</a:t>
+            </a:r>
+          </a:p>
+          <a:p>
+            <a:pPr algn="ctr"/>
+            <a:r>
+              <a:rPr lang="en-US" sz="2000" b="1" cap="none" spc="0" dirty="0" smtClean="0">
+                <a:ln w="22225">
+                  <a:solidFill>
+                    <a:schemeClr val="accent2"/>
+                  </a:solidFill>
+                  <a:prstDash val="solid"/>
+                </a:ln>
+                <a:solidFill>
+                  <a:schemeClr val="accent2">
+                    <a:lumMod val="40000"/>
+                    <a:lumOff val="60000"/>
+                  </a:schemeClr>
+                </a:solidFill>
+                <a:effectLst/>
+              </a:rPr>
+              <a:t>“a park”</a:t>
+            </a:r>
+            <a:endParaRPr lang="en-US" sz="2000" b="1" cap="none" spc="0" dirty="0">
+              <a:ln w="22225">
+                <a:solidFill>
+                  <a:schemeClr val="accent2"/>
+                </a:solidFill>
+                <a:prstDash val="solid"/>
+              </a:ln>
+              <a:solidFill>
+                <a:schemeClr val="accent2">
+                  <a:lumMod val="40000"/>
+                  <a:lumOff val="60000"/>
+                </a:schemeClr>
+              </a:solidFill>
+              <a:effectLst/>
+            </a:endParaRPr>
+          </a:p>
+        </p:txBody>
+      </p:sp>
+      <p:cxnSp>
+        <p:nvCxnSpPr>
+          <p:cNvPr id="22" name="Straight Arrow Connector 21"/>
+          <p:cNvCxnSpPr/>
+          <p:nvPr/>
+        </p:nvCxnSpPr>
+        <p:spPr>
+          <a:xfrm flipH="1" flipV="1">
+            <a:off x="2293496" y="3762533"/>
+            <a:ext cx="1460357" cy="544790"/>
+          </a:xfrm>
+          <a:prstGeom prst="straightConnector1">
+            <a:avLst/>
+          </a:prstGeom>
+          <a:ln w="19050">
+            <a:solidFill>
+              <a:schemeClr val="accent4"/>
+            </a:solidFill>
+            <a:prstDash val="dash"/>
+            <a:tailEnd type="triangle"/>
+          </a:ln>
+        </p:spPr>
+        <p:style>
+          <a:lnRef idx="1">
+            <a:schemeClr val="accent1"/>
+          </a:lnRef>
+          <a:fillRef idx="0">
+            <a:schemeClr val="accent1"/>
+          </a:fillRef>
+          <a:effectRef idx="0">
+            <a:schemeClr val="accent1"/>
+          </a:effectRef>
+          <a:fontRef idx="minor">
+            <a:schemeClr val="tx1"/>
+          </a:fontRef>
+        </p:style>
+      </p:cxnSp>
+      <p:cxnSp>
+        <p:nvCxnSpPr>
+          <p:cNvPr id="23" name="Straight Arrow Connector 22"/>
+          <p:cNvCxnSpPr/>
+          <p:nvPr/>
+        </p:nvCxnSpPr>
+        <p:spPr>
+          <a:xfrm flipV="1">
+            <a:off x="3076598" y="4726330"/>
+            <a:ext cx="861630" cy="683448"/>
+          </a:xfrm>
+          <a:prstGeom prst="straightConnector1">
+            <a:avLst/>
+          </a:prstGeom>
+          <a:ln w="19050">
+            <a:solidFill>
+              <a:schemeClr val="accent4"/>
+            </a:solidFill>
+            <a:prstDash val="dash"/>
+            <a:tailEnd type="triangle"/>
+          </a:ln>
+        </p:spPr>
+        <p:style>
+          <a:lnRef idx="1">
+            <a:schemeClr val="accent1"/>
+          </a:lnRef>
+          <a:fillRef idx="0">
+            <a:schemeClr val="accent1"/>
+          </a:fillRef>
+          <a:effectRef idx="0">
+            <a:schemeClr val="accent1"/>
+          </a:effectRef>
+          <a:fontRef idx="minor">
+            <a:schemeClr val="tx1"/>
+          </a:fontRef>
+        </p:style>
+      </p:cxnSp>
+      <p:cxnSp>
+        <p:nvCxnSpPr>
+          <p:cNvPr id="26" name="Straight Arrow Connector 25"/>
+          <p:cNvCxnSpPr/>
+          <p:nvPr/>
+        </p:nvCxnSpPr>
+        <p:spPr>
+          <a:xfrm flipH="1" flipV="1">
+            <a:off x="4536303" y="4429177"/>
+            <a:ext cx="1584773" cy="442189"/>
+          </a:xfrm>
+          <a:prstGeom prst="straightConnector1">
+            <a:avLst/>
+          </a:prstGeom>
+          <a:ln w="19050">
+            <a:solidFill>
+              <a:schemeClr val="accent4"/>
+            </a:solidFill>
+            <a:prstDash val="dash"/>
+            <a:tailEnd type="triangle"/>
+          </a:ln>
+        </p:spPr>
+        <p:style>
+          <a:lnRef idx="1">
+            <a:schemeClr val="accent1"/>
+          </a:lnRef>
+          <a:fillRef idx="0">
+            <a:schemeClr val="accent1"/>
+          </a:fillRef>
+          <a:effectRef idx="0">
+            <a:schemeClr val="accent1"/>
+          </a:effectRef>
+          <a:fontRef idx="minor">
+            <a:schemeClr val="tx1"/>
+          </a:fontRef>
+        </p:style>
+      </p:cxnSp>
+      <p:sp>
+        <p:nvSpPr>
+          <p:cNvPr id="29" name="Rectangle 28"/>
+          <p:cNvSpPr/>
+          <p:nvPr/>
+        </p:nvSpPr>
+        <p:spPr>
+          <a:xfrm>
+            <a:off x="8160615" y="3905957"/>
+            <a:ext cx="1945096" cy="523220"/>
+          </a:xfrm>
+          <a:prstGeom prst="rect">
+            <a:avLst/>
+          </a:prstGeom>
+          <a:noFill/>
+        </p:spPr>
+        <p:txBody>
+          <a:bodyPr wrap="square" lIns="91440" tIns="45720" rIns="91440" bIns="45720">
+            <a:spAutoFit/>
+          </a:bodyPr>
+          <a:lstStyle/>
+          <a:p>
+            <a:pPr algn="ctr"/>
+            <a:r>
+              <a:rPr lang="en-US" sz="2800" b="1" dirty="0" smtClean="0">
+                <a:ln w="22225">
+                  <a:solidFill>
+                    <a:schemeClr val="accent1"/>
+                  </a:solidFill>
+                  <a:prstDash val="solid"/>
+                </a:ln>
+                <a:solidFill>
+                  <a:schemeClr val="tx2"/>
+                </a:solidFill>
+              </a:rPr>
+              <a:t>N=2</a:t>
+            </a:r>
+            <a:endParaRPr lang="en-US" sz="2800" b="1" cap="none" spc="0" dirty="0">
+              <a:ln w="22225">
+                <a:solidFill>
+                  <a:schemeClr val="accent1"/>
+                </a:solidFill>
+                <a:prstDash val="solid"/>
+              </a:ln>
+              <a:solidFill>
+                <a:schemeClr val="tx2"/>
+              </a:solidFill>
+              <a:effectLst/>
+            </a:endParaRPr>
+          </a:p>
+        </p:txBody>
+      </p:sp>
+      <p:cxnSp>
+        <p:nvCxnSpPr>
+          <p:cNvPr id="30" name="Straight Arrow Connector 29"/>
+          <p:cNvCxnSpPr>
+            <a:stCxn id="13" idx="2"/>
+            <a:endCxn id="29" idx="0"/>
+          </p:cNvCxnSpPr>
+          <p:nvPr/>
+        </p:nvCxnSpPr>
+        <p:spPr>
+          <a:xfrm flipH="1">
+            <a:off x="9133163" y="3358459"/>
+            <a:ext cx="789845" cy="547498"/>
+          </a:xfrm>
+          <a:prstGeom prst="straightConnector1">
+            <a:avLst/>
+          </a:prstGeom>
+          <a:ln w="19050">
+            <a:solidFill>
+              <a:schemeClr val="accent4"/>
+            </a:solidFill>
+            <a:prstDash val="dash"/>
+            <a:tailEnd type="triangle"/>
+          </a:ln>
+        </p:spPr>
+        <p:style>
+          <a:lnRef idx="1">
+            <a:schemeClr val="accent1"/>
+          </a:lnRef>
+          <a:fillRef idx="0">
+            <a:schemeClr val="accent1"/>
+          </a:fillRef>
+          <a:effectRef idx="0">
+            <a:schemeClr val="accent1"/>
+          </a:effectRef>
+          <a:fontRef idx="minor">
+            <a:schemeClr val="tx1"/>
+          </a:fontRef>
+        </p:style>
+      </p:cxnSp>
+      <p:cxnSp>
+        <p:nvCxnSpPr>
+          <p:cNvPr id="34" name="Straight Arrow Connector 33"/>
+          <p:cNvCxnSpPr>
+            <a:stCxn id="29" idx="2"/>
+            <a:endCxn id="14" idx="0"/>
+          </p:cNvCxnSpPr>
+          <p:nvPr/>
+        </p:nvCxnSpPr>
+        <p:spPr>
+          <a:xfrm>
+            <a:off x="9133163" y="4429177"/>
+            <a:ext cx="783103" cy="555034"/>
+          </a:xfrm>
+          <a:prstGeom prst="straightConnector1">
+            <a:avLst/>
+          </a:prstGeom>
+          <a:ln w="19050">
+            <a:solidFill>
+              <a:schemeClr val="accent4"/>
+            </a:solidFill>
+            <a:prstDash val="dash"/>
+            <a:tailEnd type="triangle"/>
+          </a:ln>
+        </p:spPr>
+        <p:style>
+          <a:lnRef idx="1">
+            <a:schemeClr val="accent1"/>
+          </a:lnRef>
+          <a:fillRef idx="0">
+            <a:schemeClr val="accent1"/>
+          </a:fillRef>
+          <a:effectRef idx="0">
+            <a:schemeClr val="accent1"/>
+          </a:effectRef>
+          <a:fontRef idx="minor">
+            <a:schemeClr val="tx1"/>
+          </a:fontRef>
+        </p:style>
+      </p:cxnSp>
+      <p:sp>
+        <p:nvSpPr>
+          <p:cNvPr id="42" name="Rectangle 41"/>
+          <p:cNvSpPr/>
+          <p:nvPr/>
+        </p:nvSpPr>
+        <p:spPr>
+          <a:xfrm>
+            <a:off x="8611603" y="1498274"/>
+            <a:ext cx="2988216" cy="954107"/>
+          </a:xfrm>
+          <a:prstGeom prst="rect">
+            <a:avLst/>
+          </a:prstGeom>
+          <a:noFill/>
+        </p:spPr>
+        <p:txBody>
+          <a:bodyPr wrap="square" lIns="91440" tIns="45720" rIns="91440" bIns="45720">
+            <a:spAutoFit/>
+          </a:bodyPr>
+          <a:lstStyle/>
+          <a:p>
+            <a:pPr algn="ctr"/>
+            <a:r>
+              <a:rPr lang="en-US" sz="2800" b="1" dirty="0" smtClean="0">
+                <a:ln w="22225">
+                  <a:solidFill>
+                    <a:schemeClr val="accent1"/>
+                  </a:solidFill>
+                  <a:prstDash val="solid"/>
+                </a:ln>
+                <a:solidFill>
+                  <a:schemeClr val="tx2"/>
+                </a:solidFill>
+              </a:rPr>
+              <a:t>Making an </a:t>
+            </a:r>
+          </a:p>
+          <a:p>
+            <a:pPr algn="ctr"/>
+            <a:r>
+              <a:rPr lang="en-US" sz="2800" b="1" dirty="0" smtClean="0">
+                <a:ln w="22225">
+                  <a:solidFill>
+                    <a:schemeClr val="accent1"/>
+                  </a:solidFill>
+                  <a:prstDash val="solid"/>
+                </a:ln>
+                <a:solidFill>
+                  <a:schemeClr val="tx2"/>
+                </a:solidFill>
+              </a:rPr>
+              <a:t>“N-Gram”</a:t>
+            </a:r>
+            <a:endParaRPr lang="en-US" sz="2800" b="1" cap="none" spc="0" dirty="0">
+              <a:ln w="22225">
+                <a:solidFill>
+                  <a:schemeClr val="accent1"/>
+                </a:solidFill>
+                <a:prstDash val="solid"/>
+              </a:ln>
+              <a:solidFill>
+                <a:schemeClr val="tx2"/>
+              </a:solidFill>
+              <a:effectLst/>
+            </a:endParaRPr>
+          </a:p>
+        </p:txBody>
+      </p:sp>
+    </p:spTree>
+    <p:extLst>
+      <p:ext uri="{BB962C8B-B14F-4D97-AF65-F5344CB8AC3E}">
+        <p14:creationId xmlns:p14="http://schemas.microsoft.com/office/powerpoint/2010/main" val="1247002621"/>
+      </p:ext>
+    </p:extLst>
+  </p:cSld>
+  <p:clrMapOvr>
+    <a:masterClrMapping/>
+  </p:clrMapOvr>
+  <mc:AlternateContent xmlns:mc="http://schemas.openxmlformats.org/markup-compatibility/2006" xmlns:p14="http://schemas.microsoft.com/office/powerpoint/2010/main">
+    <mc:Choice Requires="p14">
+      <p:transition spd="med" p14:dur="700">
+        <p:fade/>
+      </p:transition>
+    </mc:Choice>
+    <mc:Fallback xmlns="">
+      <p:transition spd="med">
+        <p:fade/>
+      </p:transition>
+    </mc:Fallback>
+  </mc:AlternateContent>
 </p:sld>
 </file>
 
